--- a/Presentations/Optical Box for Optical Computing.pptx
+++ b/Presentations/Optical Box for Optical Computing.pptx
@@ -5,7 +5,7 @@
     <p:sldMasterId id="2147483677" r:id="rId1"/>
   </p:sldMasterIdLst>
   <p:notesMasterIdLst>
-    <p:notesMasterId r:id="rId40"/>
+    <p:notesMasterId r:id="rId42"/>
   </p:notesMasterIdLst>
   <p:sldIdLst>
     <p:sldId id="256" r:id="rId2"/>
@@ -45,7 +45,9 @@
     <p:sldId id="280" r:id="rId36"/>
     <p:sldId id="292" r:id="rId37"/>
     <p:sldId id="281" r:id="rId38"/>
-    <p:sldId id="273" r:id="rId39"/>
+    <p:sldId id="295" r:id="rId39"/>
+    <p:sldId id="296" r:id="rId40"/>
+    <p:sldId id="273" r:id="rId41"/>
   </p:sldIdLst>
   <p:sldSz cx="12192000" cy="6858000"/>
   <p:notesSz cx="6858000" cy="9144000"/>
@@ -2753,7 +2755,7 @@
           <a:p>
             <a:fld id="{47965BDB-5C01-4139-9513-E8EA78BAB95C}" type="datetimeFigureOut">
               <a:rPr lang="ru-RU" smtClean="0"/>
-              <a:t>18.08.2015</a:t>
+              <a:t>20.08.2015</a:t>
             </a:fld>
             <a:endParaRPr lang="ru-RU"/>
           </a:p>
@@ -3850,7 +3852,7 @@
           <a:p>
             <a:fld id="{6DAFDC14-BBF4-497A-BB56-B676D1547F7F}" type="datetime1">
               <a:rPr lang="ru-RU" smtClean="0"/>
-              <a:t>18.08.2015</a:t>
+              <a:t>20.08.2015</a:t>
             </a:fld>
             <a:endParaRPr lang="ru-RU"/>
           </a:p>
@@ -4105,7 +4107,7 @@
           <a:p>
             <a:fld id="{DF3F8DB9-8227-493B-A0AD-1CC3989C1ABB}" type="datetime1">
               <a:rPr lang="ru-RU" smtClean="0"/>
-              <a:t>18.08.2015</a:t>
+              <a:t>20.08.2015</a:t>
             </a:fld>
             <a:endParaRPr lang="ru-RU"/>
           </a:p>
@@ -4423,7 +4425,7 @@
           <a:p>
             <a:fld id="{BFB419EF-464C-4779-AF31-B89448570BA7}" type="datetime1">
               <a:rPr lang="ru-RU" smtClean="0"/>
-              <a:t>18.08.2015</a:t>
+              <a:t>20.08.2015</a:t>
             </a:fld>
             <a:endParaRPr lang="ru-RU"/>
           </a:p>
@@ -4760,7 +4762,7 @@
           <a:p>
             <a:fld id="{81FDFD84-6B9D-4E0E-9F7F-09BE48D000C8}" type="datetime1">
               <a:rPr lang="ru-RU" smtClean="0"/>
-              <a:t>18.08.2015</a:t>
+              <a:t>20.08.2015</a:t>
             </a:fld>
             <a:endParaRPr lang="ru-RU"/>
           </a:p>
@@ -5078,7 +5080,7 @@
           <a:p>
             <a:fld id="{9D221666-A417-4DBC-9B46-3A22CA5326FD}" type="datetime1">
               <a:rPr lang="ru-RU" smtClean="0"/>
-              <a:t>18.08.2015</a:t>
+              <a:t>20.08.2015</a:t>
             </a:fld>
             <a:endParaRPr lang="ru-RU"/>
           </a:p>
@@ -5475,7 +5477,7 @@
           <a:p>
             <a:fld id="{4417E817-5BB5-4DAE-8F3E-3F2CD7A3287B}" type="datetime1">
               <a:rPr lang="ru-RU" smtClean="0"/>
-              <a:t>18.08.2015</a:t>
+              <a:t>20.08.2015</a:t>
             </a:fld>
             <a:endParaRPr lang="ru-RU"/>
           </a:p>
@@ -5649,7 +5651,7 @@
           <a:p>
             <a:fld id="{F8141C52-79A8-43A9-9723-3CE182EFD85B}" type="datetime1">
               <a:rPr lang="ru-RU" smtClean="0"/>
-              <a:t>18.08.2015</a:t>
+              <a:t>20.08.2015</a:t>
             </a:fld>
             <a:endParaRPr lang="ru-RU"/>
           </a:p>
@@ -5833,7 +5835,7 @@
           <a:p>
             <a:fld id="{136594F7-1AF4-46CB-8712-9E91E713E1B5}" type="datetime1">
               <a:rPr lang="ru-RU" smtClean="0"/>
-              <a:t>18.08.2015</a:t>
+              <a:t>20.08.2015</a:t>
             </a:fld>
             <a:endParaRPr lang="ru-RU"/>
           </a:p>
@@ -6007,7 +6009,7 @@
           <a:p>
             <a:fld id="{56B3D54F-20DE-4414-B684-E04866F89C55}" type="datetime1">
               <a:rPr lang="ru-RU" smtClean="0"/>
-              <a:t>18.08.2015</a:t>
+              <a:t>20.08.2015</a:t>
             </a:fld>
             <a:endParaRPr lang="ru-RU"/>
           </a:p>
@@ -6258,7 +6260,7 @@
           <a:p>
             <a:fld id="{FC2D666B-7C13-4D15-9F03-69B21520EDF2}" type="datetime1">
               <a:rPr lang="ru-RU" smtClean="0"/>
-              <a:t>18.08.2015</a:t>
+              <a:t>20.08.2015</a:t>
             </a:fld>
             <a:endParaRPr lang="ru-RU"/>
           </a:p>
@@ -6494,7 +6496,7 @@
           <a:p>
             <a:fld id="{E783CE21-E67D-48C9-91E8-9594510E3231}" type="datetime1">
               <a:rPr lang="ru-RU" smtClean="0"/>
-              <a:t>18.08.2015</a:t>
+              <a:t>20.08.2015</a:t>
             </a:fld>
             <a:endParaRPr lang="ru-RU"/>
           </a:p>
@@ -6872,7 +6874,7 @@
           <a:p>
             <a:fld id="{C6F211F9-15E9-4062-BC36-A6B903B58476}" type="datetime1">
               <a:rPr lang="ru-RU" smtClean="0"/>
-              <a:t>18.08.2015</a:t>
+              <a:t>20.08.2015</a:t>
             </a:fld>
             <a:endParaRPr lang="ru-RU"/>
           </a:p>
@@ -6999,7 +7001,7 @@
           <a:p>
             <a:fld id="{41BAC305-2C37-4251-89E6-3557804A3DDE}" type="datetime1">
               <a:rPr lang="ru-RU" smtClean="0"/>
-              <a:t>18.08.2015</a:t>
+              <a:t>20.08.2015</a:t>
             </a:fld>
             <a:endParaRPr lang="ru-RU"/>
           </a:p>
@@ -7098,7 +7100,7 @@
           <a:p>
             <a:fld id="{557E1E2D-46C2-4196-8C98-10F2744AB894}" type="datetime1">
               <a:rPr lang="ru-RU" smtClean="0"/>
-              <a:t>18.08.2015</a:t>
+              <a:t>20.08.2015</a:t>
             </a:fld>
             <a:endParaRPr lang="ru-RU"/>
           </a:p>
@@ -7357,7 +7359,7 @@
           <a:p>
             <a:fld id="{880FE139-BDD1-4F1C-92F9-C0B504D155D5}" type="datetime1">
               <a:rPr lang="ru-RU" smtClean="0"/>
-              <a:t>18.08.2015</a:t>
+              <a:t>20.08.2015</a:t>
             </a:fld>
             <a:endParaRPr lang="ru-RU"/>
           </a:p>
@@ -7670,7 +7672,7 @@
           <a:p>
             <a:fld id="{5786CDF8-6869-4872-AF43-E4994A221A58}" type="datetime1">
               <a:rPr lang="ru-RU" smtClean="0"/>
-              <a:t>18.08.2015</a:t>
+              <a:t>20.08.2015</a:t>
             </a:fld>
             <a:endParaRPr lang="ru-RU"/>
           </a:p>
@@ -8372,7 +8374,7 @@
           <a:p>
             <a:fld id="{F89CE3D6-8E5E-46A1-B98D-170B2857F33F}" type="datetime1">
               <a:rPr lang="ru-RU" smtClean="0"/>
-              <a:t>18.08.2015</a:t>
+              <a:t>20.08.2015</a:t>
             </a:fld>
             <a:endParaRPr lang="ru-RU"/>
           </a:p>
@@ -12094,15 +12096,7 @@
             <a:pPr algn="just"/>
             <a:r>
               <a:rPr lang="en-US" dirty="0" smtClean="0"/>
-              <a:t>Optical Computing is not a modern idea or technology. Optical Computing idea was popular </a:t>
-            </a:r>
-            <a:r>
-              <a:rPr lang="en-US" dirty="0" smtClean="0"/>
-              <a:t>during 1980-1990</a:t>
-            </a:r>
-            <a:r>
-              <a:rPr lang="en-US" dirty="0" smtClean="0"/>
-              <a:t>. There are many publications and research exists, but until now, no one device sold for public.</a:t>
+              <a:t>Optical Computing is not a modern idea or technology. Optical Computing idea was popular during 1980-1990. There are many publications and research exists, but until now, no one device sold for public.</a:t>
             </a:r>
           </a:p>
           <a:p>
@@ -14123,23 +14117,7 @@
           <a:p>
             <a:r>
               <a:rPr lang="en-US" dirty="0" smtClean="0"/>
-              <a:t>Chips of LD, DLPs and MIS are mount on one side of a Circuit Board in row with equal step. LD and MIP </a:t>
-            </a:r>
-            <a:r>
-              <a:rPr lang="en-US" dirty="0" smtClean="0"/>
-              <a:t>are placed </a:t>
-            </a:r>
-            <a:r>
-              <a:rPr lang="en-US" dirty="0" smtClean="0"/>
-              <a:t>at left and right DLPs </a:t>
-            </a:r>
-            <a:r>
-              <a:rPr lang="en-US" dirty="0" smtClean="0"/>
-              <a:t>are placed in </a:t>
-            </a:r>
-            <a:r>
-              <a:rPr lang="en-US" dirty="0" smtClean="0"/>
-              <a:t>the middle.</a:t>
+              <a:t>Chips of LD, DLPs and MIS are mount on one side of a Circuit Board in row with equal step. LD and MIP are placed at left and right DLPs are placed in the middle.</a:t>
             </a:r>
           </a:p>
           <a:p>
@@ -14151,11 +14129,7 @@
           <a:p>
             <a:r>
               <a:rPr lang="en-US" dirty="0" smtClean="0"/>
-              <a:t>At another side of the Frame placed a Film with printed </a:t>
-            </a:r>
-            <a:r>
-              <a:rPr lang="en-US" dirty="0" smtClean="0"/>
-              <a:t>FZPs, a Polarizing </a:t>
+              <a:t>At another side of the Frame placed a Film with printed FZPs, a Polarizing </a:t>
             </a:r>
             <a:r>
               <a:rPr lang="en-US" dirty="0"/>
@@ -14169,23 +14143,7 @@
           <a:p>
             <a:r>
               <a:rPr lang="en-US" dirty="0" smtClean="0"/>
-              <a:t>Sizes </a:t>
-            </a:r>
-            <a:r>
-              <a:rPr lang="en-US" dirty="0" smtClean="0"/>
-              <a:t>of </a:t>
-            </a:r>
-            <a:r>
-              <a:rPr lang="en-US" dirty="0" smtClean="0"/>
-              <a:t>the</a:t>
-            </a:r>
-            <a:r>
-              <a:rPr lang="en-US" dirty="0" smtClean="0"/>
-              <a:t> Circuit </a:t>
-            </a:r>
-            <a:r>
-              <a:rPr lang="en-US" dirty="0" smtClean="0"/>
-              <a:t>Board, </a:t>
+              <a:t>Sizes of the Circuit Board, </a:t>
             </a:r>
             <a:r>
               <a:rPr lang="en-US" dirty="0"/>
@@ -14225,11 +14183,7 @@
             </a:r>
             <a:r>
               <a:rPr lang="en-US" dirty="0" smtClean="0"/>
-              <a:t>Mirror </a:t>
-            </a:r>
-            <a:r>
-              <a:rPr lang="en-US" dirty="0" smtClean="0"/>
-              <a:t>are equal</a:t>
+              <a:t>Mirror are equal</a:t>
             </a:r>
           </a:p>
           <a:p>
@@ -14243,17 +14197,8 @@
             </a:r>
             <a:r>
               <a:rPr lang="en-US" dirty="0" smtClean="0"/>
-              <a:t>is equal a number of </a:t>
-            </a:r>
-            <a:r>
-              <a:rPr lang="en-US" dirty="0" smtClean="0"/>
-              <a:t>DLPs plus two half-sized </a:t>
-            </a:r>
-            <a:r>
-              <a:rPr lang="en-US" dirty="0" smtClean="0"/>
-              <a:t>FZPs for LD and MIS</a:t>
-            </a:r>
-            <a:endParaRPr lang="en-US" dirty="0" smtClean="0"/>
+              <a:t>is equal a number of DLPs plus two half-sized FZPs for LD and MIS</a:t>
+            </a:r>
           </a:p>
           <a:p>
             <a:r>
@@ -14284,11 +14229,7 @@
           <a:p>
             <a:r>
               <a:rPr lang="en-US" dirty="0" smtClean="0"/>
-              <a:t>DLP or MIS can be combined from number of </a:t>
-            </a:r>
-            <a:r>
-              <a:rPr lang="en-US" dirty="0" smtClean="0"/>
-              <a:t>chips</a:t>
+              <a:t>DLP or MIS can be combined from number of chips</a:t>
             </a:r>
           </a:p>
           <a:p>
@@ -14296,7 +14237,6 @@
               <a:rPr lang="en-US" dirty="0" smtClean="0"/>
               <a:t>Some DLP can be replaced by mirrors to reduce number of DLP chips</a:t>
             </a:r>
-            <a:endParaRPr lang="en-US" dirty="0" smtClean="0"/>
           </a:p>
           <a:p>
             <a:endParaRPr lang="ru-RU" dirty="0"/>
@@ -15475,7 +15415,7 @@
           <a:p>
             <a:r>
               <a:rPr lang="en-US" dirty="0" smtClean="0"/>
-              <a:t>Thank You</a:t>
+              <a:t>Optic Box Tools Developed</a:t>
             </a:r>
             <a:endParaRPr lang="ru-RU" dirty="0"/>
           </a:p>
@@ -15497,60 +15437,62 @@
           <a:lstStyle/>
           <a:p>
             <a:r>
-              <a:rPr lang="en-US" dirty="0" smtClean="0"/>
-              <a:t>Contacts</a:t>
-            </a:r>
+              <a:rPr lang="en-US" dirty="0"/>
+              <a:t>Optic Box Tools </a:t>
+            </a:r>
+            <a:endParaRPr lang="en-US" dirty="0" smtClean="0"/>
           </a:p>
           <a:p>
             <a:pPr lvl="1"/>
             <a:r>
+              <a:rPr lang="en-US" dirty="0" smtClean="0"/>
+              <a:t>FZP Builder</a:t>
+            </a:r>
+          </a:p>
+          <a:p>
+            <a:r>
               <a:rPr lang="en-US" dirty="0"/>
-              <a:t>Dmitry Protopopov, Moscow, Russia</a:t>
-            </a:r>
-            <a:br>
+              <a:t>Software Packages and Tools was used for samples development</a:t>
+            </a:r>
+          </a:p>
+          <a:p>
+            <a:pPr lvl="1"/>
+            <a:r>
               <a:rPr lang="en-US" dirty="0"/>
-            </a:br>
+              <a:t>Microsoft Visual Studio 2013 C#</a:t>
+            </a:r>
+          </a:p>
+          <a:p>
+            <a:pPr lvl="1"/>
+            <a:r>
+              <a:rPr lang="en-US" dirty="0" err="1"/>
+              <a:t>EmguCV</a:t>
+            </a:r>
             <a:r>
               <a:rPr lang="en-US" dirty="0"/>
-              <a:t> </a:t>
-            </a:r>
-            <a:r>
-              <a:rPr lang="en-US" dirty="0">
-                <a:hlinkClick r:id="rId2"/>
-              </a:rPr>
-              <a:t>dmitry@protopopov.ru</a:t>
+              <a:t>/</a:t>
+            </a:r>
+            <a:r>
+              <a:rPr lang="en-US" dirty="0" err="1"/>
+              <a:t>OpenCV</a:t>
             </a:r>
             <a:r>
               <a:rPr lang="en-US" dirty="0"/>
-              <a:t> </a:t>
-            </a:r>
-            <a:br>
+              <a:t> – C++ computer vision library (bitmap data management part)</a:t>
+            </a:r>
+          </a:p>
+          <a:p>
+            <a:pPr lvl="1"/>
+            <a:r>
+              <a:rPr lang="en-US" dirty="0" err="1"/>
+              <a:t>FFTWSharp</a:t>
+            </a:r>
+            <a:r>
               <a:rPr lang="en-US" dirty="0"/>
-            </a:br>
-            <a:r>
-              <a:rPr lang="en-US" dirty="0"/>
-              <a:t>+7 916 </a:t>
-            </a:r>
-            <a:r>
-              <a:rPr lang="en-US" dirty="0" smtClean="0"/>
-              <a:t>6969591</a:t>
-            </a:r>
-          </a:p>
-          <a:p>
-            <a:pPr lvl="1"/>
-            <a:r>
-              <a:rPr lang="en-US" dirty="0"/>
-              <a:t>Taras Kovtun, Boca Raton, FL, USA</a:t>
-            </a:r>
-            <a:br>
-              <a:rPr lang="en-US" dirty="0"/>
-            </a:br>
-            <a:r>
-              <a:rPr lang="en-US" dirty="0">
-                <a:hlinkClick r:id="rId3"/>
-              </a:rPr>
-              <a:t>boss@rbadesign.us</a:t>
-            </a:r>
+              <a:t>/FFTW – C++ Discrete Fast Fourier Transform implementation</a:t>
+            </a:r>
+          </a:p>
+          <a:p>
             <a:endParaRPr lang="ru-RU" dirty="0"/>
           </a:p>
         </p:txBody>
@@ -15604,7 +15546,151 @@
     </p:spTree>
     <p:extLst>
       <p:ext uri="{BB962C8B-B14F-4D97-AF65-F5344CB8AC3E}">
-        <p14:creationId xmlns:p14="http://schemas.microsoft.com/office/powerpoint/2010/main" val="2180667036"/>
+        <p14:creationId xmlns:p14="http://schemas.microsoft.com/office/powerpoint/2010/main" val="1214516285"/>
+      </p:ext>
+    </p:extLst>
+  </p:cSld>
+  <p:clrMapOvr>
+    <a:masterClrMapping/>
+  </p:clrMapOvr>
+</p:sld>
+</file>
+
+<file path=ppt/slides/slide39.xml><?xml version="1.0" encoding="utf-8"?>
+<p:sld xmlns:a="http://schemas.openxmlformats.org/drawingml/2006/main" xmlns:r="http://schemas.openxmlformats.org/officeDocument/2006/relationships" xmlns:p="http://schemas.openxmlformats.org/presentationml/2006/main">
+  <p:cSld>
+    <p:spTree>
+      <p:nvGrpSpPr>
+        <p:cNvPr id="1" name=""/>
+        <p:cNvGrpSpPr/>
+        <p:nvPr/>
+      </p:nvGrpSpPr>
+      <p:grpSpPr>
+        <a:xfrm>
+          <a:off x="0" y="0"/>
+          <a:ext cx="0" cy="0"/>
+          <a:chOff x="0" y="0"/>
+          <a:chExt cx="0" cy="0"/>
+        </a:xfrm>
+      </p:grpSpPr>
+      <p:sp>
+        <p:nvSpPr>
+          <p:cNvPr id="2" name="Заголовок 1"/>
+          <p:cNvSpPr>
+            <a:spLocks noGrp="1"/>
+          </p:cNvSpPr>
+          <p:nvPr>
+            <p:ph type="title"/>
+          </p:nvPr>
+        </p:nvSpPr>
+        <p:spPr/>
+        <p:txBody>
+          <a:bodyPr>
+            <a:normAutofit fontScale="90000"/>
+          </a:bodyPr>
+          <a:lstStyle/>
+          <a:p>
+            <a:r>
+              <a:rPr lang="en-US" dirty="0"/>
+              <a:t>FZP </a:t>
+            </a:r>
+            <a:r>
+              <a:rPr lang="en-US" dirty="0" smtClean="0"/>
+              <a:t>Builder</a:t>
+            </a:r>
+            <a:br>
+              <a:rPr lang="en-US" dirty="0" smtClean="0"/>
+            </a:br>
+            <a:r>
+              <a:rPr lang="en-US" dirty="0"/>
+              <a:t>Optic Box Tools Developed</a:t>
+            </a:r>
+            <a:br>
+              <a:rPr lang="en-US" dirty="0"/>
+            </a:br>
+            <a:endParaRPr lang="ru-RU" dirty="0"/>
+          </a:p>
+        </p:txBody>
+      </p:sp>
+      <p:pic>
+        <p:nvPicPr>
+          <p:cNvPr id="6" name="Объект 5"/>
+          <p:cNvPicPr>
+            <a:picLocks noGrp="1" noChangeAspect="1"/>
+          </p:cNvPicPr>
+          <p:nvPr>
+            <p:ph idx="1"/>
+          </p:nvPr>
+        </p:nvPicPr>
+        <p:blipFill>
+          <a:blip r:embed="rId2">
+            <a:extLst>
+              <a:ext uri="{28A0092B-C50C-407E-A947-70E740481C1C}">
+                <a14:useLocalDpi xmlns:a14="http://schemas.microsoft.com/office/drawing/2010/main" val="0"/>
+              </a:ext>
+            </a:extLst>
+          </a:blip>
+          <a:stretch>
+            <a:fillRect/>
+          </a:stretch>
+        </p:blipFill>
+        <p:spPr>
+          <a:xfrm>
+            <a:off x="1318419" y="2361406"/>
+            <a:ext cx="7315200" cy="3479800"/>
+          </a:xfrm>
+        </p:spPr>
+      </p:pic>
+      <p:sp>
+        <p:nvSpPr>
+          <p:cNvPr id="4" name="Нижний колонтитул 3"/>
+          <p:cNvSpPr>
+            <a:spLocks noGrp="1"/>
+          </p:cNvSpPr>
+          <p:nvPr>
+            <p:ph type="ftr" sz="quarter" idx="11"/>
+          </p:nvPr>
+        </p:nvSpPr>
+        <p:spPr/>
+        <p:txBody>
+          <a:bodyPr/>
+          <a:lstStyle/>
+          <a:p>
+            <a:r>
+              <a:rPr lang="en-US" smtClean="0"/>
+              <a:t>DMITRY@PROTOPOPOV.RU</a:t>
+            </a:r>
+            <a:endParaRPr lang="ru-RU"/>
+          </a:p>
+        </p:txBody>
+      </p:sp>
+      <p:sp>
+        <p:nvSpPr>
+          <p:cNvPr id="5" name="Номер слайда 4"/>
+          <p:cNvSpPr>
+            <a:spLocks noGrp="1"/>
+          </p:cNvSpPr>
+          <p:nvPr>
+            <p:ph type="sldNum" sz="quarter" idx="12"/>
+          </p:nvPr>
+        </p:nvSpPr>
+        <p:spPr/>
+        <p:txBody>
+          <a:bodyPr/>
+          <a:lstStyle/>
+          <a:p>
+            <a:fld id="{C0AF4200-06F9-4C00-BF67-F73768F696CA}" type="slidenum">
+              <a:rPr lang="ru-RU" smtClean="0"/>
+              <a:t>39</a:t>
+            </a:fld>
+            <a:endParaRPr lang="ru-RU"/>
+          </a:p>
+        </p:txBody>
+      </p:sp>
+    </p:spTree>
+    <p:extLst>
+      <p:ext uri="{BB962C8B-B14F-4D97-AF65-F5344CB8AC3E}">
+        <p14:creationId xmlns:p14="http://schemas.microsoft.com/office/powerpoint/2010/main" val="2126944354"/>
       </p:ext>
     </p:extLst>
   </p:cSld>
@@ -15705,6 +15791,179 @@
     <p:extLst>
       <p:ext uri="{BB962C8B-B14F-4D97-AF65-F5344CB8AC3E}">
         <p14:creationId xmlns:p14="http://schemas.microsoft.com/office/powerpoint/2010/main" val="2548915602"/>
+      </p:ext>
+    </p:extLst>
+  </p:cSld>
+  <p:clrMapOvr>
+    <a:masterClrMapping/>
+  </p:clrMapOvr>
+</p:sld>
+</file>
+
+<file path=ppt/slides/slide40.xml><?xml version="1.0" encoding="utf-8"?>
+<p:sld xmlns:a="http://schemas.openxmlformats.org/drawingml/2006/main" xmlns:r="http://schemas.openxmlformats.org/officeDocument/2006/relationships" xmlns:p="http://schemas.openxmlformats.org/presentationml/2006/main">
+  <p:cSld>
+    <p:spTree>
+      <p:nvGrpSpPr>
+        <p:cNvPr id="1" name=""/>
+        <p:cNvGrpSpPr/>
+        <p:nvPr/>
+      </p:nvGrpSpPr>
+      <p:grpSpPr>
+        <a:xfrm>
+          <a:off x="0" y="0"/>
+          <a:ext cx="0" cy="0"/>
+          <a:chOff x="0" y="0"/>
+          <a:chExt cx="0" cy="0"/>
+        </a:xfrm>
+      </p:grpSpPr>
+      <p:sp>
+        <p:nvSpPr>
+          <p:cNvPr id="2" name="Заголовок 1"/>
+          <p:cNvSpPr>
+            <a:spLocks noGrp="1"/>
+          </p:cNvSpPr>
+          <p:nvPr>
+            <p:ph type="title"/>
+          </p:nvPr>
+        </p:nvSpPr>
+        <p:spPr/>
+        <p:txBody>
+          <a:bodyPr/>
+          <a:lstStyle/>
+          <a:p>
+            <a:r>
+              <a:rPr lang="en-US" dirty="0" smtClean="0"/>
+              <a:t>Thank You</a:t>
+            </a:r>
+            <a:endParaRPr lang="ru-RU" dirty="0"/>
+          </a:p>
+        </p:txBody>
+      </p:sp>
+      <p:sp>
+        <p:nvSpPr>
+          <p:cNvPr id="3" name="Объект 2"/>
+          <p:cNvSpPr>
+            <a:spLocks noGrp="1"/>
+          </p:cNvSpPr>
+          <p:nvPr>
+            <p:ph idx="1"/>
+          </p:nvPr>
+        </p:nvSpPr>
+        <p:spPr/>
+        <p:txBody>
+          <a:bodyPr/>
+          <a:lstStyle/>
+          <a:p>
+            <a:r>
+              <a:rPr lang="en-US" dirty="0" smtClean="0"/>
+              <a:t>Contacts</a:t>
+            </a:r>
+          </a:p>
+          <a:p>
+            <a:pPr lvl="1"/>
+            <a:r>
+              <a:rPr lang="en-US" dirty="0"/>
+              <a:t>Dmitry Protopopov, Moscow, Russia</a:t>
+            </a:r>
+            <a:br>
+              <a:rPr lang="en-US" dirty="0"/>
+            </a:br>
+            <a:r>
+              <a:rPr lang="en-US" dirty="0"/>
+              <a:t> </a:t>
+            </a:r>
+            <a:r>
+              <a:rPr lang="en-US" dirty="0">
+                <a:hlinkClick r:id="rId2"/>
+              </a:rPr>
+              <a:t>dmitry@protopopov.ru</a:t>
+            </a:r>
+            <a:r>
+              <a:rPr lang="en-US" dirty="0"/>
+              <a:t> </a:t>
+            </a:r>
+            <a:br>
+              <a:rPr lang="en-US" dirty="0"/>
+            </a:br>
+            <a:r>
+              <a:rPr lang="en-US" dirty="0"/>
+              <a:t>+7 916 </a:t>
+            </a:r>
+            <a:r>
+              <a:rPr lang="en-US" dirty="0" smtClean="0"/>
+              <a:t>6969591</a:t>
+            </a:r>
+          </a:p>
+          <a:p>
+            <a:pPr lvl="1"/>
+            <a:r>
+              <a:rPr lang="en-US" dirty="0"/>
+              <a:t>Taras Kovtun, Boca Raton, FL, USA</a:t>
+            </a:r>
+            <a:br>
+              <a:rPr lang="en-US" dirty="0"/>
+            </a:br>
+            <a:r>
+              <a:rPr lang="en-US" dirty="0">
+                <a:hlinkClick r:id="rId3"/>
+              </a:rPr>
+              <a:t>boss@rbadesign.us</a:t>
+            </a:r>
+            <a:endParaRPr lang="ru-RU" dirty="0"/>
+          </a:p>
+        </p:txBody>
+      </p:sp>
+      <p:sp>
+        <p:nvSpPr>
+          <p:cNvPr id="4" name="Нижний колонтитул 3"/>
+          <p:cNvSpPr>
+            <a:spLocks noGrp="1"/>
+          </p:cNvSpPr>
+          <p:nvPr>
+            <p:ph type="ftr" sz="quarter" idx="11"/>
+          </p:nvPr>
+        </p:nvSpPr>
+        <p:spPr/>
+        <p:txBody>
+          <a:bodyPr/>
+          <a:lstStyle/>
+          <a:p>
+            <a:r>
+              <a:rPr lang="en-US" smtClean="0"/>
+              <a:t>DMITRY@PROTOPOPOV.RU</a:t>
+            </a:r>
+            <a:endParaRPr lang="ru-RU"/>
+          </a:p>
+        </p:txBody>
+      </p:sp>
+      <p:sp>
+        <p:nvSpPr>
+          <p:cNvPr id="5" name="Номер слайда 4"/>
+          <p:cNvSpPr>
+            <a:spLocks noGrp="1"/>
+          </p:cNvSpPr>
+          <p:nvPr>
+            <p:ph type="sldNum" sz="quarter" idx="12"/>
+          </p:nvPr>
+        </p:nvSpPr>
+        <p:spPr/>
+        <p:txBody>
+          <a:bodyPr/>
+          <a:lstStyle/>
+          <a:p>
+            <a:fld id="{C0AF4200-06F9-4C00-BF67-F73768F696CA}" type="slidenum">
+              <a:rPr lang="ru-RU" smtClean="0"/>
+              <a:t>40</a:t>
+            </a:fld>
+            <a:endParaRPr lang="ru-RU"/>
+          </a:p>
+        </p:txBody>
+      </p:sp>
+    </p:spTree>
+    <p:extLst>
+      <p:ext uri="{BB962C8B-B14F-4D97-AF65-F5344CB8AC3E}">
+        <p14:creationId xmlns:p14="http://schemas.microsoft.com/office/powerpoint/2010/main" val="2180667036"/>
       </p:ext>
     </p:extLst>
   </p:cSld>
@@ -16004,15 +16263,7 @@
             </a:r>
             <a:r>
               <a:rPr lang="en-US" dirty="0" smtClean="0"/>
-              <a:t>Need </a:t>
-            </a:r>
-            <a:r>
-              <a:rPr lang="en-US" dirty="0" smtClean="0"/>
-              <a:t>a Deep </a:t>
-            </a:r>
-            <a:r>
-              <a:rPr lang="en-US" dirty="0" smtClean="0"/>
-              <a:t>Leaning</a:t>
+              <a:t>Need a Deep Leaning</a:t>
             </a:r>
             <a:r>
               <a:rPr lang="en-US" dirty="0"/>
@@ -16060,11 +16311,7 @@
             <a:pPr lvl="1"/>
             <a:r>
               <a:rPr lang="en-US" dirty="0" smtClean="0"/>
-              <a:t>Laser </a:t>
-            </a:r>
-            <a:r>
-              <a:rPr lang="en-US" dirty="0" smtClean="0"/>
-              <a:t>Diode Pen Stick and printed lines and holes</a:t>
+              <a:t>Laser Diode Pen Stick and printed lines and holes</a:t>
             </a:r>
           </a:p>
           <a:p>

--- a/Presentations/Optical Box for Optical Computing.pptx
+++ b/Presentations/Optical Box for Optical Computing.pptx
@@ -5,7 +5,7 @@
     <p:sldMasterId id="2147483677" r:id="rId1"/>
   </p:sldMasterIdLst>
   <p:notesMasterIdLst>
-    <p:notesMasterId r:id="rId42"/>
+    <p:notesMasterId r:id="rId45"/>
   </p:notesMasterIdLst>
   <p:sldIdLst>
     <p:sldId id="256" r:id="rId2"/>
@@ -40,14 +40,17 @@
     <p:sldId id="276" r:id="rId31"/>
     <p:sldId id="294" r:id="rId32"/>
     <p:sldId id="278" r:id="rId33"/>
-    <p:sldId id="282" r:id="rId34"/>
-    <p:sldId id="279" r:id="rId35"/>
-    <p:sldId id="280" r:id="rId36"/>
-    <p:sldId id="292" r:id="rId37"/>
-    <p:sldId id="281" r:id="rId38"/>
-    <p:sldId id="295" r:id="rId39"/>
-    <p:sldId id="296" r:id="rId40"/>
-    <p:sldId id="273" r:id="rId41"/>
+    <p:sldId id="300" r:id="rId34"/>
+    <p:sldId id="301" r:id="rId35"/>
+    <p:sldId id="302" r:id="rId36"/>
+    <p:sldId id="282" r:id="rId37"/>
+    <p:sldId id="279" r:id="rId38"/>
+    <p:sldId id="280" r:id="rId39"/>
+    <p:sldId id="292" r:id="rId40"/>
+    <p:sldId id="281" r:id="rId41"/>
+    <p:sldId id="295" r:id="rId42"/>
+    <p:sldId id="296" r:id="rId43"/>
+    <p:sldId id="273" r:id="rId44"/>
   </p:sldIdLst>
   <p:sldSz cx="12192000" cy="6858000"/>
   <p:notesSz cx="6858000" cy="9144000"/>
@@ -1121,237 +1124,6 @@
       <dsp:cNvGrpSpPr/>
     </dsp:nvGrpSpPr>
     <dsp:grpSpPr/>
-    <dsp:sp modelId="{14186881-BD02-4831-A931-95254397C784}">
-      <dsp:nvSpPr>
-        <dsp:cNvPr id="0" name=""/>
-        <dsp:cNvSpPr/>
-      </dsp:nvSpPr>
-      <dsp:spPr>
-        <a:xfrm>
-          <a:off x="443" y="477913"/>
-          <a:ext cx="540669" cy="216267"/>
-        </a:xfrm>
-        <a:prstGeom prst="chevron">
-          <a:avLst/>
-        </a:prstGeom>
-        <a:solidFill>
-          <a:schemeClr val="accent1">
-            <a:hueOff val="0"/>
-            <a:satOff val="0"/>
-            <a:lumOff val="0"/>
-            <a:alphaOff val="0"/>
-          </a:schemeClr>
-        </a:solidFill>
-        <a:ln w="19050" cap="rnd" cmpd="sng" algn="ctr">
-          <a:solidFill>
-            <a:schemeClr val="lt1">
-              <a:hueOff val="0"/>
-              <a:satOff val="0"/>
-              <a:lumOff val="0"/>
-              <a:alphaOff val="0"/>
-            </a:schemeClr>
-          </a:solidFill>
-          <a:prstDash val="solid"/>
-        </a:ln>
-        <a:effectLst/>
-      </dsp:spPr>
-      <dsp:style>
-        <a:lnRef idx="2">
-          <a:scrgbClr r="0" g="0" b="0"/>
-        </a:lnRef>
-        <a:fillRef idx="1">
-          <a:scrgbClr r="0" g="0" b="0"/>
-        </a:fillRef>
-        <a:effectRef idx="0">
-          <a:scrgbClr r="0" g="0" b="0"/>
-        </a:effectRef>
-        <a:fontRef idx="minor">
-          <a:schemeClr val="lt1"/>
-        </a:fontRef>
-      </dsp:style>
-      <dsp:txBody>
-        <a:bodyPr spcFirstLastPara="0" vert="horz" wrap="square" lIns="52007" tIns="17336" rIns="17336" bIns="17336" numCol="1" spcCol="1270" anchor="ctr" anchorCtr="0">
-          <a:noAutofit/>
-        </a:bodyPr>
-        <a:lstStyle/>
-        <a:p>
-          <a:pPr lvl="0" algn="ctr" defTabSz="577850">
-            <a:lnSpc>
-              <a:spcPct val="90000"/>
-            </a:lnSpc>
-            <a:spcBef>
-              <a:spcPct val="0"/>
-            </a:spcBef>
-            <a:spcAft>
-              <a:spcPct val="35000"/>
-            </a:spcAft>
-          </a:pPr>
-          <a:r>
-            <a:rPr lang="en-US" sz="1300" kern="1200" dirty="0" smtClean="0"/>
-            <a:t>a</a:t>
-          </a:r>
-          <a:endParaRPr lang="ru-RU" sz="1300" kern="1200" dirty="0"/>
-        </a:p>
-      </dsp:txBody>
-      <dsp:txXfrm>
-        <a:off x="108577" y="477913"/>
-        <a:ext cx="324402" cy="216267"/>
-      </dsp:txXfrm>
-    </dsp:sp>
-    <dsp:sp modelId="{4F70E059-9FD7-4CB0-B54F-D6C99CBB1EFA}">
-      <dsp:nvSpPr>
-        <dsp:cNvPr id="0" name=""/>
-        <dsp:cNvSpPr/>
-      </dsp:nvSpPr>
-      <dsp:spPr>
-        <a:xfrm>
-          <a:off x="487046" y="477913"/>
-          <a:ext cx="540669" cy="216267"/>
-        </a:xfrm>
-        <a:prstGeom prst="chevron">
-          <a:avLst/>
-        </a:prstGeom>
-        <a:solidFill>
-          <a:schemeClr val="accent1">
-            <a:hueOff val="0"/>
-            <a:satOff val="0"/>
-            <a:lumOff val="0"/>
-            <a:alphaOff val="0"/>
-          </a:schemeClr>
-        </a:solidFill>
-        <a:ln w="19050" cap="rnd" cmpd="sng" algn="ctr">
-          <a:solidFill>
-            <a:schemeClr val="lt1">
-              <a:hueOff val="0"/>
-              <a:satOff val="0"/>
-              <a:lumOff val="0"/>
-              <a:alphaOff val="0"/>
-            </a:schemeClr>
-          </a:solidFill>
-          <a:prstDash val="solid"/>
-        </a:ln>
-        <a:effectLst/>
-      </dsp:spPr>
-      <dsp:style>
-        <a:lnRef idx="2">
-          <a:scrgbClr r="0" g="0" b="0"/>
-        </a:lnRef>
-        <a:fillRef idx="1">
-          <a:scrgbClr r="0" g="0" b="0"/>
-        </a:fillRef>
-        <a:effectRef idx="0">
-          <a:scrgbClr r="0" g="0" b="0"/>
-        </a:effectRef>
-        <a:fontRef idx="minor">
-          <a:schemeClr val="lt1"/>
-        </a:fontRef>
-      </dsp:style>
-      <dsp:txBody>
-        <a:bodyPr spcFirstLastPara="0" vert="horz" wrap="square" lIns="52007" tIns="17336" rIns="17336" bIns="17336" numCol="1" spcCol="1270" anchor="ctr" anchorCtr="0">
-          <a:noAutofit/>
-        </a:bodyPr>
-        <a:lstStyle/>
-        <a:p>
-          <a:pPr lvl="0" algn="ctr" defTabSz="577850">
-            <a:lnSpc>
-              <a:spcPct val="90000"/>
-            </a:lnSpc>
-            <a:spcBef>
-              <a:spcPct val="0"/>
-            </a:spcBef>
-            <a:spcAft>
-              <a:spcPct val="35000"/>
-            </a:spcAft>
-          </a:pPr>
-          <a:r>
-            <a:rPr lang="en-US" sz="1300" kern="1200" dirty="0" smtClean="0"/>
-            <a:t>b</a:t>
-          </a:r>
-          <a:endParaRPr lang="ru-RU" sz="1300" kern="1200" dirty="0"/>
-        </a:p>
-      </dsp:txBody>
-      <dsp:txXfrm>
-        <a:off x="595180" y="477913"/>
-        <a:ext cx="324402" cy="216267"/>
-      </dsp:txXfrm>
-    </dsp:sp>
-    <dsp:sp modelId="{017DB2CB-7612-4580-8A52-FE254FDE8A20}">
-      <dsp:nvSpPr>
-        <dsp:cNvPr id="0" name=""/>
-        <dsp:cNvSpPr/>
-      </dsp:nvSpPr>
-      <dsp:spPr>
-        <a:xfrm>
-          <a:off x="973649" y="477913"/>
-          <a:ext cx="540669" cy="216267"/>
-        </a:xfrm>
-        <a:prstGeom prst="chevron">
-          <a:avLst/>
-        </a:prstGeom>
-        <a:solidFill>
-          <a:schemeClr val="accent1">
-            <a:hueOff val="0"/>
-            <a:satOff val="0"/>
-            <a:lumOff val="0"/>
-            <a:alphaOff val="0"/>
-          </a:schemeClr>
-        </a:solidFill>
-        <a:ln w="19050" cap="rnd" cmpd="sng" algn="ctr">
-          <a:solidFill>
-            <a:schemeClr val="lt1">
-              <a:hueOff val="0"/>
-              <a:satOff val="0"/>
-              <a:lumOff val="0"/>
-              <a:alphaOff val="0"/>
-            </a:schemeClr>
-          </a:solidFill>
-          <a:prstDash val="solid"/>
-        </a:ln>
-        <a:effectLst/>
-      </dsp:spPr>
-      <dsp:style>
-        <a:lnRef idx="2">
-          <a:scrgbClr r="0" g="0" b="0"/>
-        </a:lnRef>
-        <a:fillRef idx="1">
-          <a:scrgbClr r="0" g="0" b="0"/>
-        </a:fillRef>
-        <a:effectRef idx="0">
-          <a:scrgbClr r="0" g="0" b="0"/>
-        </a:effectRef>
-        <a:fontRef idx="minor">
-          <a:schemeClr val="lt1"/>
-        </a:fontRef>
-      </dsp:style>
-      <dsp:txBody>
-        <a:bodyPr spcFirstLastPara="0" vert="horz" wrap="square" lIns="52007" tIns="17336" rIns="17336" bIns="17336" numCol="1" spcCol="1270" anchor="ctr" anchorCtr="0">
-          <a:noAutofit/>
-        </a:bodyPr>
-        <a:lstStyle/>
-        <a:p>
-          <a:pPr lvl="0" algn="ctr" defTabSz="577850">
-            <a:lnSpc>
-              <a:spcPct val="90000"/>
-            </a:lnSpc>
-            <a:spcBef>
-              <a:spcPct val="0"/>
-            </a:spcBef>
-            <a:spcAft>
-              <a:spcPct val="35000"/>
-            </a:spcAft>
-          </a:pPr>
-          <a:r>
-            <a:rPr lang="en-US" sz="1300" kern="1200" dirty="0" smtClean="0"/>
-            <a:t>c</a:t>
-          </a:r>
-          <a:endParaRPr lang="ru-RU" sz="1300" kern="1200" dirty="0"/>
-        </a:p>
-      </dsp:txBody>
-      <dsp:txXfrm>
-        <a:off x="1081783" y="477913"/>
-        <a:ext cx="324402" cy="216267"/>
-      </dsp:txXfrm>
-    </dsp:sp>
   </dsp:spTree>
 </dsp:drawing>
 </file>
@@ -2755,7 +2527,7 @@
           <a:p>
             <a:fld id="{47965BDB-5C01-4139-9513-E8EA78BAB95C}" type="datetimeFigureOut">
               <a:rPr lang="ru-RU" smtClean="0"/>
-              <a:t>20.08.2015</a:t>
+              <a:t>23.08.2015</a:t>
             </a:fld>
             <a:endParaRPr lang="ru-RU"/>
           </a:p>
@@ -3852,7 +3624,7 @@
           <a:p>
             <a:fld id="{6DAFDC14-BBF4-497A-BB56-B676D1547F7F}" type="datetime1">
               <a:rPr lang="ru-RU" smtClean="0"/>
-              <a:t>20.08.2015</a:t>
+              <a:t>23.08.2015</a:t>
             </a:fld>
             <a:endParaRPr lang="ru-RU"/>
           </a:p>
@@ -4107,7 +3879,7 @@
           <a:p>
             <a:fld id="{DF3F8DB9-8227-493B-A0AD-1CC3989C1ABB}" type="datetime1">
               <a:rPr lang="ru-RU" smtClean="0"/>
-              <a:t>20.08.2015</a:t>
+              <a:t>23.08.2015</a:t>
             </a:fld>
             <a:endParaRPr lang="ru-RU"/>
           </a:p>
@@ -4425,7 +4197,7 @@
           <a:p>
             <a:fld id="{BFB419EF-464C-4779-AF31-B89448570BA7}" type="datetime1">
               <a:rPr lang="ru-RU" smtClean="0"/>
-              <a:t>20.08.2015</a:t>
+              <a:t>23.08.2015</a:t>
             </a:fld>
             <a:endParaRPr lang="ru-RU"/>
           </a:p>
@@ -4762,7 +4534,7 @@
           <a:p>
             <a:fld id="{81FDFD84-6B9D-4E0E-9F7F-09BE48D000C8}" type="datetime1">
               <a:rPr lang="ru-RU" smtClean="0"/>
-              <a:t>20.08.2015</a:t>
+              <a:t>23.08.2015</a:t>
             </a:fld>
             <a:endParaRPr lang="ru-RU"/>
           </a:p>
@@ -5080,7 +4852,7 @@
           <a:p>
             <a:fld id="{9D221666-A417-4DBC-9B46-3A22CA5326FD}" type="datetime1">
               <a:rPr lang="ru-RU" smtClean="0"/>
-              <a:t>20.08.2015</a:t>
+              <a:t>23.08.2015</a:t>
             </a:fld>
             <a:endParaRPr lang="ru-RU"/>
           </a:p>
@@ -5477,7 +5249,7 @@
           <a:p>
             <a:fld id="{4417E817-5BB5-4DAE-8F3E-3F2CD7A3287B}" type="datetime1">
               <a:rPr lang="ru-RU" smtClean="0"/>
-              <a:t>20.08.2015</a:t>
+              <a:t>23.08.2015</a:t>
             </a:fld>
             <a:endParaRPr lang="ru-RU"/>
           </a:p>
@@ -5651,7 +5423,7 @@
           <a:p>
             <a:fld id="{F8141C52-79A8-43A9-9723-3CE182EFD85B}" type="datetime1">
               <a:rPr lang="ru-RU" smtClean="0"/>
-              <a:t>20.08.2015</a:t>
+              <a:t>23.08.2015</a:t>
             </a:fld>
             <a:endParaRPr lang="ru-RU"/>
           </a:p>
@@ -5835,7 +5607,7 @@
           <a:p>
             <a:fld id="{136594F7-1AF4-46CB-8712-9E91E713E1B5}" type="datetime1">
               <a:rPr lang="ru-RU" smtClean="0"/>
-              <a:t>20.08.2015</a:t>
+              <a:t>23.08.2015</a:t>
             </a:fld>
             <a:endParaRPr lang="ru-RU"/>
           </a:p>
@@ -6009,7 +5781,7 @@
           <a:p>
             <a:fld id="{56B3D54F-20DE-4414-B684-E04866F89C55}" type="datetime1">
               <a:rPr lang="ru-RU" smtClean="0"/>
-              <a:t>20.08.2015</a:t>
+              <a:t>23.08.2015</a:t>
             </a:fld>
             <a:endParaRPr lang="ru-RU"/>
           </a:p>
@@ -6260,7 +6032,7 @@
           <a:p>
             <a:fld id="{FC2D666B-7C13-4D15-9F03-69B21520EDF2}" type="datetime1">
               <a:rPr lang="ru-RU" smtClean="0"/>
-              <a:t>20.08.2015</a:t>
+              <a:t>23.08.2015</a:t>
             </a:fld>
             <a:endParaRPr lang="ru-RU"/>
           </a:p>
@@ -6496,7 +6268,7 @@
           <a:p>
             <a:fld id="{E783CE21-E67D-48C9-91E8-9594510E3231}" type="datetime1">
               <a:rPr lang="ru-RU" smtClean="0"/>
-              <a:t>20.08.2015</a:t>
+              <a:t>23.08.2015</a:t>
             </a:fld>
             <a:endParaRPr lang="ru-RU"/>
           </a:p>
@@ -6874,7 +6646,7 @@
           <a:p>
             <a:fld id="{C6F211F9-15E9-4062-BC36-A6B903B58476}" type="datetime1">
               <a:rPr lang="ru-RU" smtClean="0"/>
-              <a:t>20.08.2015</a:t>
+              <a:t>23.08.2015</a:t>
             </a:fld>
             <a:endParaRPr lang="ru-RU"/>
           </a:p>
@@ -7001,7 +6773,7 @@
           <a:p>
             <a:fld id="{41BAC305-2C37-4251-89E6-3557804A3DDE}" type="datetime1">
               <a:rPr lang="ru-RU" smtClean="0"/>
-              <a:t>20.08.2015</a:t>
+              <a:t>23.08.2015</a:t>
             </a:fld>
             <a:endParaRPr lang="ru-RU"/>
           </a:p>
@@ -7100,7 +6872,7 @@
           <a:p>
             <a:fld id="{557E1E2D-46C2-4196-8C98-10F2744AB894}" type="datetime1">
               <a:rPr lang="ru-RU" smtClean="0"/>
-              <a:t>20.08.2015</a:t>
+              <a:t>23.08.2015</a:t>
             </a:fld>
             <a:endParaRPr lang="ru-RU"/>
           </a:p>
@@ -7359,7 +7131,7 @@
           <a:p>
             <a:fld id="{880FE139-BDD1-4F1C-92F9-C0B504D155D5}" type="datetime1">
               <a:rPr lang="ru-RU" smtClean="0"/>
-              <a:t>20.08.2015</a:t>
+              <a:t>23.08.2015</a:t>
             </a:fld>
             <a:endParaRPr lang="ru-RU"/>
           </a:p>
@@ -7672,7 +7444,7 @@
           <a:p>
             <a:fld id="{5786CDF8-6869-4872-AF43-E4994A221A58}" type="datetime1">
               <a:rPr lang="ru-RU" smtClean="0"/>
-              <a:t>20.08.2015</a:t>
+              <a:t>23.08.2015</a:t>
             </a:fld>
             <a:endParaRPr lang="ru-RU"/>
           </a:p>
@@ -8374,7 +8146,7 @@
           <a:p>
             <a:fld id="{F89CE3D6-8E5E-46A1-B98D-170B2857F33F}" type="datetime1">
               <a:rPr lang="ru-RU" smtClean="0"/>
-              <a:t>20.08.2015</a:t>
+              <a:t>23.08.2015</a:t>
             </a:fld>
             <a:endParaRPr lang="ru-RU"/>
           </a:p>
@@ -14426,191 +14198,546 @@
       </p:grpSpPr>
       <p:sp>
         <p:nvSpPr>
-          <p:cNvPr id="2" name="Заголовок 1"/>
-          <p:cNvSpPr>
-            <a:spLocks noGrp="1"/>
-          </p:cNvSpPr>
-          <p:nvPr>
-            <p:ph type="title"/>
-          </p:nvPr>
-        </p:nvSpPr>
-        <p:spPr/>
-        <p:txBody>
-          <a:bodyPr/>
-          <a:lstStyle/>
-          <a:p>
-            <a:r>
-              <a:rPr lang="en-US" dirty="0" smtClean="0"/>
-              <a:t>DLP Usage Notes</a:t>
-            </a:r>
-            <a:endParaRPr lang="ru-RU" dirty="0"/>
-          </a:p>
-        </p:txBody>
-      </p:sp>
-      <p:sp>
-        <p:nvSpPr>
-          <p:cNvPr id="3" name="Объект 2"/>
-          <p:cNvSpPr>
-            <a:spLocks noGrp="1"/>
-          </p:cNvSpPr>
-          <p:nvPr>
-            <p:ph idx="1"/>
-          </p:nvPr>
+          <p:cNvPr id="22" name="Блок-схема: процесс 21"/>
+          <p:cNvSpPr/>
+          <p:nvPr/>
         </p:nvSpPr>
         <p:spPr>
           <a:xfrm>
-            <a:off x="677334" y="1529543"/>
-            <a:ext cx="8596668" cy="4511820"/>
+            <a:off x="798022" y="3100647"/>
+            <a:ext cx="6068291" cy="3158837"/>
+          </a:xfrm>
+          <a:prstGeom prst="flowChartProcess">
+            <a:avLst/>
+          </a:prstGeom>
+        </p:spPr>
+        <p:style>
+          <a:lnRef idx="2">
+            <a:schemeClr val="accent1">
+              <a:shade val="50000"/>
+            </a:schemeClr>
+          </a:lnRef>
+          <a:fillRef idx="1">
+            <a:schemeClr val="accent1"/>
+          </a:fillRef>
+          <a:effectRef idx="0">
+            <a:schemeClr val="accent1"/>
+          </a:effectRef>
+          <a:fontRef idx="minor">
+            <a:schemeClr val="lt1"/>
+          </a:fontRef>
+        </p:style>
+        <p:txBody>
+          <a:bodyPr rtlCol="0" anchor="ctr"/>
+          <a:lstStyle/>
+          <a:p>
+            <a:pPr algn="ctr"/>
+            <a:endParaRPr lang="ru-RU"/>
+          </a:p>
+        </p:txBody>
+      </p:sp>
+      <p:sp>
+        <p:nvSpPr>
+          <p:cNvPr id="2" name="Заголовок 1"/>
+          <p:cNvSpPr>
+            <a:spLocks noGrp="1"/>
+          </p:cNvSpPr>
+          <p:nvPr>
+            <p:ph type="title"/>
+          </p:nvPr>
+        </p:nvSpPr>
+        <p:spPr/>
+        <p:txBody>
+          <a:bodyPr/>
+          <a:lstStyle/>
+          <a:p>
+            <a:r>
+              <a:rPr lang="en-US" dirty="0" smtClean="0"/>
+              <a:t>Embedded Hardware Architecture</a:t>
+            </a:r>
+            <a:endParaRPr lang="ru-RU" dirty="0"/>
+          </a:p>
+        </p:txBody>
+      </p:sp>
+      <p:pic>
+        <p:nvPicPr>
+          <p:cNvPr id="6" name="Объект 5"/>
+          <p:cNvPicPr>
+            <a:picLocks noGrp="1" noChangeAspect="1"/>
+          </p:cNvPicPr>
+          <p:nvPr>
+            <p:ph idx="1"/>
+          </p:nvPr>
+        </p:nvPicPr>
+        <p:blipFill>
+          <a:blip r:embed="rId2" cstate="print">
+            <a:extLst>
+              <a:ext uri="{28A0092B-C50C-407E-A947-70E740481C1C}">
+                <a14:useLocalDpi xmlns:a14="http://schemas.microsoft.com/office/drawing/2010/main" val="0"/>
+              </a:ext>
+            </a:extLst>
+          </a:blip>
+          <a:stretch>
+            <a:fillRect/>
+          </a:stretch>
+        </p:blipFill>
+        <p:spPr>
+          <a:xfrm>
+            <a:off x="7025602" y="3422272"/>
+            <a:ext cx="1331057" cy="940059"/>
           </a:xfrm>
         </p:spPr>
-        <p:txBody>
-          <a:bodyPr>
-            <a:normAutofit/>
-          </a:bodyPr>
-          <a:lstStyle/>
-          <a:p>
-            <a:r>
-              <a:rPr lang="en-US" dirty="0" smtClean="0"/>
-              <a:t>Usual DLP chip micro-mirrors have 3-state (3 micro-mirror reflection angle)</a:t>
-            </a:r>
-          </a:p>
-          <a:p>
-            <a:pPr lvl="1"/>
-            <a:r>
-              <a:rPr lang="en-US" dirty="0" smtClean="0"/>
-              <a:t>Parked</a:t>
-            </a:r>
-          </a:p>
-          <a:p>
-            <a:pPr lvl="1"/>
-            <a:r>
-              <a:rPr lang="en-US" dirty="0" smtClean="0"/>
-              <a:t>On or Off</a:t>
-            </a:r>
-          </a:p>
-          <a:p>
-            <a:pPr marL="342900" lvl="1" indent="-342900"/>
-            <a:r>
-              <a:rPr lang="en-US" dirty="0" smtClean="0"/>
-              <a:t>Technology to generate grayed image by fast switch between On and Off states used by video projectors is not applicable by Optical Computing.</a:t>
-            </a:r>
-          </a:p>
-          <a:p>
-            <a:pPr marL="342900" lvl="1" indent="-342900"/>
-            <a:r>
-              <a:rPr lang="en-US" dirty="0" smtClean="0"/>
-              <a:t>Solution Ways in case using </a:t>
-            </a:r>
-            <a:r>
-              <a:rPr lang="en-US" dirty="0"/>
-              <a:t>DLP chip </a:t>
-            </a:r>
-            <a:r>
-              <a:rPr lang="en-US" dirty="0" smtClean="0"/>
-              <a:t>of micro-mirrors with limited states is</a:t>
-            </a:r>
-          </a:p>
-          <a:p>
-            <a:pPr marL="742950" lvl="2" indent="-342900"/>
-            <a:r>
-              <a:rPr lang="en-US" dirty="0" smtClean="0"/>
-              <a:t>Do calculations with 1-bit numbers and apply iteration math algorithms to up precision</a:t>
-            </a:r>
-          </a:p>
-          <a:p>
-            <a:pPr marL="742950" lvl="2" indent="-342900"/>
-            <a:r>
-              <a:rPr lang="en-US" dirty="0" smtClean="0"/>
-              <a:t>Use group of micro-mirrors to generate gray color</a:t>
-            </a:r>
-          </a:p>
-          <a:p>
-            <a:pPr marL="342900" lvl="1" indent="-342900"/>
-            <a:r>
-              <a:rPr lang="en-US" dirty="0" smtClean="0"/>
-              <a:t>Another way to use </a:t>
-            </a:r>
-            <a:r>
-              <a:rPr lang="en-US" dirty="0"/>
-              <a:t>micro-mirrors </a:t>
-            </a:r>
-            <a:r>
-              <a:rPr lang="en-US" dirty="0" smtClean="0"/>
-              <a:t>with 3-state in binary mode in case of slow MIS is</a:t>
-            </a:r>
-          </a:p>
-          <a:p>
-            <a:pPr marL="742950" lvl="2" indent="-342900"/>
-            <a:r>
-              <a:rPr lang="en-US" dirty="0" smtClean="0"/>
-              <a:t>Transparent = Parked state</a:t>
-            </a:r>
-          </a:p>
-          <a:p>
-            <a:pPr marL="742950" lvl="2" indent="-342900"/>
-            <a:r>
-              <a:rPr lang="en-US" dirty="0" smtClean="0"/>
-              <a:t>Opaque = </a:t>
-            </a:r>
-            <a:r>
-              <a:rPr lang="en-US" dirty="0"/>
-              <a:t>fast </a:t>
-            </a:r>
-            <a:r>
-              <a:rPr lang="en-US" dirty="0" smtClean="0"/>
-              <a:t>random switch </a:t>
-            </a:r>
-            <a:r>
-              <a:rPr lang="en-US" dirty="0"/>
-              <a:t>between </a:t>
-            </a:r>
-            <a:r>
-              <a:rPr lang="en-US" dirty="0" smtClean="0"/>
-              <a:t>On </a:t>
-            </a:r>
-            <a:r>
-              <a:rPr lang="en-US" dirty="0"/>
-              <a:t>and Off </a:t>
-            </a:r>
-            <a:r>
-              <a:rPr lang="en-US" dirty="0" smtClean="0"/>
-              <a:t>states. </a:t>
-            </a:r>
-          </a:p>
-          <a:p>
-            <a:pPr marL="1200150" lvl="3" indent="-342900"/>
-            <a:r>
-              <a:rPr lang="en-US" dirty="0" smtClean="0"/>
-              <a:t>fast </a:t>
-            </a:r>
-            <a:r>
-              <a:rPr lang="en-US" dirty="0"/>
-              <a:t>random switch between </a:t>
-            </a:r>
-            <a:r>
-              <a:rPr lang="en-US" dirty="0" smtClean="0"/>
-              <a:t>two states will generate average energy picture caused random diffraction pictures cached by MIS </a:t>
-            </a:r>
-            <a:endParaRPr lang="en-US" dirty="0"/>
-          </a:p>
-          <a:p>
-            <a:pPr marL="742950" lvl="2" indent="-342900"/>
-            <a:endParaRPr lang="en-US" dirty="0" smtClean="0"/>
-          </a:p>
-          <a:p>
-            <a:pPr marL="742950" lvl="2" indent="-342900"/>
-            <a:endParaRPr lang="en-US" dirty="0" smtClean="0"/>
-          </a:p>
-          <a:p>
-            <a:pPr marL="342900" lvl="1" indent="-342900"/>
+      </p:pic>
+      <p:sp>
+        <p:nvSpPr>
+          <p:cNvPr id="5" name="Двойная стрелка влево/вправо 4"/>
+          <p:cNvSpPr/>
+          <p:nvPr/>
+        </p:nvSpPr>
+        <p:spPr>
+          <a:xfrm>
+            <a:off x="775115" y="2339010"/>
+            <a:ext cx="10321964" cy="548640"/>
+          </a:xfrm>
+          <a:prstGeom prst="leftRightArrow">
+            <a:avLst/>
+          </a:prstGeom>
+        </p:spPr>
+        <p:style>
+          <a:lnRef idx="2">
+            <a:schemeClr val="accent1">
+              <a:shade val="50000"/>
+            </a:schemeClr>
+          </a:lnRef>
+          <a:fillRef idx="1">
+            <a:schemeClr val="accent1"/>
+          </a:fillRef>
+          <a:effectRef idx="0">
+            <a:schemeClr val="accent1"/>
+          </a:effectRef>
+          <a:fontRef idx="minor">
+            <a:schemeClr val="lt1"/>
+          </a:fontRef>
+        </p:style>
+        <p:txBody>
+          <a:bodyPr rtlCol="0" anchor="ctr"/>
+          <a:lstStyle/>
+          <a:p>
+            <a:pPr algn="ctr"/>
+            <a:r>
+              <a:rPr lang="en-US" dirty="0" smtClean="0"/>
+              <a:t>Ethernet</a:t>
+            </a:r>
             <a:endParaRPr lang="ru-RU" dirty="0"/>
           </a:p>
         </p:txBody>
       </p:sp>
+      <p:pic>
+        <p:nvPicPr>
+          <p:cNvPr id="7" name="Объект 5"/>
+          <p:cNvPicPr>
+            <a:picLocks noChangeAspect="1"/>
+          </p:cNvPicPr>
+          <p:nvPr/>
+        </p:nvPicPr>
+        <p:blipFill>
+          <a:blip r:embed="rId2" cstate="print">
+            <a:extLst>
+              <a:ext uri="{28A0092B-C50C-407E-A947-70E740481C1C}">
+                <a14:useLocalDpi xmlns:a14="http://schemas.microsoft.com/office/drawing/2010/main" val="0"/>
+              </a:ext>
+            </a:extLst>
+          </a:blip>
+          <a:stretch>
+            <a:fillRect/>
+          </a:stretch>
+        </p:blipFill>
+        <p:spPr>
+          <a:xfrm>
+            <a:off x="8434965" y="3422271"/>
+            <a:ext cx="1331057" cy="940059"/>
+          </a:xfrm>
+          <a:prstGeom prst="rect">
+            <a:avLst/>
+          </a:prstGeom>
+        </p:spPr>
+      </p:pic>
+      <p:pic>
+        <p:nvPicPr>
+          <p:cNvPr id="8" name="Объект 5"/>
+          <p:cNvPicPr>
+            <a:picLocks noChangeAspect="1"/>
+          </p:cNvPicPr>
+          <p:nvPr/>
+        </p:nvPicPr>
+        <p:blipFill>
+          <a:blip r:embed="rId2" cstate="print">
+            <a:extLst>
+              <a:ext uri="{28A0092B-C50C-407E-A947-70E740481C1C}">
+                <a14:useLocalDpi xmlns:a14="http://schemas.microsoft.com/office/drawing/2010/main" val="0"/>
+              </a:ext>
+            </a:extLst>
+          </a:blip>
+          <a:stretch>
+            <a:fillRect/>
+          </a:stretch>
+        </p:blipFill>
+        <p:spPr>
+          <a:xfrm>
+            <a:off x="9766022" y="3422271"/>
+            <a:ext cx="1331057" cy="940059"/>
+          </a:xfrm>
+          <a:prstGeom prst="rect">
+            <a:avLst/>
+          </a:prstGeom>
+        </p:spPr>
+      </p:pic>
+      <p:sp>
+        <p:nvSpPr>
+          <p:cNvPr id="10" name="Двойная стрелка влево/вправо 9"/>
+          <p:cNvSpPr/>
+          <p:nvPr/>
+        </p:nvSpPr>
+        <p:spPr>
+          <a:xfrm>
+            <a:off x="2090775" y="4576616"/>
+            <a:ext cx="3276483" cy="576016"/>
+          </a:xfrm>
+          <a:prstGeom prst="leftRightArrow">
+            <a:avLst/>
+          </a:prstGeom>
+        </p:spPr>
+        <p:style>
+          <a:lnRef idx="2">
+            <a:schemeClr val="accent1">
+              <a:shade val="50000"/>
+            </a:schemeClr>
+          </a:lnRef>
+          <a:fillRef idx="1">
+            <a:schemeClr val="accent1"/>
+          </a:fillRef>
+          <a:effectRef idx="0">
+            <a:schemeClr val="accent1"/>
+          </a:effectRef>
+          <a:fontRef idx="minor">
+            <a:schemeClr val="lt1"/>
+          </a:fontRef>
+        </p:style>
+        <p:txBody>
+          <a:bodyPr rtlCol="0" anchor="ctr"/>
+          <a:lstStyle/>
+          <a:p>
+            <a:pPr algn="ctr"/>
+            <a:r>
+              <a:rPr lang="en-US" dirty="0" smtClean="0"/>
+              <a:t>HDMI</a:t>
+            </a:r>
+            <a:endParaRPr lang="ru-RU" dirty="0"/>
+          </a:p>
+        </p:txBody>
+      </p:sp>
+      <p:pic>
+        <p:nvPicPr>
+          <p:cNvPr id="12" name="Рисунок 11"/>
+          <p:cNvPicPr>
+            <a:picLocks noChangeAspect="1"/>
+          </p:cNvPicPr>
+          <p:nvPr/>
+        </p:nvPicPr>
+        <p:blipFill>
+          <a:blip r:embed="rId3" cstate="print">
+            <a:extLst>
+              <a:ext uri="{28A0092B-C50C-407E-A947-70E740481C1C}">
+                <a14:useLocalDpi xmlns:a14="http://schemas.microsoft.com/office/drawing/2010/main" val="0"/>
+              </a:ext>
+            </a:extLst>
+          </a:blip>
+          <a:stretch>
+            <a:fillRect/>
+          </a:stretch>
+        </p:blipFill>
+        <p:spPr>
+          <a:xfrm>
+            <a:off x="4474613" y="5358331"/>
+            <a:ext cx="860855" cy="473386"/>
+          </a:xfrm>
+          <a:prstGeom prst="rect">
+            <a:avLst/>
+          </a:prstGeom>
+        </p:spPr>
+      </p:pic>
+      <p:pic>
+        <p:nvPicPr>
+          <p:cNvPr id="13" name="Рисунок 12"/>
+          <p:cNvPicPr>
+            <a:picLocks noChangeAspect="1"/>
+          </p:cNvPicPr>
+          <p:nvPr/>
+        </p:nvPicPr>
+        <p:blipFill>
+          <a:blip r:embed="rId4" cstate="print">
+            <a:extLst>
+              <a:ext uri="{28A0092B-C50C-407E-A947-70E740481C1C}">
+                <a14:useLocalDpi xmlns:a14="http://schemas.microsoft.com/office/drawing/2010/main" val="0"/>
+              </a:ext>
+            </a:extLst>
+          </a:blip>
+          <a:stretch>
+            <a:fillRect/>
+          </a:stretch>
+        </p:blipFill>
+        <p:spPr>
+          <a:xfrm>
+            <a:off x="1442062" y="5514663"/>
+            <a:ext cx="509736" cy="468048"/>
+          </a:xfrm>
+          <a:prstGeom prst="rect">
+            <a:avLst/>
+          </a:prstGeom>
+        </p:spPr>
+      </p:pic>
+      <p:pic>
+        <p:nvPicPr>
+          <p:cNvPr id="14" name="Рисунок 13"/>
+          <p:cNvPicPr>
+            <a:picLocks noChangeAspect="1"/>
+          </p:cNvPicPr>
+          <p:nvPr/>
+        </p:nvPicPr>
+        <p:blipFill>
+          <a:blip r:embed="rId5" cstate="print">
+            <a:extLst>
+              <a:ext uri="{28A0092B-C50C-407E-A947-70E740481C1C}">
+                <a14:useLocalDpi xmlns:a14="http://schemas.microsoft.com/office/drawing/2010/main" val="0"/>
+              </a:ext>
+            </a:extLst>
+          </a:blip>
+          <a:stretch>
+            <a:fillRect/>
+          </a:stretch>
+        </p:blipFill>
+        <p:spPr>
+          <a:xfrm>
+            <a:off x="2895893" y="3223293"/>
+            <a:ext cx="1581603" cy="1338016"/>
+          </a:xfrm>
+          <a:prstGeom prst="rect">
+            <a:avLst/>
+          </a:prstGeom>
+        </p:spPr>
+      </p:pic>
+      <p:pic>
+        <p:nvPicPr>
+          <p:cNvPr id="17" name="Рисунок 16"/>
+          <p:cNvPicPr>
+            <a:picLocks noChangeAspect="1"/>
+          </p:cNvPicPr>
+          <p:nvPr/>
+        </p:nvPicPr>
+        <p:blipFill>
+          <a:blip r:embed="rId3" cstate="print">
+            <a:extLst>
+              <a:ext uri="{28A0092B-C50C-407E-A947-70E740481C1C}">
+                <a14:useLocalDpi xmlns:a14="http://schemas.microsoft.com/office/drawing/2010/main" val="0"/>
+              </a:ext>
+            </a:extLst>
+          </a:blip>
+          <a:stretch>
+            <a:fillRect/>
+          </a:stretch>
+        </p:blipFill>
+        <p:spPr>
+          <a:xfrm>
+            <a:off x="3702497" y="5358331"/>
+            <a:ext cx="860855" cy="473386"/>
+          </a:xfrm>
+          <a:prstGeom prst="rect">
+            <a:avLst/>
+          </a:prstGeom>
+        </p:spPr>
+      </p:pic>
+      <p:pic>
+        <p:nvPicPr>
+          <p:cNvPr id="18" name="Рисунок 17"/>
+          <p:cNvPicPr>
+            <a:picLocks noChangeAspect="1"/>
+          </p:cNvPicPr>
+          <p:nvPr/>
+        </p:nvPicPr>
+        <p:blipFill>
+          <a:blip r:embed="rId3" cstate="print">
+            <a:extLst>
+              <a:ext uri="{28A0092B-C50C-407E-A947-70E740481C1C}">
+                <a14:useLocalDpi xmlns:a14="http://schemas.microsoft.com/office/drawing/2010/main" val="0"/>
+              </a:ext>
+            </a:extLst>
+          </a:blip>
+          <a:stretch>
+            <a:fillRect/>
+          </a:stretch>
+        </p:blipFill>
+        <p:spPr>
+          <a:xfrm>
+            <a:off x="2923215" y="5350643"/>
+            <a:ext cx="860855" cy="473386"/>
+          </a:xfrm>
+          <a:prstGeom prst="rect">
+            <a:avLst/>
+          </a:prstGeom>
+        </p:spPr>
+      </p:pic>
+      <p:pic>
+        <p:nvPicPr>
+          <p:cNvPr id="19" name="Рисунок 18"/>
+          <p:cNvPicPr>
+            <a:picLocks noChangeAspect="1"/>
+          </p:cNvPicPr>
+          <p:nvPr/>
+        </p:nvPicPr>
+        <p:blipFill>
+          <a:blip r:embed="rId3" cstate="print">
+            <a:extLst>
+              <a:ext uri="{28A0092B-C50C-407E-A947-70E740481C1C}">
+                <a14:useLocalDpi xmlns:a14="http://schemas.microsoft.com/office/drawing/2010/main" val="0"/>
+              </a:ext>
+            </a:extLst>
+          </a:blip>
+          <a:stretch>
+            <a:fillRect/>
+          </a:stretch>
+        </p:blipFill>
+        <p:spPr>
+          <a:xfrm>
+            <a:off x="2155563" y="5350643"/>
+            <a:ext cx="860855" cy="473386"/>
+          </a:xfrm>
+          <a:prstGeom prst="rect">
+            <a:avLst/>
+          </a:prstGeom>
+        </p:spPr>
+      </p:pic>
+      <p:sp>
+        <p:nvSpPr>
+          <p:cNvPr id="20" name="Двойная стрелка влево/вправо 19"/>
+          <p:cNvSpPr/>
+          <p:nvPr/>
+        </p:nvSpPr>
+        <p:spPr>
+          <a:xfrm>
+            <a:off x="5385703" y="4561309"/>
+            <a:ext cx="1119234" cy="576016"/>
+          </a:xfrm>
+          <a:prstGeom prst="leftRightArrow">
+            <a:avLst/>
+          </a:prstGeom>
+        </p:spPr>
+        <p:style>
+          <a:lnRef idx="2">
+            <a:schemeClr val="accent1">
+              <a:shade val="50000"/>
+            </a:schemeClr>
+          </a:lnRef>
+          <a:fillRef idx="1">
+            <a:schemeClr val="accent1"/>
+          </a:fillRef>
+          <a:effectRef idx="0">
+            <a:schemeClr val="accent1"/>
+          </a:effectRef>
+          <a:fontRef idx="minor">
+            <a:schemeClr val="lt1"/>
+          </a:fontRef>
+        </p:style>
+        <p:txBody>
+          <a:bodyPr rtlCol="0" anchor="ctr"/>
+          <a:lstStyle/>
+          <a:p>
+            <a:pPr algn="ctr"/>
+            <a:r>
+              <a:rPr lang="en-US" dirty="0" smtClean="0"/>
+              <a:t>USB</a:t>
+            </a:r>
+            <a:endParaRPr lang="ru-RU" dirty="0"/>
+          </a:p>
+        </p:txBody>
+      </p:sp>
+      <p:sp>
+        <p:nvSpPr>
+          <p:cNvPr id="21" name="Двойная стрелка влево/вправо 20"/>
+          <p:cNvSpPr/>
+          <p:nvPr/>
+        </p:nvSpPr>
+        <p:spPr>
+          <a:xfrm>
+            <a:off x="948623" y="4578440"/>
+            <a:ext cx="1109873" cy="574192"/>
+          </a:xfrm>
+          <a:prstGeom prst="leftRightArrow">
+            <a:avLst/>
+          </a:prstGeom>
+        </p:spPr>
+        <p:style>
+          <a:lnRef idx="2">
+            <a:schemeClr val="accent1">
+              <a:shade val="50000"/>
+            </a:schemeClr>
+          </a:lnRef>
+          <a:fillRef idx="1">
+            <a:schemeClr val="accent1"/>
+          </a:fillRef>
+          <a:effectRef idx="0">
+            <a:schemeClr val="accent1"/>
+          </a:effectRef>
+          <a:fontRef idx="minor">
+            <a:schemeClr val="lt1"/>
+          </a:fontRef>
+        </p:style>
+        <p:txBody>
+          <a:bodyPr rtlCol="0" anchor="ctr"/>
+          <a:lstStyle/>
+          <a:p>
+            <a:pPr algn="ctr"/>
+            <a:r>
+              <a:rPr lang="en-US" dirty="0" smtClean="0"/>
+              <a:t>Serial</a:t>
+            </a:r>
+            <a:endParaRPr lang="ru-RU" dirty="0"/>
+          </a:p>
+        </p:txBody>
+      </p:sp>
+      <p:pic>
+        <p:nvPicPr>
+          <p:cNvPr id="23" name="Рисунок 22"/>
+          <p:cNvPicPr>
+            <a:picLocks noChangeAspect="1"/>
+          </p:cNvPicPr>
+          <p:nvPr/>
+        </p:nvPicPr>
+        <p:blipFill>
+          <a:blip r:embed="rId6" cstate="print">
+            <a:extLst>
+              <a:ext uri="{28A0092B-C50C-407E-A947-70E740481C1C}">
+                <a14:useLocalDpi xmlns:a14="http://schemas.microsoft.com/office/drawing/2010/main" val="0"/>
+              </a:ext>
+            </a:extLst>
+          </a:blip>
+          <a:stretch>
+            <a:fillRect/>
+          </a:stretch>
+        </p:blipFill>
+        <p:spPr>
+          <a:xfrm>
+            <a:off x="5588789" y="5224705"/>
+            <a:ext cx="725262" cy="725262"/>
+          </a:xfrm>
+          <a:prstGeom prst="rect">
+            <a:avLst/>
+          </a:prstGeom>
+        </p:spPr>
+      </p:pic>
     </p:spTree>
     <p:extLst>
       <p:ext uri="{BB962C8B-B14F-4D97-AF65-F5344CB8AC3E}">
-        <p14:creationId xmlns:p14="http://schemas.microsoft.com/office/powerpoint/2010/main" val="123853297"/>
+        <p14:creationId xmlns:p14="http://schemas.microsoft.com/office/powerpoint/2010/main" val="306017981"/>
       </p:ext>
     </p:extLst>
   </p:cSld>
@@ -14639,214 +14766,516 @@
       </p:grpSpPr>
       <p:sp>
         <p:nvSpPr>
-          <p:cNvPr id="2" name="Заголовок 1"/>
-          <p:cNvSpPr>
-            <a:spLocks noGrp="1"/>
-          </p:cNvSpPr>
-          <p:nvPr>
-            <p:ph type="title"/>
-          </p:nvPr>
-        </p:nvSpPr>
-        <p:spPr/>
-        <p:txBody>
-          <a:bodyPr/>
-          <a:lstStyle/>
-          <a:p>
-            <a:r>
-              <a:rPr lang="en-US" dirty="0"/>
-              <a:t>Optical Box </a:t>
-            </a:r>
-            <a:r>
-              <a:rPr lang="en-US" dirty="0" smtClean="0"/>
-              <a:t>Math</a:t>
-            </a:r>
-            <a:endParaRPr lang="ru-RU" dirty="0"/>
-          </a:p>
-        </p:txBody>
-      </p:sp>
-      <p:sp>
-        <p:nvSpPr>
-          <p:cNvPr id="3" name="Объект 2"/>
-          <p:cNvSpPr>
-            <a:spLocks noGrp="1"/>
-          </p:cNvSpPr>
-          <p:nvPr>
-            <p:ph idx="1"/>
-          </p:nvPr>
+          <p:cNvPr id="22" name="Блок-схема: процесс 21"/>
+          <p:cNvSpPr/>
+          <p:nvPr/>
         </p:nvSpPr>
         <p:spPr>
           <a:xfrm>
-            <a:off x="677334" y="1787237"/>
-            <a:ext cx="8596668" cy="4254126"/>
+            <a:off x="798022" y="3100647"/>
+            <a:ext cx="6068291" cy="3158837"/>
+          </a:xfrm>
+          <a:prstGeom prst="flowChartProcess">
+            <a:avLst/>
+          </a:prstGeom>
+        </p:spPr>
+        <p:style>
+          <a:lnRef idx="2">
+            <a:schemeClr val="accent1">
+              <a:shade val="50000"/>
+            </a:schemeClr>
+          </a:lnRef>
+          <a:fillRef idx="1">
+            <a:schemeClr val="accent1"/>
+          </a:fillRef>
+          <a:effectRef idx="0">
+            <a:schemeClr val="accent1"/>
+          </a:effectRef>
+          <a:fontRef idx="minor">
+            <a:schemeClr val="lt1"/>
+          </a:fontRef>
+        </p:style>
+        <p:txBody>
+          <a:bodyPr rtlCol="0" anchor="ctr"/>
+          <a:lstStyle/>
+          <a:p>
+            <a:pPr algn="ctr"/>
+            <a:endParaRPr lang="ru-RU"/>
+          </a:p>
+        </p:txBody>
+      </p:sp>
+      <p:sp>
+        <p:nvSpPr>
+          <p:cNvPr id="2" name="Заголовок 1"/>
+          <p:cNvSpPr>
+            <a:spLocks noGrp="1"/>
+          </p:cNvSpPr>
+          <p:nvPr>
+            <p:ph type="title"/>
+          </p:nvPr>
+        </p:nvSpPr>
+        <p:spPr/>
+        <p:txBody>
+          <a:bodyPr/>
+          <a:lstStyle/>
+          <a:p>
+            <a:r>
+              <a:rPr lang="en-US" dirty="0" smtClean="0"/>
+              <a:t>Embedded Software Architecture</a:t>
+            </a:r>
+            <a:endParaRPr lang="ru-RU" dirty="0"/>
+          </a:p>
+        </p:txBody>
+      </p:sp>
+      <p:pic>
+        <p:nvPicPr>
+          <p:cNvPr id="6" name="Объект 5"/>
+          <p:cNvPicPr>
+            <a:picLocks noGrp="1" noChangeAspect="1"/>
+          </p:cNvPicPr>
+          <p:nvPr>
+            <p:ph idx="1"/>
+          </p:nvPr>
+        </p:nvPicPr>
+        <p:blipFill>
+          <a:blip r:embed="rId2" cstate="print">
+            <a:extLst>
+              <a:ext uri="{28A0092B-C50C-407E-A947-70E740481C1C}">
+                <a14:useLocalDpi xmlns:a14="http://schemas.microsoft.com/office/drawing/2010/main" val="0"/>
+              </a:ext>
+            </a:extLst>
+          </a:blip>
+          <a:stretch>
+            <a:fillRect/>
+          </a:stretch>
+        </p:blipFill>
+        <p:spPr>
+          <a:xfrm>
+            <a:off x="7025602" y="3422272"/>
+            <a:ext cx="1331057" cy="940059"/>
           </a:xfrm>
         </p:spPr>
-        <p:txBody>
-          <a:bodyPr>
-            <a:normAutofit/>
-          </a:bodyPr>
-          <a:lstStyle/>
-          <a:p>
-            <a:r>
-              <a:rPr lang="en-US" dirty="0"/>
-              <a:t>Optical Box Design do </a:t>
-            </a:r>
-            <a:r>
-              <a:rPr lang="en-US" dirty="0" smtClean="0"/>
-              <a:t>parallel math calculations of signals on DLP</a:t>
-            </a:r>
-          </a:p>
-          <a:p>
-            <a:r>
-              <a:rPr lang="en-US" dirty="0"/>
-              <a:t>Optical Box </a:t>
-            </a:r>
-            <a:r>
-              <a:rPr lang="en-US" dirty="0" smtClean="0"/>
-              <a:t>Design do not calculate Fourier </a:t>
-            </a:r>
-            <a:r>
-              <a:rPr lang="en-US" dirty="0"/>
-              <a:t>transforming </a:t>
-            </a:r>
-            <a:endParaRPr lang="en-US" dirty="0" smtClean="0"/>
-          </a:p>
-          <a:p>
-            <a:r>
-              <a:rPr lang="en-US" dirty="0"/>
-              <a:t>Optical Box Design do </a:t>
-            </a:r>
-            <a:r>
-              <a:rPr lang="en-US" dirty="0" smtClean="0"/>
-              <a:t>calculate Some (Unknown, depended from device implementation) Matrix Multiplication transforming </a:t>
-            </a:r>
-            <a:r>
-              <a:rPr lang="en-US" dirty="0"/>
-              <a:t>of signals on each FZP </a:t>
-            </a:r>
-            <a:endParaRPr lang="en-US" dirty="0" smtClean="0"/>
-          </a:p>
-          <a:p>
-            <a:r>
-              <a:rPr lang="en-US" dirty="0" smtClean="0"/>
-              <a:t>Because </a:t>
-            </a:r>
-            <a:r>
-              <a:rPr lang="en-US" dirty="0"/>
-              <a:t>Optical Box Design has </a:t>
-            </a:r>
-            <a:r>
-              <a:rPr lang="en-US" dirty="0" smtClean="0"/>
-              <a:t>more then two DLP</a:t>
-            </a:r>
-          </a:p>
-          <a:p>
-            <a:pPr lvl="1"/>
-            <a:r>
-              <a:rPr lang="en-US" dirty="0" smtClean="0"/>
-              <a:t>Reverse of Unknown Matrix </a:t>
-            </a:r>
-          </a:p>
-          <a:p>
-            <a:pPr lvl="2"/>
-            <a:r>
-              <a:rPr lang="en-US" dirty="0" smtClean="0"/>
-              <a:t>Can be calculated by experiments (during Optical </a:t>
-            </a:r>
-            <a:r>
-              <a:rPr lang="en-US" dirty="0"/>
-              <a:t>Box </a:t>
-            </a:r>
-            <a:r>
-              <a:rPr lang="en-US" dirty="0" smtClean="0"/>
-              <a:t>Calibration)</a:t>
-            </a:r>
-          </a:p>
-          <a:p>
-            <a:pPr lvl="2"/>
-            <a:r>
-              <a:rPr lang="en-US" dirty="0" smtClean="0"/>
-              <a:t>Can be saved for future use in embedded memory of </a:t>
-            </a:r>
-            <a:r>
-              <a:rPr lang="en-US" dirty="0"/>
-              <a:t>Optical Box </a:t>
-            </a:r>
-            <a:endParaRPr lang="en-US" dirty="0" smtClean="0"/>
-          </a:p>
-          <a:p>
-            <a:pPr lvl="2"/>
-            <a:r>
-              <a:rPr lang="en-US" dirty="0" smtClean="0"/>
-              <a:t>Can be used for </a:t>
-            </a:r>
-            <a:r>
-              <a:rPr lang="en-US" dirty="0"/>
-              <a:t>calculation needed </a:t>
-            </a:r>
-            <a:endParaRPr lang="en-US" dirty="0" smtClean="0"/>
-          </a:p>
-          <a:p>
-            <a:pPr lvl="1"/>
-            <a:r>
-              <a:rPr lang="en-US" dirty="0" smtClean="0"/>
-              <a:t>One DLP (if light is high polarized) or two DLP </a:t>
-            </a:r>
-            <a:r>
-              <a:rPr lang="en-US" dirty="0"/>
-              <a:t>(if light is </a:t>
-            </a:r>
-            <a:r>
-              <a:rPr lang="en-US" dirty="0" smtClean="0"/>
-              <a:t>low polarized</a:t>
-            </a:r>
-            <a:r>
-              <a:rPr lang="en-US" dirty="0"/>
-              <a:t>)</a:t>
-            </a:r>
-            <a:r>
-              <a:rPr lang="en-US" dirty="0" smtClean="0"/>
-              <a:t> can be used to correct total matrix production for </a:t>
-            </a:r>
-            <a:r>
-              <a:rPr lang="en-US" dirty="0"/>
-              <a:t>calculation </a:t>
-            </a:r>
-            <a:r>
-              <a:rPr lang="en-US" dirty="0" smtClean="0"/>
-              <a:t>needed like </a:t>
-            </a:r>
-            <a:r>
-              <a:rPr lang="en-US" dirty="0"/>
-              <a:t>Fourier </a:t>
-            </a:r>
-            <a:r>
-              <a:rPr lang="en-US" dirty="0" smtClean="0"/>
-              <a:t>transforming,</a:t>
-            </a:r>
-            <a:r>
-              <a:rPr lang="en-US" dirty="0"/>
-              <a:t> Walsh-</a:t>
-            </a:r>
-            <a:r>
-              <a:rPr lang="en-US" dirty="0" err="1"/>
-              <a:t>Hadamar</a:t>
-            </a:r>
-            <a:r>
-              <a:rPr lang="en-US" dirty="0"/>
-              <a:t> </a:t>
-            </a:r>
-            <a:r>
-              <a:rPr lang="en-US" dirty="0" smtClean="0"/>
-              <a:t>transforming and etc.</a:t>
+      </p:pic>
+      <p:sp>
+        <p:nvSpPr>
+          <p:cNvPr id="5" name="Двойная стрелка влево/вправо 4"/>
+          <p:cNvSpPr/>
+          <p:nvPr/>
+        </p:nvSpPr>
+        <p:spPr>
+          <a:xfrm>
+            <a:off x="775115" y="2339010"/>
+            <a:ext cx="10321964" cy="548640"/>
+          </a:xfrm>
+          <a:prstGeom prst="leftRightArrow">
+            <a:avLst/>
+          </a:prstGeom>
+        </p:spPr>
+        <p:style>
+          <a:lnRef idx="2">
+            <a:schemeClr val="accent1">
+              <a:shade val="50000"/>
+            </a:schemeClr>
+          </a:lnRef>
+          <a:fillRef idx="1">
+            <a:schemeClr val="accent1"/>
+          </a:fillRef>
+          <a:effectRef idx="0">
+            <a:schemeClr val="accent1"/>
+          </a:effectRef>
+          <a:fontRef idx="minor">
+            <a:schemeClr val="lt1"/>
+          </a:fontRef>
+        </p:style>
+        <p:txBody>
+          <a:bodyPr rtlCol="0" anchor="ctr"/>
+          <a:lstStyle/>
+          <a:p>
+            <a:pPr algn="ctr"/>
+            <a:r>
+              <a:rPr lang="en-US" dirty="0" smtClean="0"/>
+              <a:t>TCP/IP</a:t>
             </a:r>
             <a:endParaRPr lang="ru-RU" dirty="0"/>
           </a:p>
         </p:txBody>
       </p:sp>
+      <p:pic>
+        <p:nvPicPr>
+          <p:cNvPr id="7" name="Объект 5"/>
+          <p:cNvPicPr>
+            <a:picLocks noChangeAspect="1"/>
+          </p:cNvPicPr>
+          <p:nvPr/>
+        </p:nvPicPr>
+        <p:blipFill>
+          <a:blip r:embed="rId2" cstate="print">
+            <a:extLst>
+              <a:ext uri="{28A0092B-C50C-407E-A947-70E740481C1C}">
+                <a14:useLocalDpi xmlns:a14="http://schemas.microsoft.com/office/drawing/2010/main" val="0"/>
+              </a:ext>
+            </a:extLst>
+          </a:blip>
+          <a:stretch>
+            <a:fillRect/>
+          </a:stretch>
+        </p:blipFill>
+        <p:spPr>
+          <a:xfrm>
+            <a:off x="8434965" y="3422271"/>
+            <a:ext cx="1331057" cy="940059"/>
+          </a:xfrm>
+          <a:prstGeom prst="rect">
+            <a:avLst/>
+          </a:prstGeom>
+        </p:spPr>
+      </p:pic>
+      <p:pic>
+        <p:nvPicPr>
+          <p:cNvPr id="8" name="Объект 5"/>
+          <p:cNvPicPr>
+            <a:picLocks noChangeAspect="1"/>
+          </p:cNvPicPr>
+          <p:nvPr/>
+        </p:nvPicPr>
+        <p:blipFill>
+          <a:blip r:embed="rId2" cstate="print">
+            <a:extLst>
+              <a:ext uri="{28A0092B-C50C-407E-A947-70E740481C1C}">
+                <a14:useLocalDpi xmlns:a14="http://schemas.microsoft.com/office/drawing/2010/main" val="0"/>
+              </a:ext>
+            </a:extLst>
+          </a:blip>
+          <a:stretch>
+            <a:fillRect/>
+          </a:stretch>
+        </p:blipFill>
+        <p:spPr>
+          <a:xfrm>
+            <a:off x="9766022" y="3422271"/>
+            <a:ext cx="1331057" cy="940059"/>
+          </a:xfrm>
+          <a:prstGeom prst="rect">
+            <a:avLst/>
+          </a:prstGeom>
+        </p:spPr>
+      </p:pic>
+      <p:pic>
+        <p:nvPicPr>
+          <p:cNvPr id="12" name="Рисунок 11"/>
+          <p:cNvPicPr>
+            <a:picLocks noChangeAspect="1"/>
+          </p:cNvPicPr>
+          <p:nvPr/>
+        </p:nvPicPr>
+        <p:blipFill>
+          <a:blip r:embed="rId3" cstate="print">
+            <a:extLst>
+              <a:ext uri="{28A0092B-C50C-407E-A947-70E740481C1C}">
+                <a14:useLocalDpi xmlns:a14="http://schemas.microsoft.com/office/drawing/2010/main" val="0"/>
+              </a:ext>
+            </a:extLst>
+          </a:blip>
+          <a:stretch>
+            <a:fillRect/>
+          </a:stretch>
+        </p:blipFill>
+        <p:spPr>
+          <a:xfrm>
+            <a:off x="4474613" y="5358331"/>
+            <a:ext cx="860855" cy="473386"/>
+          </a:xfrm>
+          <a:prstGeom prst="rect">
+            <a:avLst/>
+          </a:prstGeom>
+        </p:spPr>
+      </p:pic>
+      <p:pic>
+        <p:nvPicPr>
+          <p:cNvPr id="13" name="Рисунок 12"/>
+          <p:cNvPicPr>
+            <a:picLocks noChangeAspect="1"/>
+          </p:cNvPicPr>
+          <p:nvPr/>
+        </p:nvPicPr>
+        <p:blipFill>
+          <a:blip r:embed="rId4" cstate="print">
+            <a:extLst>
+              <a:ext uri="{28A0092B-C50C-407E-A947-70E740481C1C}">
+                <a14:useLocalDpi xmlns:a14="http://schemas.microsoft.com/office/drawing/2010/main" val="0"/>
+              </a:ext>
+            </a:extLst>
+          </a:blip>
+          <a:stretch>
+            <a:fillRect/>
+          </a:stretch>
+        </p:blipFill>
+        <p:spPr>
+          <a:xfrm>
+            <a:off x="1442062" y="5514663"/>
+            <a:ext cx="509736" cy="468048"/>
+          </a:xfrm>
+          <a:prstGeom prst="rect">
+            <a:avLst/>
+          </a:prstGeom>
+        </p:spPr>
+      </p:pic>
+      <p:pic>
+        <p:nvPicPr>
+          <p:cNvPr id="17" name="Рисунок 16"/>
+          <p:cNvPicPr>
+            <a:picLocks noChangeAspect="1"/>
+          </p:cNvPicPr>
+          <p:nvPr/>
+        </p:nvPicPr>
+        <p:blipFill>
+          <a:blip r:embed="rId3" cstate="print">
+            <a:extLst>
+              <a:ext uri="{28A0092B-C50C-407E-A947-70E740481C1C}">
+                <a14:useLocalDpi xmlns:a14="http://schemas.microsoft.com/office/drawing/2010/main" val="0"/>
+              </a:ext>
+            </a:extLst>
+          </a:blip>
+          <a:stretch>
+            <a:fillRect/>
+          </a:stretch>
+        </p:blipFill>
+        <p:spPr>
+          <a:xfrm>
+            <a:off x="3702497" y="5358331"/>
+            <a:ext cx="860855" cy="473386"/>
+          </a:xfrm>
+          <a:prstGeom prst="rect">
+            <a:avLst/>
+          </a:prstGeom>
+        </p:spPr>
+      </p:pic>
+      <p:pic>
+        <p:nvPicPr>
+          <p:cNvPr id="18" name="Рисунок 17"/>
+          <p:cNvPicPr>
+            <a:picLocks noChangeAspect="1"/>
+          </p:cNvPicPr>
+          <p:nvPr/>
+        </p:nvPicPr>
+        <p:blipFill>
+          <a:blip r:embed="rId3" cstate="print">
+            <a:extLst>
+              <a:ext uri="{28A0092B-C50C-407E-A947-70E740481C1C}">
+                <a14:useLocalDpi xmlns:a14="http://schemas.microsoft.com/office/drawing/2010/main" val="0"/>
+              </a:ext>
+            </a:extLst>
+          </a:blip>
+          <a:stretch>
+            <a:fillRect/>
+          </a:stretch>
+        </p:blipFill>
+        <p:spPr>
+          <a:xfrm>
+            <a:off x="2923215" y="5350643"/>
+            <a:ext cx="860855" cy="473386"/>
+          </a:xfrm>
+          <a:prstGeom prst="rect">
+            <a:avLst/>
+          </a:prstGeom>
+        </p:spPr>
+      </p:pic>
+      <p:pic>
+        <p:nvPicPr>
+          <p:cNvPr id="19" name="Рисунок 18"/>
+          <p:cNvPicPr>
+            <a:picLocks noChangeAspect="1"/>
+          </p:cNvPicPr>
+          <p:nvPr/>
+        </p:nvPicPr>
+        <p:blipFill>
+          <a:blip r:embed="rId3" cstate="print">
+            <a:extLst>
+              <a:ext uri="{28A0092B-C50C-407E-A947-70E740481C1C}">
+                <a14:useLocalDpi xmlns:a14="http://schemas.microsoft.com/office/drawing/2010/main" val="0"/>
+              </a:ext>
+            </a:extLst>
+          </a:blip>
+          <a:stretch>
+            <a:fillRect/>
+          </a:stretch>
+        </p:blipFill>
+        <p:spPr>
+          <a:xfrm>
+            <a:off x="2155563" y="5350643"/>
+            <a:ext cx="860855" cy="473386"/>
+          </a:xfrm>
+          <a:prstGeom prst="rect">
+            <a:avLst/>
+          </a:prstGeom>
+        </p:spPr>
+      </p:pic>
+      <p:sp>
+        <p:nvSpPr>
+          <p:cNvPr id="21" name="Двойная стрелка влево/вправо 20"/>
+          <p:cNvSpPr/>
+          <p:nvPr/>
+        </p:nvSpPr>
+        <p:spPr>
+          <a:xfrm>
+            <a:off x="2601883" y="3296261"/>
+            <a:ext cx="2477193" cy="702162"/>
+          </a:xfrm>
+          <a:prstGeom prst="leftRightArrow">
+            <a:avLst/>
+          </a:prstGeom>
+        </p:spPr>
+        <p:style>
+          <a:lnRef idx="2">
+            <a:schemeClr val="accent1">
+              <a:shade val="50000"/>
+            </a:schemeClr>
+          </a:lnRef>
+          <a:fillRef idx="1">
+            <a:schemeClr val="accent1"/>
+          </a:fillRef>
+          <a:effectRef idx="0">
+            <a:schemeClr val="accent1"/>
+          </a:effectRef>
+          <a:fontRef idx="minor">
+            <a:schemeClr val="lt1"/>
+          </a:fontRef>
+        </p:style>
+        <p:txBody>
+          <a:bodyPr rtlCol="0" anchor="ctr"/>
+          <a:lstStyle/>
+          <a:p>
+            <a:pPr algn="ctr"/>
+            <a:r>
+              <a:rPr lang="en-US" dirty="0" smtClean="0"/>
+              <a:t>Localhost</a:t>
+            </a:r>
+            <a:endParaRPr lang="ru-RU" dirty="0"/>
+          </a:p>
+        </p:txBody>
+      </p:sp>
+      <p:sp>
+        <p:nvSpPr>
+          <p:cNvPr id="3" name="Блок-схема: типовой процесс 2"/>
+          <p:cNvSpPr/>
+          <p:nvPr/>
+        </p:nvSpPr>
+        <p:spPr>
+          <a:xfrm>
+            <a:off x="1440556" y="4384966"/>
+            <a:ext cx="2424862" cy="525554"/>
+          </a:xfrm>
+          <a:prstGeom prst="flowChartPredefinedProcess">
+            <a:avLst/>
+          </a:prstGeom>
+        </p:spPr>
+        <p:style>
+          <a:lnRef idx="2">
+            <a:schemeClr val="accent1">
+              <a:shade val="50000"/>
+            </a:schemeClr>
+          </a:lnRef>
+          <a:fillRef idx="1">
+            <a:schemeClr val="accent1"/>
+          </a:fillRef>
+          <a:effectRef idx="0">
+            <a:schemeClr val="accent1"/>
+          </a:effectRef>
+          <a:fontRef idx="minor">
+            <a:schemeClr val="lt1"/>
+          </a:fontRef>
+        </p:style>
+        <p:txBody>
+          <a:bodyPr rtlCol="0" anchor="ctr"/>
+          <a:lstStyle/>
+          <a:p>
+            <a:pPr algn="ctr"/>
+            <a:r>
+              <a:rPr lang="en-US" dirty="0" smtClean="0"/>
+              <a:t>VLC</a:t>
+            </a:r>
+            <a:endParaRPr lang="ru-RU" dirty="0"/>
+          </a:p>
+        </p:txBody>
+      </p:sp>
+      <p:sp>
+        <p:nvSpPr>
+          <p:cNvPr id="4" name="Блок-схема: типовой процесс 3"/>
+          <p:cNvSpPr/>
+          <p:nvPr/>
+        </p:nvSpPr>
+        <p:spPr>
+          <a:xfrm>
+            <a:off x="4024707" y="4362330"/>
+            <a:ext cx="2492470" cy="525554"/>
+          </a:xfrm>
+          <a:prstGeom prst="flowChartPredefinedProcess">
+            <a:avLst/>
+          </a:prstGeom>
+        </p:spPr>
+        <p:style>
+          <a:lnRef idx="2">
+            <a:schemeClr val="accent1">
+              <a:shade val="50000"/>
+            </a:schemeClr>
+          </a:lnRef>
+          <a:fillRef idx="1">
+            <a:schemeClr val="accent1"/>
+          </a:fillRef>
+          <a:effectRef idx="0">
+            <a:schemeClr val="accent1"/>
+          </a:effectRef>
+          <a:fontRef idx="minor">
+            <a:schemeClr val="lt1"/>
+          </a:fontRef>
+        </p:style>
+        <p:txBody>
+          <a:bodyPr rtlCol="0" anchor="ctr"/>
+          <a:lstStyle/>
+          <a:p>
+            <a:pPr algn="ctr"/>
+            <a:r>
+              <a:rPr lang="en-US" dirty="0" smtClean="0"/>
+              <a:t>MOTION</a:t>
+            </a:r>
+            <a:endParaRPr lang="ru-RU" dirty="0"/>
+          </a:p>
+        </p:txBody>
+      </p:sp>
+      <p:pic>
+        <p:nvPicPr>
+          <p:cNvPr id="20" name="Рисунок 19"/>
+          <p:cNvPicPr>
+            <a:picLocks noChangeAspect="1"/>
+          </p:cNvPicPr>
+          <p:nvPr/>
+        </p:nvPicPr>
+        <p:blipFill>
+          <a:blip r:embed="rId5" cstate="print">
+            <a:extLst>
+              <a:ext uri="{28A0092B-C50C-407E-A947-70E740481C1C}">
+                <a14:useLocalDpi xmlns:a14="http://schemas.microsoft.com/office/drawing/2010/main" val="0"/>
+              </a:ext>
+            </a:extLst>
+          </a:blip>
+          <a:stretch>
+            <a:fillRect/>
+          </a:stretch>
+        </p:blipFill>
+        <p:spPr>
+          <a:xfrm>
+            <a:off x="5573466" y="5211053"/>
+            <a:ext cx="725262" cy="725262"/>
+          </a:xfrm>
+          <a:prstGeom prst="rect">
+            <a:avLst/>
+          </a:prstGeom>
+        </p:spPr>
+      </p:pic>
     </p:spTree>
     <p:extLst>
       <p:ext uri="{BB962C8B-B14F-4D97-AF65-F5344CB8AC3E}">
-        <p14:creationId xmlns:p14="http://schemas.microsoft.com/office/powerpoint/2010/main" val="4190557889"/>
+        <p14:creationId xmlns:p14="http://schemas.microsoft.com/office/powerpoint/2010/main" val="697237685"/>
       </p:ext>
     </p:extLst>
   </p:cSld>
@@ -14894,15 +15323,7 @@
             </a:r>
             <a:r>
               <a:rPr lang="en-US" dirty="0" smtClean="0"/>
-              <a:t>Calibration</a:t>
-            </a:r>
-            <a:r>
-              <a:rPr lang="en-US" dirty="0"/>
-              <a:t> </a:t>
-            </a:r>
-            <a:r>
-              <a:rPr lang="en-US" dirty="0" smtClean="0"/>
-              <a:t>Definition</a:t>
+              <a:t>Math Model</a:t>
             </a:r>
             <a:endParaRPr lang="ru-RU" dirty="0"/>
           </a:p>
@@ -14910,12 +15331,12 @@
       </p:sp>
       <p:sp>
         <p:nvSpPr>
-          <p:cNvPr id="3" name="Объект 2"/>
-          <p:cNvSpPr>
-            <a:spLocks noGrp="1"/>
-          </p:cNvSpPr>
-          <p:nvPr>
-            <p:ph idx="1"/>
+          <p:cNvPr id="4" name="Нижний колонтитул 3"/>
+          <p:cNvSpPr>
+            <a:spLocks noGrp="1"/>
+          </p:cNvSpPr>
+          <p:nvPr>
+            <p:ph type="ftr" sz="quarter" idx="11"/>
           </p:nvPr>
         </p:nvSpPr>
         <p:spPr/>
@@ -14923,108 +15344,897 @@
           <a:bodyPr/>
           <a:lstStyle/>
           <a:p>
-            <a:pPr marL="342900" lvl="1" indent="-342900"/>
-            <a:r>
-              <a:rPr lang="en-US" dirty="0"/>
-              <a:t>If Y = OUTPUT(X1,X2,X3,…) is an output from Optical Box with X1, X2, X3 … values of </a:t>
-            </a:r>
-            <a:r>
-              <a:rPr lang="en-US" dirty="0" smtClean="0"/>
-              <a:t>DLPs</a:t>
-            </a:r>
-          </a:p>
-          <a:p>
-            <a:pPr marL="342900" lvl="1" indent="-342900"/>
-            <a:r>
-              <a:rPr lang="en-US" dirty="0" smtClean="0"/>
-              <a:t>If </a:t>
-            </a:r>
-            <a:r>
-              <a:rPr lang="en-US" dirty="0"/>
-              <a:t>F(X1,…,Xn-1) = max || OUTPUT(X1,…,Xn-1,X) - | X*M | ||  for all </a:t>
-            </a:r>
-            <a:r>
-              <a:rPr lang="en-US" dirty="0" smtClean="0"/>
-              <a:t>X</a:t>
-            </a:r>
-          </a:p>
-          <a:p>
-            <a:pPr marL="342900" lvl="1" indent="-342900"/>
-            <a:r>
-              <a:rPr lang="en-US" dirty="0" smtClean="0"/>
-              <a:t>If </a:t>
-            </a:r>
-            <a:r>
-              <a:rPr lang="en-US" dirty="0"/>
-              <a:t>F(C1,…,Cn-1 ) = min F(X1,…,Xn-1)  for all X1,…,</a:t>
-            </a:r>
-            <a:r>
-              <a:rPr lang="en-US" dirty="0" smtClean="0"/>
-              <a:t>Xn-1</a:t>
-            </a:r>
-          </a:p>
-          <a:p>
-            <a:pPr marL="342900" lvl="1" indent="-342900"/>
-            <a:r>
-              <a:rPr lang="en-US" dirty="0" smtClean="0"/>
-              <a:t>Then values </a:t>
-            </a:r>
-            <a:r>
-              <a:rPr lang="en-US" dirty="0"/>
-              <a:t>C1,…,Cn-1 will be named Calibration for transformation matrix M and</a:t>
-            </a:r>
-          </a:p>
-          <a:p>
-            <a:pPr marL="0" lvl="1" indent="0" algn="ctr">
-              <a:buNone/>
-            </a:pPr>
-            <a:r>
-              <a:rPr lang="en-US" b="1" dirty="0"/>
-              <a:t>Y=| X*M | = OUTPUT(C1,…,Cn-1,X) </a:t>
-            </a:r>
-            <a:endParaRPr lang="en-US" b="1" dirty="0" smtClean="0"/>
-          </a:p>
-          <a:p>
-            <a:pPr marL="285750" lvl="1"/>
-            <a:r>
-              <a:rPr lang="en-US" dirty="0" smtClean="0"/>
-              <a:t>Calculations can be done with PC and </a:t>
-            </a:r>
-            <a:r>
-              <a:rPr lang="en-US" dirty="0"/>
-              <a:t>Optical Box </a:t>
-            </a:r>
-            <a:r>
-              <a:rPr lang="en-US" dirty="0" smtClean="0"/>
-              <a:t>together or within </a:t>
-            </a:r>
-            <a:r>
-              <a:rPr lang="en-US" dirty="0"/>
-              <a:t>Optical Box only </a:t>
-            </a:r>
-            <a:r>
-              <a:rPr lang="en-US" dirty="0" smtClean="0"/>
-              <a:t>using embedded discrete computer</a:t>
-            </a:r>
-            <a:endParaRPr lang="en-US" dirty="0"/>
-          </a:p>
-          <a:p>
-            <a:pPr marL="342900" lvl="1" indent="-342900"/>
-            <a:endParaRPr lang="en-US" dirty="0"/>
-          </a:p>
-          <a:p>
-            <a:pPr marL="342900" lvl="1" indent="-342900"/>
-            <a:endParaRPr lang="en-US" dirty="0"/>
-          </a:p>
-          <a:p>
-            <a:endParaRPr lang="ru-RU" dirty="0"/>
-          </a:p>
-        </p:txBody>
-      </p:sp>
+            <a:r>
+              <a:rPr lang="en-US" smtClean="0"/>
+              <a:t>DMITRY@PROTOPOPOV.RU</a:t>
+            </a:r>
+            <a:endParaRPr lang="ru-RU"/>
+          </a:p>
+        </p:txBody>
+      </p:sp>
+      <p:sp>
+        <p:nvSpPr>
+          <p:cNvPr id="5" name="Номер слайда 4"/>
+          <p:cNvSpPr>
+            <a:spLocks noGrp="1"/>
+          </p:cNvSpPr>
+          <p:nvPr>
+            <p:ph type="sldNum" sz="quarter" idx="12"/>
+          </p:nvPr>
+        </p:nvSpPr>
+        <p:spPr/>
+        <p:txBody>
+          <a:bodyPr/>
+          <a:lstStyle/>
+          <a:p>
+            <a:fld id="{C0AF4200-06F9-4C00-BF67-F73768F696CA}" type="slidenum">
+              <a:rPr lang="ru-RU" smtClean="0"/>
+              <a:t>35</a:t>
+            </a:fld>
+            <a:endParaRPr lang="ru-RU"/>
+          </a:p>
+        </p:txBody>
+      </p:sp>
+      <p:sp>
+        <p:nvSpPr>
+          <p:cNvPr id="6" name="Прямоугольник 5"/>
+          <p:cNvSpPr/>
+          <p:nvPr/>
+        </p:nvSpPr>
+        <p:spPr>
+          <a:xfrm>
+            <a:off x="4879571" y="2156230"/>
+            <a:ext cx="1620981" cy="2461923"/>
+          </a:xfrm>
+          <a:prstGeom prst="rect">
+            <a:avLst/>
+          </a:prstGeom>
+        </p:spPr>
+        <p:style>
+          <a:lnRef idx="2">
+            <a:schemeClr val="accent1">
+              <a:shade val="50000"/>
+            </a:schemeClr>
+          </a:lnRef>
+          <a:fillRef idx="1">
+            <a:schemeClr val="accent1"/>
+          </a:fillRef>
+          <a:effectRef idx="0">
+            <a:schemeClr val="accent1"/>
+          </a:effectRef>
+          <a:fontRef idx="minor">
+            <a:schemeClr val="lt1"/>
+          </a:fontRef>
+        </p:style>
+        <p:txBody>
+          <a:bodyPr rtlCol="0" anchor="ctr"/>
+          <a:lstStyle/>
+          <a:p>
+            <a:pPr algn="ctr"/>
+            <a:endParaRPr lang="ru-RU"/>
+          </a:p>
+        </p:txBody>
+      </p:sp>
+      <p:cxnSp>
+        <p:nvCxnSpPr>
+          <p:cNvPr id="22" name="Соединительная линия уступом 21"/>
+          <p:cNvCxnSpPr/>
+          <p:nvPr/>
+        </p:nvCxnSpPr>
+        <p:spPr>
+          <a:xfrm flipV="1">
+            <a:off x="6517178" y="3395891"/>
+            <a:ext cx="2655686" cy="2046782"/>
+          </a:xfrm>
+          <a:prstGeom prst="bentConnector3">
+            <a:avLst>
+              <a:gd name="adj1" fmla="val 130132"/>
+            </a:avLst>
+          </a:prstGeom>
+          <a:ln>
+            <a:tailEnd type="triangle"/>
+          </a:ln>
+        </p:spPr>
+        <p:style>
+          <a:lnRef idx="1">
+            <a:schemeClr val="accent1"/>
+          </a:lnRef>
+          <a:fillRef idx="0">
+            <a:schemeClr val="accent1"/>
+          </a:fillRef>
+          <a:effectRef idx="0">
+            <a:schemeClr val="accent1"/>
+          </a:effectRef>
+          <a:fontRef idx="minor">
+            <a:schemeClr val="tx1"/>
+          </a:fontRef>
+        </p:style>
+      </p:cxnSp>
+      <p:cxnSp>
+        <p:nvCxnSpPr>
+          <p:cNvPr id="25" name="Соединительная линия уступом 24"/>
+          <p:cNvCxnSpPr/>
+          <p:nvPr/>
+        </p:nvCxnSpPr>
+        <p:spPr>
+          <a:xfrm rot="16200000" flipH="1">
+            <a:off x="3743221" y="4306322"/>
+            <a:ext cx="1948503" cy="324197"/>
+          </a:xfrm>
+          <a:prstGeom prst="bentConnector3">
+            <a:avLst>
+              <a:gd name="adj1" fmla="val 100341"/>
+            </a:avLst>
+          </a:prstGeom>
+          <a:ln>
+            <a:tailEnd type="triangle"/>
+          </a:ln>
+        </p:spPr>
+        <p:style>
+          <a:lnRef idx="1">
+            <a:schemeClr val="accent1"/>
+          </a:lnRef>
+          <a:fillRef idx="0">
+            <a:schemeClr val="accent1"/>
+          </a:fillRef>
+          <a:effectRef idx="0">
+            <a:schemeClr val="accent1"/>
+          </a:effectRef>
+          <a:fontRef idx="minor">
+            <a:schemeClr val="tx1"/>
+          </a:fontRef>
+        </p:style>
+      </p:cxnSp>
+      <p:cxnSp>
+        <p:nvCxnSpPr>
+          <p:cNvPr id="30" name="Прямая со стрелкой 29"/>
+          <p:cNvCxnSpPr/>
+          <p:nvPr/>
+        </p:nvCxnSpPr>
+        <p:spPr>
+          <a:xfrm flipH="1">
+            <a:off x="4217323" y="3494170"/>
+            <a:ext cx="678873" cy="0"/>
+          </a:xfrm>
+          <a:prstGeom prst="straightConnector1">
+            <a:avLst/>
+          </a:prstGeom>
+          <a:ln>
+            <a:tailEnd type="triangle"/>
+          </a:ln>
+        </p:spPr>
+        <p:style>
+          <a:lnRef idx="1">
+            <a:schemeClr val="accent1"/>
+          </a:lnRef>
+          <a:fillRef idx="0">
+            <a:schemeClr val="accent1"/>
+          </a:fillRef>
+          <a:effectRef idx="0">
+            <a:schemeClr val="accent1"/>
+          </a:effectRef>
+          <a:fontRef idx="minor">
+            <a:schemeClr val="tx1"/>
+          </a:fontRef>
+        </p:style>
+      </p:cxnSp>
+      <p:cxnSp>
+        <p:nvCxnSpPr>
+          <p:cNvPr id="36" name="Прямая со стрелкой 35"/>
+          <p:cNvCxnSpPr/>
+          <p:nvPr/>
+        </p:nvCxnSpPr>
+        <p:spPr>
+          <a:xfrm flipH="1">
+            <a:off x="6517178" y="3494169"/>
+            <a:ext cx="556953" cy="0"/>
+          </a:xfrm>
+          <a:prstGeom prst="straightConnector1">
+            <a:avLst/>
+          </a:prstGeom>
+          <a:ln>
+            <a:tailEnd type="triangle"/>
+          </a:ln>
+        </p:spPr>
+        <p:style>
+          <a:lnRef idx="1">
+            <a:schemeClr val="accent1"/>
+          </a:lnRef>
+          <a:fillRef idx="0">
+            <a:schemeClr val="accent1"/>
+          </a:fillRef>
+          <a:effectRef idx="0">
+            <a:schemeClr val="accent1"/>
+          </a:effectRef>
+          <a:fontRef idx="minor">
+            <a:schemeClr val="tx1"/>
+          </a:fontRef>
+        </p:style>
+      </p:cxnSp>
+      <p:pic>
+        <p:nvPicPr>
+          <p:cNvPr id="37" name="Рисунок 36"/>
+          <p:cNvPicPr>
+            <a:picLocks noChangeAspect="1"/>
+          </p:cNvPicPr>
+          <p:nvPr/>
+        </p:nvPicPr>
+        <p:blipFill>
+          <a:blip r:embed="rId2" cstate="print">
+            <a:extLst>
+              <a:ext uri="{28A0092B-C50C-407E-A947-70E740481C1C}">
+                <a14:useLocalDpi xmlns:a14="http://schemas.microsoft.com/office/drawing/2010/main" val="0"/>
+              </a:ext>
+            </a:extLst>
+          </a:blip>
+          <a:stretch>
+            <a:fillRect/>
+          </a:stretch>
+        </p:blipFill>
+        <p:spPr>
+          <a:xfrm>
+            <a:off x="5544977" y="2267414"/>
+            <a:ext cx="333839" cy="306536"/>
+          </a:xfrm>
+          <a:prstGeom prst="rect">
+            <a:avLst/>
+          </a:prstGeom>
+        </p:spPr>
+      </p:pic>
+      <p:pic>
+        <p:nvPicPr>
+          <p:cNvPr id="38" name="Рисунок 37"/>
+          <p:cNvPicPr>
+            <a:picLocks noChangeAspect="1"/>
+          </p:cNvPicPr>
+          <p:nvPr/>
+        </p:nvPicPr>
+        <p:blipFill>
+          <a:blip r:embed="rId3" cstate="print">
+            <a:extLst>
+              <a:ext uri="{28A0092B-C50C-407E-A947-70E740481C1C}">
+                <a14:useLocalDpi xmlns:a14="http://schemas.microsoft.com/office/drawing/2010/main" val="0"/>
+              </a:ext>
+            </a:extLst>
+          </a:blip>
+          <a:stretch>
+            <a:fillRect/>
+          </a:stretch>
+        </p:blipFill>
+        <p:spPr>
+          <a:xfrm>
+            <a:off x="5443015" y="2649848"/>
+            <a:ext cx="537761" cy="295716"/>
+          </a:xfrm>
+          <a:prstGeom prst="rect">
+            <a:avLst/>
+          </a:prstGeom>
+        </p:spPr>
+      </p:pic>
+      <p:pic>
+        <p:nvPicPr>
+          <p:cNvPr id="39" name="Рисунок 38"/>
+          <p:cNvPicPr>
+            <a:picLocks noChangeAspect="1"/>
+          </p:cNvPicPr>
+          <p:nvPr/>
+        </p:nvPicPr>
+        <p:blipFill>
+          <a:blip r:embed="rId3" cstate="print">
+            <a:extLst>
+              <a:ext uri="{28A0092B-C50C-407E-A947-70E740481C1C}">
+                <a14:useLocalDpi xmlns:a14="http://schemas.microsoft.com/office/drawing/2010/main" val="0"/>
+              </a:ext>
+            </a:extLst>
+          </a:blip>
+          <a:stretch>
+            <a:fillRect/>
+          </a:stretch>
+        </p:blipFill>
+        <p:spPr>
+          <a:xfrm>
+            <a:off x="5443014" y="2987659"/>
+            <a:ext cx="537761" cy="295716"/>
+          </a:xfrm>
+          <a:prstGeom prst="rect">
+            <a:avLst/>
+          </a:prstGeom>
+        </p:spPr>
+      </p:pic>
+      <p:pic>
+        <p:nvPicPr>
+          <p:cNvPr id="40" name="Рисунок 39"/>
+          <p:cNvPicPr>
+            <a:picLocks noChangeAspect="1"/>
+          </p:cNvPicPr>
+          <p:nvPr/>
+        </p:nvPicPr>
+        <p:blipFill>
+          <a:blip r:embed="rId3" cstate="print">
+            <a:extLst>
+              <a:ext uri="{28A0092B-C50C-407E-A947-70E740481C1C}">
+                <a14:useLocalDpi xmlns:a14="http://schemas.microsoft.com/office/drawing/2010/main" val="0"/>
+              </a:ext>
+            </a:extLst>
+          </a:blip>
+          <a:stretch>
+            <a:fillRect/>
+          </a:stretch>
+        </p:blipFill>
+        <p:spPr>
+          <a:xfrm>
+            <a:off x="5432494" y="3340056"/>
+            <a:ext cx="537761" cy="295716"/>
+          </a:xfrm>
+          <a:prstGeom prst="rect">
+            <a:avLst/>
+          </a:prstGeom>
+        </p:spPr>
+      </p:pic>
+      <p:pic>
+        <p:nvPicPr>
+          <p:cNvPr id="41" name="Рисунок 40"/>
+          <p:cNvPicPr>
+            <a:picLocks noChangeAspect="1"/>
+          </p:cNvPicPr>
+          <p:nvPr/>
+        </p:nvPicPr>
+        <p:blipFill>
+          <a:blip r:embed="rId3" cstate="print">
+            <a:extLst>
+              <a:ext uri="{28A0092B-C50C-407E-A947-70E740481C1C}">
+                <a14:useLocalDpi xmlns:a14="http://schemas.microsoft.com/office/drawing/2010/main" val="0"/>
+              </a:ext>
+            </a:extLst>
+          </a:blip>
+          <a:stretch>
+            <a:fillRect/>
+          </a:stretch>
+        </p:blipFill>
+        <p:spPr>
+          <a:xfrm>
+            <a:off x="5432391" y="3670675"/>
+            <a:ext cx="537761" cy="295716"/>
+          </a:xfrm>
+          <a:prstGeom prst="rect">
+            <a:avLst/>
+          </a:prstGeom>
+        </p:spPr>
+      </p:pic>
+      <p:pic>
+        <p:nvPicPr>
+          <p:cNvPr id="44" name="Рисунок 43"/>
+          <p:cNvPicPr>
+            <a:picLocks noChangeAspect="1"/>
+          </p:cNvPicPr>
+          <p:nvPr/>
+        </p:nvPicPr>
+        <p:blipFill>
+          <a:blip r:embed="rId4">
+            <a:extLst>
+              <a:ext uri="{28A0092B-C50C-407E-A947-70E740481C1C}">
+                <a14:useLocalDpi xmlns:a14="http://schemas.microsoft.com/office/drawing/2010/main" val="0"/>
+              </a:ext>
+            </a:extLst>
+          </a:blip>
+          <a:stretch>
+            <a:fillRect/>
+          </a:stretch>
+        </p:blipFill>
+        <p:spPr>
+          <a:xfrm>
+            <a:off x="5053307" y="4729337"/>
+            <a:ext cx="1312025" cy="1312025"/>
+          </a:xfrm>
+          <a:prstGeom prst="rect">
+            <a:avLst/>
+          </a:prstGeom>
+        </p:spPr>
+      </p:pic>
+      <p:pic>
+        <p:nvPicPr>
+          <p:cNvPr id="45" name="Рисунок 44"/>
+          <p:cNvPicPr>
+            <a:picLocks noChangeAspect="1"/>
+          </p:cNvPicPr>
+          <p:nvPr/>
+        </p:nvPicPr>
+        <p:blipFill>
+          <a:blip r:embed="rId5" cstate="print">
+            <a:extLst>
+              <a:ext uri="{28A0092B-C50C-407E-A947-70E740481C1C}">
+                <a14:useLocalDpi xmlns:a14="http://schemas.microsoft.com/office/drawing/2010/main" val="0"/>
+              </a:ext>
+            </a:extLst>
+          </a:blip>
+          <a:stretch>
+            <a:fillRect/>
+          </a:stretch>
+        </p:blipFill>
+        <p:spPr>
+          <a:xfrm>
+            <a:off x="6824749" y="2368413"/>
+            <a:ext cx="1798496" cy="649945"/>
+          </a:xfrm>
+          <a:prstGeom prst="rect">
+            <a:avLst/>
+          </a:prstGeom>
+        </p:spPr>
+      </p:pic>
+      <p:pic>
+        <p:nvPicPr>
+          <p:cNvPr id="46" name="Рисунок 45"/>
+          <p:cNvPicPr>
+            <a:picLocks noChangeAspect="1"/>
+          </p:cNvPicPr>
+          <p:nvPr/>
+        </p:nvPicPr>
+        <p:blipFill>
+          <a:blip r:embed="rId5" cstate="print">
+            <a:extLst>
+              <a:ext uri="{28A0092B-C50C-407E-A947-70E740481C1C}">
+                <a14:useLocalDpi xmlns:a14="http://schemas.microsoft.com/office/drawing/2010/main" val="0"/>
+              </a:ext>
+            </a:extLst>
+          </a:blip>
+          <a:stretch>
+            <a:fillRect/>
+          </a:stretch>
+        </p:blipFill>
+        <p:spPr>
+          <a:xfrm>
+            <a:off x="6952201" y="2662686"/>
+            <a:ext cx="1798496" cy="649945"/>
+          </a:xfrm>
+          <a:prstGeom prst="rect">
+            <a:avLst/>
+          </a:prstGeom>
+        </p:spPr>
+      </p:pic>
+      <p:pic>
+        <p:nvPicPr>
+          <p:cNvPr id="47" name="Рисунок 46"/>
+          <p:cNvPicPr>
+            <a:picLocks noChangeAspect="1"/>
+          </p:cNvPicPr>
+          <p:nvPr/>
+        </p:nvPicPr>
+        <p:blipFill>
+          <a:blip r:embed="rId5" cstate="print">
+            <a:extLst>
+              <a:ext uri="{28A0092B-C50C-407E-A947-70E740481C1C}">
+                <a14:useLocalDpi xmlns:a14="http://schemas.microsoft.com/office/drawing/2010/main" val="0"/>
+              </a:ext>
+            </a:extLst>
+          </a:blip>
+          <a:stretch>
+            <a:fillRect/>
+          </a:stretch>
+        </p:blipFill>
+        <p:spPr>
+          <a:xfrm>
+            <a:off x="7151716" y="2955349"/>
+            <a:ext cx="1798496" cy="649945"/>
+          </a:xfrm>
+          <a:prstGeom prst="rect">
+            <a:avLst/>
+          </a:prstGeom>
+        </p:spPr>
+      </p:pic>
+      <p:pic>
+        <p:nvPicPr>
+          <p:cNvPr id="48" name="Рисунок 47"/>
+          <p:cNvPicPr>
+            <a:picLocks noChangeAspect="1"/>
+          </p:cNvPicPr>
+          <p:nvPr/>
+        </p:nvPicPr>
+        <p:blipFill>
+          <a:blip r:embed="rId5" cstate="print">
+            <a:extLst>
+              <a:ext uri="{28A0092B-C50C-407E-A947-70E740481C1C}">
+                <a14:useLocalDpi xmlns:a14="http://schemas.microsoft.com/office/drawing/2010/main" val="0"/>
+              </a:ext>
+            </a:extLst>
+          </a:blip>
+          <a:stretch>
+            <a:fillRect/>
+          </a:stretch>
+        </p:blipFill>
+        <p:spPr>
+          <a:xfrm>
+            <a:off x="7335183" y="3234345"/>
+            <a:ext cx="1798496" cy="649945"/>
+          </a:xfrm>
+          <a:prstGeom prst="rect">
+            <a:avLst/>
+          </a:prstGeom>
+        </p:spPr>
+      </p:pic>
+      <p:pic>
+        <p:nvPicPr>
+          <p:cNvPr id="49" name="Рисунок 48"/>
+          <p:cNvPicPr>
+            <a:picLocks noChangeAspect="1"/>
+          </p:cNvPicPr>
+          <p:nvPr/>
+        </p:nvPicPr>
+        <p:blipFill>
+          <a:blip r:embed="rId5" cstate="print">
+            <a:extLst>
+              <a:ext uri="{28A0092B-C50C-407E-A947-70E740481C1C}">
+                <a14:useLocalDpi xmlns:a14="http://schemas.microsoft.com/office/drawing/2010/main" val="0"/>
+              </a:ext>
+            </a:extLst>
+          </a:blip>
+          <a:stretch>
+            <a:fillRect/>
+          </a:stretch>
+        </p:blipFill>
+        <p:spPr>
+          <a:xfrm>
+            <a:off x="7518650" y="3496910"/>
+            <a:ext cx="1798496" cy="649945"/>
+          </a:xfrm>
+          <a:prstGeom prst="rect">
+            <a:avLst/>
+          </a:prstGeom>
+        </p:spPr>
+      </p:pic>
+      <p:pic>
+        <p:nvPicPr>
+          <p:cNvPr id="50" name="Рисунок 49"/>
+          <p:cNvPicPr>
+            <a:picLocks noChangeAspect="1"/>
+          </p:cNvPicPr>
+          <p:nvPr/>
+        </p:nvPicPr>
+        <p:blipFill>
+          <a:blip r:embed="rId5" cstate="print">
+            <a:extLst>
+              <a:ext uri="{28A0092B-C50C-407E-A947-70E740481C1C}">
+                <a14:useLocalDpi xmlns:a14="http://schemas.microsoft.com/office/drawing/2010/main" val="0"/>
+              </a:ext>
+            </a:extLst>
+          </a:blip>
+          <a:stretch>
+            <a:fillRect/>
+          </a:stretch>
+        </p:blipFill>
+        <p:spPr>
+          <a:xfrm>
+            <a:off x="7702117" y="3809044"/>
+            <a:ext cx="1798496" cy="649945"/>
+          </a:xfrm>
+          <a:prstGeom prst="rect">
+            <a:avLst/>
+          </a:prstGeom>
+        </p:spPr>
+      </p:pic>
+      <p:pic>
+        <p:nvPicPr>
+          <p:cNvPr id="51" name="Рисунок 50"/>
+          <p:cNvPicPr>
+            <a:picLocks noChangeAspect="1"/>
+          </p:cNvPicPr>
+          <p:nvPr/>
+        </p:nvPicPr>
+        <p:blipFill>
+          <a:blip r:embed="rId5" cstate="print">
+            <a:extLst>
+              <a:ext uri="{28A0092B-C50C-407E-A947-70E740481C1C}">
+                <a14:useLocalDpi xmlns:a14="http://schemas.microsoft.com/office/drawing/2010/main" val="0"/>
+              </a:ext>
+            </a:extLst>
+          </a:blip>
+          <a:stretch>
+            <a:fillRect/>
+          </a:stretch>
+        </p:blipFill>
+        <p:spPr>
+          <a:xfrm>
+            <a:off x="1541459" y="2284596"/>
+            <a:ext cx="1798496" cy="649945"/>
+          </a:xfrm>
+          <a:prstGeom prst="rect">
+            <a:avLst/>
+          </a:prstGeom>
+        </p:spPr>
+      </p:pic>
+      <p:pic>
+        <p:nvPicPr>
+          <p:cNvPr id="52" name="Рисунок 51"/>
+          <p:cNvPicPr>
+            <a:picLocks noChangeAspect="1"/>
+          </p:cNvPicPr>
+          <p:nvPr/>
+        </p:nvPicPr>
+        <p:blipFill>
+          <a:blip r:embed="rId5" cstate="print">
+            <a:extLst>
+              <a:ext uri="{28A0092B-C50C-407E-A947-70E740481C1C}">
+                <a14:useLocalDpi xmlns:a14="http://schemas.microsoft.com/office/drawing/2010/main" val="0"/>
+              </a:ext>
+            </a:extLst>
+          </a:blip>
+          <a:stretch>
+            <a:fillRect/>
+          </a:stretch>
+        </p:blipFill>
+        <p:spPr>
+          <a:xfrm>
+            <a:off x="1668911" y="2578869"/>
+            <a:ext cx="1798496" cy="649945"/>
+          </a:xfrm>
+          <a:prstGeom prst="rect">
+            <a:avLst/>
+          </a:prstGeom>
+        </p:spPr>
+      </p:pic>
+      <p:pic>
+        <p:nvPicPr>
+          <p:cNvPr id="53" name="Рисунок 52"/>
+          <p:cNvPicPr>
+            <a:picLocks noChangeAspect="1"/>
+          </p:cNvPicPr>
+          <p:nvPr/>
+        </p:nvPicPr>
+        <p:blipFill>
+          <a:blip r:embed="rId5" cstate="print">
+            <a:extLst>
+              <a:ext uri="{28A0092B-C50C-407E-A947-70E740481C1C}">
+                <a14:useLocalDpi xmlns:a14="http://schemas.microsoft.com/office/drawing/2010/main" val="0"/>
+              </a:ext>
+            </a:extLst>
+          </a:blip>
+          <a:stretch>
+            <a:fillRect/>
+          </a:stretch>
+        </p:blipFill>
+        <p:spPr>
+          <a:xfrm>
+            <a:off x="1868426" y="2871532"/>
+            <a:ext cx="1798496" cy="649945"/>
+          </a:xfrm>
+          <a:prstGeom prst="rect">
+            <a:avLst/>
+          </a:prstGeom>
+        </p:spPr>
+      </p:pic>
+      <p:pic>
+        <p:nvPicPr>
+          <p:cNvPr id="54" name="Рисунок 53"/>
+          <p:cNvPicPr>
+            <a:picLocks noChangeAspect="1"/>
+          </p:cNvPicPr>
+          <p:nvPr/>
+        </p:nvPicPr>
+        <p:blipFill>
+          <a:blip r:embed="rId5" cstate="print">
+            <a:extLst>
+              <a:ext uri="{28A0092B-C50C-407E-A947-70E740481C1C}">
+                <a14:useLocalDpi xmlns:a14="http://schemas.microsoft.com/office/drawing/2010/main" val="0"/>
+              </a:ext>
+            </a:extLst>
+          </a:blip>
+          <a:stretch>
+            <a:fillRect/>
+          </a:stretch>
+        </p:blipFill>
+        <p:spPr>
+          <a:xfrm>
+            <a:off x="2051893" y="3150528"/>
+            <a:ext cx="1798496" cy="649945"/>
+          </a:xfrm>
+          <a:prstGeom prst="rect">
+            <a:avLst/>
+          </a:prstGeom>
+        </p:spPr>
+      </p:pic>
+      <p:pic>
+        <p:nvPicPr>
+          <p:cNvPr id="55" name="Рисунок 54"/>
+          <p:cNvPicPr>
+            <a:picLocks noChangeAspect="1"/>
+          </p:cNvPicPr>
+          <p:nvPr/>
+        </p:nvPicPr>
+        <p:blipFill>
+          <a:blip r:embed="rId5" cstate="print">
+            <a:extLst>
+              <a:ext uri="{28A0092B-C50C-407E-A947-70E740481C1C}">
+                <a14:useLocalDpi xmlns:a14="http://schemas.microsoft.com/office/drawing/2010/main" val="0"/>
+              </a:ext>
+            </a:extLst>
+          </a:blip>
+          <a:stretch>
+            <a:fillRect/>
+          </a:stretch>
+        </p:blipFill>
+        <p:spPr>
+          <a:xfrm>
+            <a:off x="2235360" y="3413093"/>
+            <a:ext cx="1798496" cy="649945"/>
+          </a:xfrm>
+          <a:prstGeom prst="rect">
+            <a:avLst/>
+          </a:prstGeom>
+        </p:spPr>
+      </p:pic>
+      <p:pic>
+        <p:nvPicPr>
+          <p:cNvPr id="56" name="Рисунок 55"/>
+          <p:cNvPicPr>
+            <a:picLocks noChangeAspect="1"/>
+          </p:cNvPicPr>
+          <p:nvPr/>
+        </p:nvPicPr>
+        <p:blipFill>
+          <a:blip r:embed="rId5" cstate="print">
+            <a:extLst>
+              <a:ext uri="{28A0092B-C50C-407E-A947-70E740481C1C}">
+                <a14:useLocalDpi xmlns:a14="http://schemas.microsoft.com/office/drawing/2010/main" val="0"/>
+              </a:ext>
+            </a:extLst>
+          </a:blip>
+          <a:stretch>
+            <a:fillRect/>
+          </a:stretch>
+        </p:blipFill>
+        <p:spPr>
+          <a:xfrm>
+            <a:off x="2418827" y="3725227"/>
+            <a:ext cx="1798496" cy="649945"/>
+          </a:xfrm>
+          <a:prstGeom prst="rect">
+            <a:avLst/>
+          </a:prstGeom>
+        </p:spPr>
+      </p:pic>
+      <p:sp>
+        <p:nvSpPr>
+          <p:cNvPr id="57" name="Стрелка вниз 56"/>
+          <p:cNvSpPr/>
+          <p:nvPr/>
+        </p:nvSpPr>
+        <p:spPr>
+          <a:xfrm>
+            <a:off x="6752696" y="1321325"/>
+            <a:ext cx="2673937" cy="773084"/>
+          </a:xfrm>
+          <a:prstGeom prst="downArrow">
+            <a:avLst/>
+          </a:prstGeom>
+        </p:spPr>
+        <p:style>
+          <a:lnRef idx="2">
+            <a:schemeClr val="accent1">
+              <a:shade val="50000"/>
+            </a:schemeClr>
+          </a:lnRef>
+          <a:fillRef idx="1">
+            <a:schemeClr val="accent1"/>
+          </a:fillRef>
+          <a:effectRef idx="0">
+            <a:schemeClr val="accent1"/>
+          </a:effectRef>
+          <a:fontRef idx="minor">
+            <a:schemeClr val="lt1"/>
+          </a:fontRef>
+        </p:style>
+        <p:txBody>
+          <a:bodyPr rtlCol="0" anchor="ctr"/>
+          <a:lstStyle/>
+          <a:p>
+            <a:pPr algn="ctr"/>
+            <a:endParaRPr lang="ru-RU"/>
+          </a:p>
+        </p:txBody>
+      </p:sp>
+      <p:sp>
+        <p:nvSpPr>
+          <p:cNvPr id="58" name="Стрелка вниз 57"/>
+          <p:cNvSpPr/>
+          <p:nvPr/>
+        </p:nvSpPr>
+        <p:spPr>
+          <a:xfrm>
+            <a:off x="1430705" y="4895004"/>
+            <a:ext cx="2673937" cy="773084"/>
+          </a:xfrm>
+          <a:prstGeom prst="downArrow">
+            <a:avLst/>
+          </a:prstGeom>
+        </p:spPr>
+        <p:style>
+          <a:lnRef idx="2">
+            <a:schemeClr val="accent1">
+              <a:shade val="50000"/>
+            </a:schemeClr>
+          </a:lnRef>
+          <a:fillRef idx="1">
+            <a:schemeClr val="accent1"/>
+          </a:fillRef>
+          <a:effectRef idx="0">
+            <a:schemeClr val="accent1"/>
+          </a:effectRef>
+          <a:fontRef idx="minor">
+            <a:schemeClr val="lt1"/>
+          </a:fontRef>
+        </p:style>
+        <p:txBody>
+          <a:bodyPr rtlCol="0" anchor="ctr"/>
+          <a:lstStyle/>
+          <a:p>
+            <a:pPr algn="ctr"/>
+            <a:endParaRPr lang="ru-RU"/>
+          </a:p>
+        </p:txBody>
+      </p:sp>
+      <p:pic>
+        <p:nvPicPr>
+          <p:cNvPr id="3" name="Рисунок 2"/>
+          <p:cNvPicPr>
+            <a:picLocks noChangeAspect="1"/>
+          </p:cNvPicPr>
+          <p:nvPr/>
+        </p:nvPicPr>
+        <p:blipFill>
+          <a:blip r:embed="rId6" cstate="print">
+            <a:extLst>
+              <a:ext uri="{28A0092B-C50C-407E-A947-70E740481C1C}">
+                <a14:useLocalDpi xmlns:a14="http://schemas.microsoft.com/office/drawing/2010/main" val="0"/>
+              </a:ext>
+            </a:extLst>
+          </a:blip>
+          <a:stretch>
+            <a:fillRect/>
+          </a:stretch>
+        </p:blipFill>
+        <p:spPr>
+          <a:xfrm>
+            <a:off x="5339101" y="3906400"/>
+            <a:ext cx="725262" cy="725262"/>
+          </a:xfrm>
+          <a:prstGeom prst="rect">
+            <a:avLst/>
+          </a:prstGeom>
+        </p:spPr>
+      </p:pic>
+      <p:pic>
+        <p:nvPicPr>
+          <p:cNvPr id="31" name="Рисунок 30"/>
+          <p:cNvPicPr>
+            <a:picLocks noChangeAspect="1"/>
+          </p:cNvPicPr>
+          <p:nvPr/>
+        </p:nvPicPr>
+        <p:blipFill>
+          <a:blip r:embed="rId7" cstate="print">
+            <a:extLst>
+              <a:ext uri="{28A0092B-C50C-407E-A947-70E740481C1C}">
+                <a14:useLocalDpi xmlns:a14="http://schemas.microsoft.com/office/drawing/2010/main" val="0"/>
+              </a:ext>
+            </a:extLst>
+          </a:blip>
+          <a:stretch>
+            <a:fillRect/>
+          </a:stretch>
+        </p:blipFill>
+        <p:spPr>
+          <a:xfrm>
+            <a:off x="4893813" y="2166312"/>
+            <a:ext cx="441997" cy="475692"/>
+          </a:xfrm>
+          <a:prstGeom prst="rect">
+            <a:avLst/>
+          </a:prstGeom>
+        </p:spPr>
+      </p:pic>
     </p:spTree>
     <p:extLst>
       <p:ext uri="{BB962C8B-B14F-4D97-AF65-F5344CB8AC3E}">
-        <p14:creationId xmlns:p14="http://schemas.microsoft.com/office/powerpoint/2010/main" val="3341275394"/>
+        <p14:creationId xmlns:p14="http://schemas.microsoft.com/office/powerpoint/2010/main" val="2228131774"/>
       </p:ext>
     </p:extLst>
   </p:cSld>
@@ -15068,142 +16278,168 @@
           <a:p>
             <a:r>
               <a:rPr lang="en-US" dirty="0" smtClean="0"/>
-              <a:t>Minimal Optical </a:t>
+              <a:t>DLP Usage Notes</a:t>
+            </a:r>
+            <a:endParaRPr lang="ru-RU" dirty="0"/>
+          </a:p>
+        </p:txBody>
+      </p:sp>
+      <p:sp>
+        <p:nvSpPr>
+          <p:cNvPr id="3" name="Объект 2"/>
+          <p:cNvSpPr>
+            <a:spLocks noGrp="1"/>
+          </p:cNvSpPr>
+          <p:nvPr>
+            <p:ph idx="1"/>
+          </p:nvPr>
+        </p:nvSpPr>
+        <p:spPr>
+          <a:xfrm>
+            <a:off x="677334" y="1529543"/>
+            <a:ext cx="8596668" cy="4511820"/>
+          </a:xfrm>
+        </p:spPr>
+        <p:txBody>
+          <a:bodyPr>
+            <a:normAutofit/>
+          </a:bodyPr>
+          <a:lstStyle/>
+          <a:p>
+            <a:r>
+              <a:rPr lang="en-US" dirty="0" smtClean="0"/>
+              <a:t>Usual DLP chip micro-mirrors have 3-state (3 micro-mirror reflection angle)</a:t>
+            </a:r>
+          </a:p>
+          <a:p>
+            <a:pPr lvl="1"/>
+            <a:r>
+              <a:rPr lang="en-US" dirty="0" smtClean="0"/>
+              <a:t>Parked</a:t>
+            </a:r>
+          </a:p>
+          <a:p>
+            <a:pPr lvl="1"/>
+            <a:r>
+              <a:rPr lang="en-US" dirty="0" smtClean="0"/>
+              <a:t>On or Off</a:t>
+            </a:r>
+          </a:p>
+          <a:p>
+            <a:pPr marL="342900" lvl="1" indent="-342900"/>
+            <a:r>
+              <a:rPr lang="en-US" dirty="0" smtClean="0"/>
+              <a:t>Technology to generate grayed image by fast switch between On and Off states used by video projectors is not applicable by Optical Computing.</a:t>
+            </a:r>
+          </a:p>
+          <a:p>
+            <a:pPr marL="342900" lvl="1" indent="-342900"/>
+            <a:r>
+              <a:rPr lang="en-US" dirty="0" smtClean="0"/>
+              <a:t>Solution Ways in case using </a:t>
             </a:r>
             <a:r>
               <a:rPr lang="en-US" dirty="0"/>
-              <a:t>Box Calibration Size</a:t>
-            </a:r>
-            <a:endParaRPr lang="ru-RU" dirty="0"/>
-          </a:p>
-        </p:txBody>
-      </p:sp>
-      <p:sp>
-        <p:nvSpPr>
-          <p:cNvPr id="3" name="Объект 2"/>
-          <p:cNvSpPr>
-            <a:spLocks noGrp="1"/>
-          </p:cNvSpPr>
-          <p:nvPr>
-            <p:ph idx="1"/>
-          </p:nvPr>
-        </p:nvSpPr>
-        <p:spPr/>
-        <p:txBody>
-          <a:bodyPr>
-            <a:normAutofit fontScale="92500" lnSpcReduction="20000"/>
-          </a:bodyPr>
-          <a:lstStyle/>
-          <a:p>
+              <a:t>DLP chip </a:t>
+            </a:r>
+            <a:r>
+              <a:rPr lang="en-US" dirty="0" smtClean="0"/>
+              <a:t>of micro-mirrors with limited states is</a:t>
+            </a:r>
+          </a:p>
+          <a:p>
+            <a:pPr marL="742950" lvl="2" indent="-342900"/>
+            <a:r>
+              <a:rPr lang="en-US" dirty="0" smtClean="0"/>
+              <a:t>Do calculations with 1-bit numbers and apply iteration math algorithms to up precision</a:t>
+            </a:r>
+          </a:p>
+          <a:p>
+            <a:pPr marL="742950" lvl="2" indent="-342900"/>
+            <a:r>
+              <a:rPr lang="en-US" dirty="0" smtClean="0"/>
+              <a:t>Use group of micro-mirrors to generate gray color</a:t>
+            </a:r>
+          </a:p>
+          <a:p>
+            <a:pPr marL="342900" lvl="1" indent="-342900"/>
+            <a:r>
+              <a:rPr lang="en-US" dirty="0" smtClean="0"/>
+              <a:t>Another way to use </a:t>
+            </a:r>
             <a:r>
               <a:rPr lang="en-US" dirty="0"/>
-              <a:t>Calibration allow to remove non-linear distortion due non-ideal conditions of single lens transformation</a:t>
-            </a:r>
-            <a:r>
-              <a:rPr lang="en-US" dirty="0" smtClean="0"/>
-              <a:t>.</a:t>
-            </a:r>
-          </a:p>
-          <a:p>
-            <a:pPr marL="342900" lvl="2" indent="-342900"/>
-            <a:r>
-              <a:rPr lang="en-US" sz="1800" dirty="0"/>
-              <a:t>The main distortion for Interference and Diffraction of light caused by Non-Polarized </a:t>
-            </a:r>
-            <a:r>
-              <a:rPr lang="en-US" sz="1800" dirty="0" smtClean="0"/>
-              <a:t>light. Some materials can change light polarization during light reflection or pass thru transparent material.</a:t>
-            </a:r>
-          </a:p>
-          <a:p>
-            <a:pPr marL="800100" lvl="3" indent="-342900"/>
-            <a:r>
-              <a:rPr lang="en-US" sz="1600" dirty="0" smtClean="0"/>
-              <a:t>EMW consists of Electric and Magnetic Parts</a:t>
-            </a:r>
-          </a:p>
-          <a:p>
-            <a:pPr marL="1257300" lvl="4" indent="-342900"/>
-            <a:r>
-              <a:rPr lang="en-US" sz="1600" dirty="0" smtClean="0"/>
-              <a:t>If light is Non-Polarized Electric(or Magnetic) Parts of two beams are not summarize as values but </a:t>
-            </a:r>
-            <a:r>
-              <a:rPr lang="en-US" sz="1600" dirty="0"/>
-              <a:t>summarize as </a:t>
-            </a:r>
-            <a:r>
-              <a:rPr lang="en-US" sz="1600" dirty="0" smtClean="0"/>
-              <a:t>direct vectors so light detector catch average power for all cells and do not recognize Interference/Diffraction picture of two beams of light.</a:t>
-            </a:r>
-          </a:p>
-          <a:p>
-            <a:pPr marL="800100" lvl="3" indent="-342900"/>
-            <a:r>
-              <a:rPr lang="en-US" sz="1600" dirty="0"/>
-              <a:t>Electric and Magnetic </a:t>
-            </a:r>
-            <a:r>
-              <a:rPr lang="en-US" sz="1600" dirty="0" smtClean="0"/>
-              <a:t>Parts of any </a:t>
-            </a:r>
-            <a:r>
-              <a:rPr lang="en-US" sz="1600" dirty="0"/>
-              <a:t>EMW </a:t>
-            </a:r>
-            <a:r>
-              <a:rPr lang="en-US" sz="1600" dirty="0" smtClean="0"/>
-              <a:t>can be present as complex number or as a pair of real numbers</a:t>
-            </a:r>
-          </a:p>
-          <a:p>
-            <a:pPr marL="342900" lvl="2" indent="-342900"/>
-            <a:r>
-              <a:rPr lang="en-US" sz="1800" dirty="0" smtClean="0"/>
-              <a:t>Calibration which can remove </a:t>
-            </a:r>
-            <a:r>
-              <a:rPr lang="en-US" sz="1800" dirty="0"/>
-              <a:t>distortion </a:t>
-            </a:r>
-            <a:r>
-              <a:rPr lang="en-US" sz="1800" dirty="0" smtClean="0"/>
-              <a:t>caused by </a:t>
-            </a:r>
-            <a:r>
-              <a:rPr lang="en-US" sz="1800" dirty="0"/>
-              <a:t>Non-Polarized</a:t>
-            </a:r>
-            <a:r>
-              <a:rPr lang="en-US" sz="1800" dirty="0" smtClean="0"/>
-              <a:t> </a:t>
-            </a:r>
-            <a:r>
-              <a:rPr lang="en-US" sz="1800" dirty="0"/>
-              <a:t>light </a:t>
-            </a:r>
-            <a:r>
-              <a:rPr lang="en-US" sz="1800" dirty="0" smtClean="0"/>
-              <a:t>must contains a </a:t>
-            </a:r>
-            <a:r>
-              <a:rPr lang="en-US" sz="1800" dirty="0"/>
-              <a:t>pair of real </a:t>
-            </a:r>
-            <a:r>
-              <a:rPr lang="en-US" sz="1800" dirty="0" smtClean="0"/>
-              <a:t>calibration values for any output amplitude value at point as real number.</a:t>
-            </a:r>
-            <a:endParaRPr lang="en-US" sz="1800" dirty="0"/>
-          </a:p>
-          <a:p>
-            <a:pPr marL="1257300" lvl="4" indent="-342900"/>
-            <a:endParaRPr lang="en-US" sz="1600" dirty="0"/>
-          </a:p>
-          <a:p>
+              <a:t>micro-mirrors </a:t>
+            </a:r>
+            <a:r>
+              <a:rPr lang="en-US" dirty="0" smtClean="0"/>
+              <a:t>with 3-state in binary mode in case of slow MIS is</a:t>
+            </a:r>
+          </a:p>
+          <a:p>
+            <a:pPr marL="742950" lvl="2" indent="-342900"/>
+            <a:r>
+              <a:rPr lang="en-US" dirty="0" smtClean="0"/>
+              <a:t>Transparent = Parked state</a:t>
+            </a:r>
+          </a:p>
+          <a:p>
+            <a:pPr marL="742950" lvl="2" indent="-342900"/>
+            <a:r>
+              <a:rPr lang="en-US" dirty="0" smtClean="0"/>
+              <a:t>Opaque = </a:t>
+            </a:r>
+            <a:r>
+              <a:rPr lang="en-US" dirty="0"/>
+              <a:t>fast </a:t>
+            </a:r>
+            <a:r>
+              <a:rPr lang="en-US" dirty="0" smtClean="0"/>
+              <a:t>random switch </a:t>
+            </a:r>
+            <a:r>
+              <a:rPr lang="en-US" dirty="0"/>
+              <a:t>between </a:t>
+            </a:r>
+            <a:r>
+              <a:rPr lang="en-US" dirty="0" smtClean="0"/>
+              <a:t>On </a:t>
+            </a:r>
+            <a:r>
+              <a:rPr lang="en-US" dirty="0"/>
+              <a:t>and Off </a:t>
+            </a:r>
+            <a:r>
+              <a:rPr lang="en-US" dirty="0" smtClean="0"/>
+              <a:t>states. </a:t>
+            </a:r>
+          </a:p>
+          <a:p>
+            <a:pPr marL="1200150" lvl="3" indent="-342900"/>
+            <a:r>
+              <a:rPr lang="en-US" dirty="0" smtClean="0"/>
+              <a:t>fast </a:t>
+            </a:r>
+            <a:r>
+              <a:rPr lang="en-US" dirty="0"/>
+              <a:t>random switch between </a:t>
+            </a:r>
+            <a:r>
+              <a:rPr lang="en-US" dirty="0" smtClean="0"/>
+              <a:t>two states will generate average energy picture caused random diffraction pictures cached by MIS </a:t>
+            </a:r>
             <a:endParaRPr lang="en-US" dirty="0"/>
           </a:p>
           <a:p>
+            <a:pPr marL="742950" lvl="2" indent="-342900"/>
+            <a:endParaRPr lang="en-US" dirty="0" smtClean="0"/>
+          </a:p>
+          <a:p>
+            <a:pPr marL="742950" lvl="2" indent="-342900"/>
+            <a:endParaRPr lang="en-US" dirty="0" smtClean="0"/>
+          </a:p>
+          <a:p>
+            <a:pPr marL="342900" lvl="1" indent="-342900"/>
             <a:endParaRPr lang="ru-RU" dirty="0"/>
           </a:p>
         </p:txBody>
@@ -15211,7 +16447,7 @@
     </p:spTree>
     <p:extLst>
       <p:ext uri="{BB962C8B-B14F-4D97-AF65-F5344CB8AC3E}">
-        <p14:creationId xmlns:p14="http://schemas.microsoft.com/office/powerpoint/2010/main" val="3781655878"/>
+        <p14:creationId xmlns:p14="http://schemas.microsoft.com/office/powerpoint/2010/main" val="123853297"/>
       </p:ext>
     </p:extLst>
   </p:cSld>
@@ -15255,11 +16491,11 @@
           <a:p>
             <a:r>
               <a:rPr lang="en-US" dirty="0"/>
-              <a:t>Optical Box Calculations </a:t>
-            </a:r>
-            <a:r>
-              <a:rPr lang="en-US" dirty="0" smtClean="0"/>
-              <a:t>Precision</a:t>
+              <a:t>Optical Box </a:t>
+            </a:r>
+            <a:r>
+              <a:rPr lang="en-US" dirty="0" smtClean="0"/>
+              <a:t>Math</a:t>
             </a:r>
             <a:endParaRPr lang="ru-RU" dirty="0"/>
           </a:p>
@@ -15275,103 +16511,179 @@
             <p:ph idx="1"/>
           </p:nvPr>
         </p:nvSpPr>
-        <p:spPr/>
-        <p:txBody>
-          <a:bodyPr/>
-          <a:lstStyle/>
-          <a:p>
-            <a:r>
-              <a:rPr lang="en-US" dirty="0" smtClean="0"/>
-              <a:t>Fact</a:t>
+        <p:spPr>
+          <a:xfrm>
+            <a:off x="677334" y="1787237"/>
+            <a:ext cx="8596668" cy="4254126"/>
+          </a:xfrm>
+        </p:spPr>
+        <p:txBody>
+          <a:bodyPr>
+            <a:normAutofit/>
+          </a:bodyPr>
+          <a:lstStyle/>
+          <a:p>
+            <a:r>
+              <a:rPr lang="en-US" dirty="0"/>
+              <a:t>Optical Box Design do </a:t>
+            </a:r>
+            <a:r>
+              <a:rPr lang="en-US" dirty="0" smtClean="0"/>
+              <a:t>parallel math calculations of signals on DLP</a:t>
+            </a:r>
+          </a:p>
+          <a:p>
+            <a:r>
+              <a:rPr lang="en-US" dirty="0"/>
+              <a:t>Optical Box </a:t>
+            </a:r>
+            <a:r>
+              <a:rPr lang="en-US" dirty="0" smtClean="0"/>
+              <a:t>Design do not calculate Fourier </a:t>
+            </a:r>
+            <a:r>
+              <a:rPr lang="en-US" dirty="0"/>
+              <a:t>transforming </a:t>
+            </a:r>
+            <a:endParaRPr lang="en-US" dirty="0" smtClean="0"/>
+          </a:p>
+          <a:p>
+            <a:r>
+              <a:rPr lang="en-US" dirty="0"/>
+              <a:t>Optical Box Design do </a:t>
+            </a:r>
+            <a:r>
+              <a:rPr lang="en-US" dirty="0" smtClean="0"/>
+              <a:t>calculate Some (Unknown, depended from device implementation) Matrix Multiplication transforming </a:t>
+            </a:r>
+            <a:r>
+              <a:rPr lang="en-US" dirty="0"/>
+              <a:t>of signals on each FZP </a:t>
+            </a:r>
+            <a:endParaRPr lang="en-US" dirty="0" smtClean="0"/>
+          </a:p>
+          <a:p>
+            <a:r>
+              <a:rPr lang="en-US" dirty="0" smtClean="0"/>
+              <a:t>Because </a:t>
+            </a:r>
+            <a:r>
+              <a:rPr lang="en-US" dirty="0"/>
+              <a:t>Optical Box Design has </a:t>
+            </a:r>
+            <a:r>
+              <a:rPr lang="en-US" dirty="0" smtClean="0"/>
+              <a:t>more then two DLP</a:t>
             </a:r>
           </a:p>
           <a:p>
             <a:pPr lvl="1"/>
             <a:r>
               <a:rPr lang="en-US" dirty="0" smtClean="0"/>
-              <a:t>Calculation with using optics </a:t>
+              <a:t>Reverse of Unknown Matrix </a:t>
+            </a:r>
+          </a:p>
+          <a:p>
+            <a:pPr lvl="2"/>
+            <a:r>
+              <a:rPr lang="en-US" dirty="0" smtClean="0"/>
+              <a:t>Can be calculated by experiments (during Optical </a:t>
             </a:r>
             <a:r>
               <a:rPr lang="en-US" dirty="0"/>
-              <a:t>calculations </a:t>
-            </a:r>
-            <a:r>
-              <a:rPr lang="en-US" dirty="0" smtClean="0"/>
-              <a:t>gives rough results</a:t>
-            </a:r>
-          </a:p>
-          <a:p>
-            <a:r>
-              <a:rPr lang="en-US" dirty="0" smtClean="0"/>
-              <a:t>Solution Ways</a:t>
-            </a:r>
+              <a:t>Box </a:t>
+            </a:r>
+            <a:r>
+              <a:rPr lang="en-US" dirty="0" smtClean="0"/>
+              <a:t>Calibration)</a:t>
+            </a:r>
+          </a:p>
+          <a:p>
+            <a:pPr lvl="2"/>
+            <a:r>
+              <a:rPr lang="en-US" dirty="0" smtClean="0"/>
+              <a:t>Can be saved for future use in embedded memory of </a:t>
+            </a:r>
+            <a:r>
+              <a:rPr lang="en-US" dirty="0"/>
+              <a:t>Optical Box </a:t>
+            </a:r>
+            <a:endParaRPr lang="en-US" dirty="0" smtClean="0"/>
+          </a:p>
+          <a:p>
+            <a:pPr lvl="2"/>
+            <a:r>
+              <a:rPr lang="en-US" dirty="0" smtClean="0"/>
+              <a:t>Can be used for </a:t>
+            </a:r>
+            <a:r>
+              <a:rPr lang="en-US" dirty="0"/>
+              <a:t>calculation needed </a:t>
+            </a:r>
+            <a:endParaRPr lang="en-US" dirty="0" smtClean="0"/>
           </a:p>
           <a:p>
             <a:pPr lvl="1"/>
             <a:r>
               <a:rPr lang="en-US" dirty="0" smtClean="0"/>
-              <a:t>Same algorithms like sorting, brute force, branch-and-bounds and etc. do not need precision for all </a:t>
+              <a:t>One DLP (if light is high polarized) or two DLP </a:t>
             </a:r>
             <a:r>
               <a:rPr lang="en-US" dirty="0"/>
-              <a:t>results </a:t>
-            </a:r>
-            <a:r>
-              <a:rPr lang="en-US" dirty="0" smtClean="0"/>
-              <a:t>but selected only. Selected </a:t>
+              <a:t>(if light is </a:t>
+            </a:r>
+            <a:r>
+              <a:rPr lang="en-US" dirty="0" smtClean="0"/>
+              <a:t>low polarized</a:t>
             </a:r>
             <a:r>
               <a:rPr lang="en-US" dirty="0"/>
-              <a:t>results </a:t>
-            </a:r>
-            <a:r>
-              <a:rPr lang="en-US" dirty="0" smtClean="0"/>
-              <a:t>can by calculated traditional way or improved by </a:t>
+              <a:t>)</a:t>
+            </a:r>
+            <a:r>
+              <a:rPr lang="en-US" dirty="0" smtClean="0"/>
+              <a:t> can be used to correct total matrix production for </a:t>
             </a:r>
             <a:r>
               <a:rPr lang="en-US" dirty="0"/>
-              <a:t>additional math iteration algorithms of </a:t>
-            </a:r>
-            <a:r>
-              <a:rPr lang="en-US" dirty="0" smtClean="0"/>
-              <a:t>selected results.</a:t>
-            </a:r>
-          </a:p>
-          <a:p>
-            <a:pPr lvl="1"/>
-            <a:r>
-              <a:rPr lang="en-US" dirty="0" smtClean="0"/>
-              <a:t>There are many step-by-step math iteration algorithms exists to up </a:t>
+              <a:t>calculation </a:t>
+            </a:r>
+            <a:r>
+              <a:rPr lang="en-US" dirty="0" smtClean="0"/>
+              <a:t>needed like </a:t>
             </a:r>
             <a:r>
               <a:rPr lang="en-US" dirty="0"/>
-              <a:t>precision </a:t>
-            </a:r>
-            <a:r>
-              <a:rPr lang="en-US" dirty="0" smtClean="0"/>
-              <a:t>as needed</a:t>
-            </a:r>
-          </a:p>
-          <a:p>
-            <a:r>
-              <a:rPr lang="en-US" dirty="0" smtClean="0"/>
-              <a:t>Conclusion</a:t>
-            </a:r>
-          </a:p>
-          <a:p>
-            <a:pPr lvl="1"/>
-            <a:r>
-              <a:rPr lang="en-US" sz="2400" dirty="0" smtClean="0"/>
-              <a:t>Rough results can by used effectively </a:t>
-            </a:r>
-            <a:endParaRPr lang="ru-RU" sz="2400" dirty="0"/>
+              <a:t>Fourier </a:t>
+            </a:r>
+            <a:r>
+              <a:rPr lang="en-US" dirty="0" smtClean="0"/>
+              <a:t>transforming,</a:t>
+            </a:r>
+            <a:r>
+              <a:rPr lang="en-US" dirty="0"/>
+              <a:t> Walsh-</a:t>
+            </a:r>
+            <a:r>
+              <a:rPr lang="en-US" dirty="0" err="1"/>
+              <a:t>Hadamar</a:t>
+            </a:r>
+            <a:r>
+              <a:rPr lang="en-US" dirty="0"/>
+              <a:t> </a:t>
+            </a:r>
+            <a:r>
+              <a:rPr lang="en-US" dirty="0" smtClean="0"/>
+              <a:t>transforming and etc.</a:t>
+            </a:r>
+            <a:endParaRPr lang="ru-RU" dirty="0"/>
           </a:p>
         </p:txBody>
       </p:sp>
     </p:spTree>
     <p:extLst>
       <p:ext uri="{BB962C8B-B14F-4D97-AF65-F5344CB8AC3E}">
-        <p14:creationId xmlns:p14="http://schemas.microsoft.com/office/powerpoint/2010/main" val="304943075"/>
+        <p14:creationId xmlns:p14="http://schemas.microsoft.com/office/powerpoint/2010/main" val="4190557889"/>
       </p:ext>
     </p:extLst>
   </p:cSld>
@@ -15414,8 +16726,20 @@
           <a:lstStyle/>
           <a:p>
             <a:r>
-              <a:rPr lang="en-US" dirty="0" smtClean="0"/>
-              <a:t>Optic Box Tools Developed</a:t>
+              <a:rPr lang="en-US" dirty="0"/>
+              <a:t>Optical Box </a:t>
+            </a:r>
+            <a:r>
+              <a:rPr lang="en-US" dirty="0" smtClean="0"/>
+              <a:t>Calibration</a:t>
+            </a:r>
+            <a:r>
+              <a:rPr lang="en-US" dirty="0"/>
+              <a:t> </a:t>
+            </a:r>
+            <a:r>
+              <a:rPr lang="en-US" dirty="0" smtClean="0"/>
+              <a:t>Definition</a:t>
             </a:r>
             <a:endParaRPr lang="ru-RU" dirty="0"/>
           </a:p>
@@ -15436,117 +16760,108 @@
           <a:bodyPr/>
           <a:lstStyle/>
           <a:p>
+            <a:pPr marL="342900" lvl="1" indent="-342900"/>
             <a:r>
               <a:rPr lang="en-US" dirty="0"/>
-              <a:t>Optic Box Tools </a:t>
-            </a:r>
-            <a:endParaRPr lang="en-US" dirty="0" smtClean="0"/>
-          </a:p>
-          <a:p>
-            <a:pPr lvl="1"/>
-            <a:r>
-              <a:rPr lang="en-US" dirty="0" smtClean="0"/>
-              <a:t>FZP Builder</a:t>
-            </a:r>
-          </a:p>
-          <a:p>
+              <a:t>If Y = OUTPUT(X1,X2,X3,…) is an output from Optical Box with X1, X2, X3 … values of </a:t>
+            </a:r>
+            <a:r>
+              <a:rPr lang="en-US" dirty="0" smtClean="0"/>
+              <a:t>DLPs</a:t>
+            </a:r>
+          </a:p>
+          <a:p>
+            <a:pPr marL="342900" lvl="1" indent="-342900"/>
+            <a:r>
+              <a:rPr lang="en-US" dirty="0" smtClean="0"/>
+              <a:t>If </a:t>
+            </a:r>
             <a:r>
               <a:rPr lang="en-US" dirty="0"/>
-              <a:t>Software Packages and Tools was used for samples development</a:t>
-            </a:r>
-          </a:p>
-          <a:p>
-            <a:pPr lvl="1"/>
+              <a:t>F(X1,…,Xn-1) = max || OUTPUT(X1,…,Xn-1,X) - | X*M | ||  for all </a:t>
+            </a:r>
+            <a:r>
+              <a:rPr lang="en-US" dirty="0" smtClean="0"/>
+              <a:t>X</a:t>
+            </a:r>
+          </a:p>
+          <a:p>
+            <a:pPr marL="342900" lvl="1" indent="-342900"/>
+            <a:r>
+              <a:rPr lang="en-US" dirty="0" smtClean="0"/>
+              <a:t>If </a:t>
+            </a:r>
             <a:r>
               <a:rPr lang="en-US" dirty="0"/>
-              <a:t>Microsoft Visual Studio 2013 C#</a:t>
-            </a:r>
-          </a:p>
-          <a:p>
-            <a:pPr lvl="1"/>
-            <a:r>
-              <a:rPr lang="en-US" dirty="0" err="1"/>
-              <a:t>EmguCV</a:t>
+              <a:t>F(C1,…,Cn-1 ) = min F(X1,…,Xn-1)  for all X1,…,</a:t>
+            </a:r>
+            <a:r>
+              <a:rPr lang="en-US" dirty="0" smtClean="0"/>
+              <a:t>Xn-1</a:t>
+            </a:r>
+          </a:p>
+          <a:p>
+            <a:pPr marL="342900" lvl="1" indent="-342900"/>
+            <a:r>
+              <a:rPr lang="en-US" dirty="0" smtClean="0"/>
+              <a:t>Then values </a:t>
             </a:r>
             <a:r>
               <a:rPr lang="en-US" dirty="0"/>
-              <a:t>/</a:t>
-            </a:r>
-            <a:r>
-              <a:rPr lang="en-US" dirty="0" err="1"/>
-              <a:t>OpenCV</a:t>
+              <a:t>C1,…,Cn-1 will be named Calibration for transformation matrix M and</a:t>
+            </a:r>
+          </a:p>
+          <a:p>
+            <a:pPr marL="0" lvl="1" indent="0" algn="ctr">
+              <a:buNone/>
+            </a:pPr>
+            <a:r>
+              <a:rPr lang="en-US" b="1" dirty="0"/>
+              <a:t>Y=| X*M | = OUTPUT(C1,…,Cn-1,X) </a:t>
+            </a:r>
+            <a:endParaRPr lang="en-US" b="1" dirty="0" smtClean="0"/>
+          </a:p>
+          <a:p>
+            <a:pPr marL="285750" lvl="1"/>
+            <a:r>
+              <a:rPr lang="en-US" dirty="0" smtClean="0"/>
+              <a:t>Calculations can be done with PC and </a:t>
             </a:r>
             <a:r>
               <a:rPr lang="en-US" dirty="0"/>
-              <a:t> – C++ computer vision library (bitmap data management part)</a:t>
-            </a:r>
-          </a:p>
-          <a:p>
-            <a:pPr lvl="1"/>
-            <a:r>
-              <a:rPr lang="en-US" dirty="0" err="1"/>
-              <a:t>FFTWSharp</a:t>
+              <a:t>Optical Box </a:t>
+            </a:r>
+            <a:r>
+              <a:rPr lang="en-US" dirty="0" smtClean="0"/>
+              <a:t>together or within </a:t>
             </a:r>
             <a:r>
               <a:rPr lang="en-US" dirty="0"/>
-              <a:t>/FFTW – C++ Discrete Fast Fourier Transform implementation</a:t>
-            </a:r>
+              <a:t>Optical Box only </a:t>
+            </a:r>
+            <a:r>
+              <a:rPr lang="en-US" dirty="0" smtClean="0"/>
+              <a:t>using embedded discrete computer</a:t>
+            </a:r>
+            <a:endParaRPr lang="en-US" dirty="0"/>
+          </a:p>
+          <a:p>
+            <a:pPr marL="342900" lvl="1" indent="-342900"/>
+            <a:endParaRPr lang="en-US" dirty="0"/>
+          </a:p>
+          <a:p>
+            <a:pPr marL="342900" lvl="1" indent="-342900"/>
+            <a:endParaRPr lang="en-US" dirty="0"/>
           </a:p>
           <a:p>
             <a:endParaRPr lang="ru-RU" dirty="0"/>
-          </a:p>
-        </p:txBody>
-      </p:sp>
-      <p:sp>
-        <p:nvSpPr>
-          <p:cNvPr id="4" name="Нижний колонтитул 3"/>
-          <p:cNvSpPr>
-            <a:spLocks noGrp="1"/>
-          </p:cNvSpPr>
-          <p:nvPr>
-            <p:ph type="ftr" sz="quarter" idx="11"/>
-          </p:nvPr>
-        </p:nvSpPr>
-        <p:spPr/>
-        <p:txBody>
-          <a:bodyPr/>
-          <a:lstStyle/>
-          <a:p>
-            <a:r>
-              <a:rPr lang="en-US" smtClean="0"/>
-              <a:t>DMITRY@PROTOPOPOV.RU</a:t>
-            </a:r>
-            <a:endParaRPr lang="ru-RU"/>
-          </a:p>
-        </p:txBody>
-      </p:sp>
-      <p:sp>
-        <p:nvSpPr>
-          <p:cNvPr id="5" name="Номер слайда 4"/>
-          <p:cNvSpPr>
-            <a:spLocks noGrp="1"/>
-          </p:cNvSpPr>
-          <p:nvPr>
-            <p:ph type="sldNum" sz="quarter" idx="12"/>
-          </p:nvPr>
-        </p:nvSpPr>
-        <p:spPr/>
-        <p:txBody>
-          <a:bodyPr/>
-          <a:lstStyle/>
-          <a:p>
-            <a:fld id="{C0AF4200-06F9-4C00-BF67-F73768F696CA}" type="slidenum">
-              <a:rPr lang="ru-RU" smtClean="0"/>
-              <a:t>38</a:t>
-            </a:fld>
-            <a:endParaRPr lang="ru-RU"/>
           </a:p>
         </p:txBody>
       </p:sp>
     </p:spTree>
     <p:extLst>
       <p:ext uri="{BB962C8B-B14F-4D97-AF65-F5344CB8AC3E}">
-        <p14:creationId xmlns:p14="http://schemas.microsoft.com/office/powerpoint/2010/main" val="1214516285"/>
+        <p14:creationId xmlns:p14="http://schemas.microsoft.com/office/powerpoint/2010/main" val="3341275394"/>
       </p:ext>
     </p:extLst>
   </p:cSld>
@@ -15585,112 +16900,155 @@
         </p:nvSpPr>
         <p:spPr/>
         <p:txBody>
+          <a:bodyPr/>
+          <a:lstStyle/>
+          <a:p>
+            <a:r>
+              <a:rPr lang="en-US" dirty="0" smtClean="0"/>
+              <a:t>Minimal Optical </a:t>
+            </a:r>
+            <a:r>
+              <a:rPr lang="en-US" dirty="0"/>
+              <a:t>Box Calibration Size</a:t>
+            </a:r>
+            <a:endParaRPr lang="ru-RU" dirty="0"/>
+          </a:p>
+        </p:txBody>
+      </p:sp>
+      <p:sp>
+        <p:nvSpPr>
+          <p:cNvPr id="3" name="Объект 2"/>
+          <p:cNvSpPr>
+            <a:spLocks noGrp="1"/>
+          </p:cNvSpPr>
+          <p:nvPr>
+            <p:ph idx="1"/>
+          </p:nvPr>
+        </p:nvSpPr>
+        <p:spPr/>
+        <p:txBody>
           <a:bodyPr>
-            <a:normAutofit fontScale="90000"/>
+            <a:normAutofit fontScale="92500" lnSpcReduction="20000"/>
           </a:bodyPr>
           <a:lstStyle/>
           <a:p>
             <a:r>
               <a:rPr lang="en-US" dirty="0"/>
-              <a:t>FZP </a:t>
-            </a:r>
-            <a:r>
-              <a:rPr lang="en-US" dirty="0" smtClean="0"/>
-              <a:t>Builder</a:t>
-            </a:r>
-            <a:br>
-              <a:rPr lang="en-US" dirty="0" smtClean="0"/>
-            </a:br>
-            <a:r>
-              <a:rPr lang="en-US" dirty="0"/>
-              <a:t>Optic Box Tools Developed</a:t>
-            </a:r>
-            <a:br>
-              <a:rPr lang="en-US" dirty="0"/>
-            </a:br>
+              <a:t>Calibration allow to remove non-linear distortion due non-ideal conditions of single lens transformation</a:t>
+            </a:r>
+            <a:r>
+              <a:rPr lang="en-US" dirty="0" smtClean="0"/>
+              <a:t>.</a:t>
+            </a:r>
+          </a:p>
+          <a:p>
+            <a:pPr marL="342900" lvl="2" indent="-342900"/>
+            <a:r>
+              <a:rPr lang="en-US" sz="1800" dirty="0"/>
+              <a:t>The main distortion for Interference and Diffraction of light caused by Non-Polarized </a:t>
+            </a:r>
+            <a:r>
+              <a:rPr lang="en-US" sz="1800" dirty="0" smtClean="0"/>
+              <a:t>light. Some materials can change light polarization during light reflection or pass thru transparent material.</a:t>
+            </a:r>
+          </a:p>
+          <a:p>
+            <a:pPr marL="800100" lvl="3" indent="-342900"/>
+            <a:r>
+              <a:rPr lang="en-US" sz="1600" dirty="0" smtClean="0"/>
+              <a:t>EMW consists of Electric and Magnetic Parts</a:t>
+            </a:r>
+          </a:p>
+          <a:p>
+            <a:pPr marL="1257300" lvl="4" indent="-342900"/>
+            <a:r>
+              <a:rPr lang="en-US" sz="1600" dirty="0" smtClean="0"/>
+              <a:t>If light is Non-Polarized Electric(or Magnetic) Parts of two beams are not summarize as values but </a:t>
+            </a:r>
+            <a:r>
+              <a:rPr lang="en-US" sz="1600" dirty="0"/>
+              <a:t>summarize as </a:t>
+            </a:r>
+            <a:r>
+              <a:rPr lang="en-US" sz="1600" dirty="0" smtClean="0"/>
+              <a:t>direct vectors so light detector catch average power for all cells and do not recognize Interference/Diffraction picture of two beams of light.</a:t>
+            </a:r>
+          </a:p>
+          <a:p>
+            <a:pPr marL="800100" lvl="3" indent="-342900"/>
+            <a:r>
+              <a:rPr lang="en-US" sz="1600" dirty="0"/>
+              <a:t>Electric and Magnetic </a:t>
+            </a:r>
+            <a:r>
+              <a:rPr lang="en-US" sz="1600" dirty="0" smtClean="0"/>
+              <a:t>Parts of any </a:t>
+            </a:r>
+            <a:r>
+              <a:rPr lang="en-US" sz="1600" dirty="0"/>
+              <a:t>EMW </a:t>
+            </a:r>
+            <a:r>
+              <a:rPr lang="en-US" sz="1600" dirty="0" smtClean="0"/>
+              <a:t>can be present as complex number or as a pair of real numbers</a:t>
+            </a:r>
+          </a:p>
+          <a:p>
+            <a:pPr marL="342900" lvl="2" indent="-342900"/>
+            <a:r>
+              <a:rPr lang="en-US" sz="1800" dirty="0" smtClean="0"/>
+              <a:t>Calibration which can remove </a:t>
+            </a:r>
+            <a:r>
+              <a:rPr lang="en-US" sz="1800" dirty="0"/>
+              <a:t>distortion </a:t>
+            </a:r>
+            <a:r>
+              <a:rPr lang="en-US" sz="1800" dirty="0" smtClean="0"/>
+              <a:t>caused by </a:t>
+            </a:r>
+            <a:r>
+              <a:rPr lang="en-US" sz="1800" dirty="0"/>
+              <a:t>Non-Polarized</a:t>
+            </a:r>
+            <a:r>
+              <a:rPr lang="en-US" sz="1800" dirty="0" smtClean="0"/>
+              <a:t> </a:t>
+            </a:r>
+            <a:r>
+              <a:rPr lang="en-US" sz="1800" dirty="0"/>
+              <a:t>light </a:t>
+            </a:r>
+            <a:r>
+              <a:rPr lang="en-US" sz="1800" dirty="0" smtClean="0"/>
+              <a:t>must contains a </a:t>
+            </a:r>
+            <a:r>
+              <a:rPr lang="en-US" sz="1800" dirty="0"/>
+              <a:t>pair of real </a:t>
+            </a:r>
+            <a:r>
+              <a:rPr lang="en-US" sz="1800" dirty="0" smtClean="0"/>
+              <a:t>calibration values for any output amplitude value at point as real number.</a:t>
+            </a:r>
+            <a:endParaRPr lang="en-US" sz="1800" dirty="0"/>
+          </a:p>
+          <a:p>
+            <a:pPr marL="1257300" lvl="4" indent="-342900"/>
+            <a:endParaRPr lang="en-US" sz="1600" dirty="0"/>
+          </a:p>
+          <a:p>
+            <a:endParaRPr lang="en-US" dirty="0"/>
+          </a:p>
+          <a:p>
             <a:endParaRPr lang="ru-RU" dirty="0"/>
-          </a:p>
-        </p:txBody>
-      </p:sp>
-      <p:pic>
-        <p:nvPicPr>
-          <p:cNvPr id="6" name="Объект 5"/>
-          <p:cNvPicPr>
-            <a:picLocks noGrp="1" noChangeAspect="1"/>
-          </p:cNvPicPr>
-          <p:nvPr>
-            <p:ph idx="1"/>
-          </p:nvPr>
-        </p:nvPicPr>
-        <p:blipFill>
-          <a:blip r:embed="rId2">
-            <a:extLst>
-              <a:ext uri="{28A0092B-C50C-407E-A947-70E740481C1C}">
-                <a14:useLocalDpi xmlns:a14="http://schemas.microsoft.com/office/drawing/2010/main" val="0"/>
-              </a:ext>
-            </a:extLst>
-          </a:blip>
-          <a:stretch>
-            <a:fillRect/>
-          </a:stretch>
-        </p:blipFill>
-        <p:spPr>
-          <a:xfrm>
-            <a:off x="1318419" y="2361406"/>
-            <a:ext cx="7315200" cy="3479800"/>
-          </a:xfrm>
-        </p:spPr>
-      </p:pic>
-      <p:sp>
-        <p:nvSpPr>
-          <p:cNvPr id="4" name="Нижний колонтитул 3"/>
-          <p:cNvSpPr>
-            <a:spLocks noGrp="1"/>
-          </p:cNvSpPr>
-          <p:nvPr>
-            <p:ph type="ftr" sz="quarter" idx="11"/>
-          </p:nvPr>
-        </p:nvSpPr>
-        <p:spPr/>
-        <p:txBody>
-          <a:bodyPr/>
-          <a:lstStyle/>
-          <a:p>
-            <a:r>
-              <a:rPr lang="en-US" smtClean="0"/>
-              <a:t>DMITRY@PROTOPOPOV.RU</a:t>
-            </a:r>
-            <a:endParaRPr lang="ru-RU"/>
-          </a:p>
-        </p:txBody>
-      </p:sp>
-      <p:sp>
-        <p:nvSpPr>
-          <p:cNvPr id="5" name="Номер слайда 4"/>
-          <p:cNvSpPr>
-            <a:spLocks noGrp="1"/>
-          </p:cNvSpPr>
-          <p:nvPr>
-            <p:ph type="sldNum" sz="quarter" idx="12"/>
-          </p:nvPr>
-        </p:nvSpPr>
-        <p:spPr/>
-        <p:txBody>
-          <a:bodyPr/>
-          <a:lstStyle/>
-          <a:p>
-            <a:fld id="{C0AF4200-06F9-4C00-BF67-F73768F696CA}" type="slidenum">
-              <a:rPr lang="ru-RU" smtClean="0"/>
-              <a:t>39</a:t>
-            </a:fld>
-            <a:endParaRPr lang="ru-RU"/>
           </a:p>
         </p:txBody>
       </p:sp>
     </p:spTree>
     <p:extLst>
       <p:ext uri="{BB962C8B-B14F-4D97-AF65-F5344CB8AC3E}">
-        <p14:creationId xmlns:p14="http://schemas.microsoft.com/office/powerpoint/2010/main" val="2126944354"/>
+        <p14:creationId xmlns:p14="http://schemas.microsoft.com/office/powerpoint/2010/main" val="3781655878"/>
       </p:ext>
     </p:extLst>
   </p:cSld>
@@ -15833,6 +17191,485 @@
           <a:lstStyle/>
           <a:p>
             <a:r>
+              <a:rPr lang="en-US" dirty="0"/>
+              <a:t>Optical Box Calculations </a:t>
+            </a:r>
+            <a:r>
+              <a:rPr lang="en-US" dirty="0" smtClean="0"/>
+              <a:t>Precision</a:t>
+            </a:r>
+            <a:endParaRPr lang="ru-RU" dirty="0"/>
+          </a:p>
+        </p:txBody>
+      </p:sp>
+      <p:sp>
+        <p:nvSpPr>
+          <p:cNvPr id="3" name="Объект 2"/>
+          <p:cNvSpPr>
+            <a:spLocks noGrp="1"/>
+          </p:cNvSpPr>
+          <p:nvPr>
+            <p:ph idx="1"/>
+          </p:nvPr>
+        </p:nvSpPr>
+        <p:spPr/>
+        <p:txBody>
+          <a:bodyPr/>
+          <a:lstStyle/>
+          <a:p>
+            <a:r>
+              <a:rPr lang="en-US" dirty="0" smtClean="0"/>
+              <a:t>Fact</a:t>
+            </a:r>
+          </a:p>
+          <a:p>
+            <a:pPr lvl="1"/>
+            <a:r>
+              <a:rPr lang="en-US" dirty="0" smtClean="0"/>
+              <a:t>Calculation with using optics </a:t>
+            </a:r>
+            <a:r>
+              <a:rPr lang="en-US" dirty="0"/>
+              <a:t>calculations </a:t>
+            </a:r>
+            <a:r>
+              <a:rPr lang="en-US" dirty="0" smtClean="0"/>
+              <a:t>gives rough results</a:t>
+            </a:r>
+          </a:p>
+          <a:p>
+            <a:r>
+              <a:rPr lang="en-US" dirty="0" smtClean="0"/>
+              <a:t>Solution Ways</a:t>
+            </a:r>
+          </a:p>
+          <a:p>
+            <a:pPr lvl="1"/>
+            <a:r>
+              <a:rPr lang="en-US" dirty="0" smtClean="0"/>
+              <a:t>Same algorithms like sorting, brute force, branch-and-bounds and etc. do not need precision for all </a:t>
+            </a:r>
+            <a:r>
+              <a:rPr lang="en-US" dirty="0"/>
+              <a:t>results </a:t>
+            </a:r>
+            <a:r>
+              <a:rPr lang="en-US" dirty="0" smtClean="0"/>
+              <a:t>but selected only. Selected </a:t>
+            </a:r>
+            <a:r>
+              <a:rPr lang="en-US" dirty="0"/>
+              <a:t>results </a:t>
+            </a:r>
+            <a:r>
+              <a:rPr lang="en-US" dirty="0" smtClean="0"/>
+              <a:t>can by calculated traditional way or improved by </a:t>
+            </a:r>
+            <a:r>
+              <a:rPr lang="en-US" dirty="0"/>
+              <a:t>additional math iteration algorithms of </a:t>
+            </a:r>
+            <a:r>
+              <a:rPr lang="en-US" dirty="0" smtClean="0"/>
+              <a:t>selected results.</a:t>
+            </a:r>
+          </a:p>
+          <a:p>
+            <a:pPr lvl="1"/>
+            <a:r>
+              <a:rPr lang="en-US" dirty="0" smtClean="0"/>
+              <a:t>There are many step-by-step math iteration algorithms exists to up </a:t>
+            </a:r>
+            <a:r>
+              <a:rPr lang="en-US" dirty="0"/>
+              <a:t>precision </a:t>
+            </a:r>
+            <a:r>
+              <a:rPr lang="en-US" dirty="0" smtClean="0"/>
+              <a:t>as needed</a:t>
+            </a:r>
+          </a:p>
+          <a:p>
+            <a:r>
+              <a:rPr lang="en-US" dirty="0" smtClean="0"/>
+              <a:t>Conclusion</a:t>
+            </a:r>
+          </a:p>
+          <a:p>
+            <a:pPr lvl="1"/>
+            <a:r>
+              <a:rPr lang="en-US" sz="2400" dirty="0" smtClean="0"/>
+              <a:t>Rough results can by used effectively </a:t>
+            </a:r>
+            <a:endParaRPr lang="ru-RU" sz="2400" dirty="0"/>
+          </a:p>
+        </p:txBody>
+      </p:sp>
+    </p:spTree>
+    <p:extLst>
+      <p:ext uri="{BB962C8B-B14F-4D97-AF65-F5344CB8AC3E}">
+        <p14:creationId xmlns:p14="http://schemas.microsoft.com/office/powerpoint/2010/main" val="304943075"/>
+      </p:ext>
+    </p:extLst>
+  </p:cSld>
+  <p:clrMapOvr>
+    <a:masterClrMapping/>
+  </p:clrMapOvr>
+</p:sld>
+</file>
+
+<file path=ppt/slides/slide41.xml><?xml version="1.0" encoding="utf-8"?>
+<p:sld xmlns:a="http://schemas.openxmlformats.org/drawingml/2006/main" xmlns:r="http://schemas.openxmlformats.org/officeDocument/2006/relationships" xmlns:p="http://schemas.openxmlformats.org/presentationml/2006/main">
+  <p:cSld>
+    <p:spTree>
+      <p:nvGrpSpPr>
+        <p:cNvPr id="1" name=""/>
+        <p:cNvGrpSpPr/>
+        <p:nvPr/>
+      </p:nvGrpSpPr>
+      <p:grpSpPr>
+        <a:xfrm>
+          <a:off x="0" y="0"/>
+          <a:ext cx="0" cy="0"/>
+          <a:chOff x="0" y="0"/>
+          <a:chExt cx="0" cy="0"/>
+        </a:xfrm>
+      </p:grpSpPr>
+      <p:sp>
+        <p:nvSpPr>
+          <p:cNvPr id="2" name="Заголовок 1"/>
+          <p:cNvSpPr>
+            <a:spLocks noGrp="1"/>
+          </p:cNvSpPr>
+          <p:nvPr>
+            <p:ph type="title"/>
+          </p:nvPr>
+        </p:nvSpPr>
+        <p:spPr/>
+        <p:txBody>
+          <a:bodyPr/>
+          <a:lstStyle/>
+          <a:p>
+            <a:r>
+              <a:rPr lang="en-US" dirty="0" smtClean="0"/>
+              <a:t>Optic Box Tools Developed</a:t>
+            </a:r>
+            <a:endParaRPr lang="ru-RU" dirty="0"/>
+          </a:p>
+        </p:txBody>
+      </p:sp>
+      <p:sp>
+        <p:nvSpPr>
+          <p:cNvPr id="3" name="Объект 2"/>
+          <p:cNvSpPr>
+            <a:spLocks noGrp="1"/>
+          </p:cNvSpPr>
+          <p:nvPr>
+            <p:ph idx="1"/>
+          </p:nvPr>
+        </p:nvSpPr>
+        <p:spPr/>
+        <p:txBody>
+          <a:bodyPr/>
+          <a:lstStyle/>
+          <a:p>
+            <a:r>
+              <a:rPr lang="en-US" dirty="0"/>
+              <a:t>Optic Box Tools </a:t>
+            </a:r>
+            <a:endParaRPr lang="en-US" dirty="0" smtClean="0"/>
+          </a:p>
+          <a:p>
+            <a:pPr lvl="1"/>
+            <a:r>
+              <a:rPr lang="en-US" dirty="0" smtClean="0"/>
+              <a:t>FZP Builder</a:t>
+            </a:r>
+          </a:p>
+          <a:p>
+            <a:r>
+              <a:rPr lang="en-US" dirty="0"/>
+              <a:t>Software Packages and Tools was used for samples development</a:t>
+            </a:r>
+          </a:p>
+          <a:p>
+            <a:pPr lvl="1"/>
+            <a:r>
+              <a:rPr lang="en-US" dirty="0"/>
+              <a:t>Microsoft Visual Studio 2013 C#</a:t>
+            </a:r>
+          </a:p>
+          <a:p>
+            <a:pPr lvl="1"/>
+            <a:r>
+              <a:rPr lang="en-US" dirty="0" err="1"/>
+              <a:t>EmguCV</a:t>
+            </a:r>
+            <a:r>
+              <a:rPr lang="en-US" dirty="0"/>
+              <a:t>/</a:t>
+            </a:r>
+            <a:r>
+              <a:rPr lang="en-US" dirty="0" err="1"/>
+              <a:t>OpenCV</a:t>
+            </a:r>
+            <a:r>
+              <a:rPr lang="en-US" dirty="0"/>
+              <a:t> – C++ computer vision library (bitmap data management part)</a:t>
+            </a:r>
+          </a:p>
+          <a:p>
+            <a:pPr lvl="1"/>
+            <a:r>
+              <a:rPr lang="en-US" dirty="0" err="1"/>
+              <a:t>FFTWSharp</a:t>
+            </a:r>
+            <a:r>
+              <a:rPr lang="en-US" dirty="0"/>
+              <a:t>/FFTW – C++ Discrete Fast Fourier Transform implementation</a:t>
+            </a:r>
+          </a:p>
+          <a:p>
+            <a:endParaRPr lang="ru-RU" dirty="0"/>
+          </a:p>
+        </p:txBody>
+      </p:sp>
+      <p:sp>
+        <p:nvSpPr>
+          <p:cNvPr id="4" name="Нижний колонтитул 3"/>
+          <p:cNvSpPr>
+            <a:spLocks noGrp="1"/>
+          </p:cNvSpPr>
+          <p:nvPr>
+            <p:ph type="ftr" sz="quarter" idx="11"/>
+          </p:nvPr>
+        </p:nvSpPr>
+        <p:spPr/>
+        <p:txBody>
+          <a:bodyPr/>
+          <a:lstStyle/>
+          <a:p>
+            <a:r>
+              <a:rPr lang="en-US" smtClean="0"/>
+              <a:t>DMITRY@PROTOPOPOV.RU</a:t>
+            </a:r>
+            <a:endParaRPr lang="ru-RU"/>
+          </a:p>
+        </p:txBody>
+      </p:sp>
+      <p:sp>
+        <p:nvSpPr>
+          <p:cNvPr id="5" name="Номер слайда 4"/>
+          <p:cNvSpPr>
+            <a:spLocks noGrp="1"/>
+          </p:cNvSpPr>
+          <p:nvPr>
+            <p:ph type="sldNum" sz="quarter" idx="12"/>
+          </p:nvPr>
+        </p:nvSpPr>
+        <p:spPr/>
+        <p:txBody>
+          <a:bodyPr/>
+          <a:lstStyle/>
+          <a:p>
+            <a:fld id="{C0AF4200-06F9-4C00-BF67-F73768F696CA}" type="slidenum">
+              <a:rPr lang="ru-RU" smtClean="0"/>
+              <a:t>41</a:t>
+            </a:fld>
+            <a:endParaRPr lang="ru-RU"/>
+          </a:p>
+        </p:txBody>
+      </p:sp>
+    </p:spTree>
+    <p:extLst>
+      <p:ext uri="{BB962C8B-B14F-4D97-AF65-F5344CB8AC3E}">
+        <p14:creationId xmlns:p14="http://schemas.microsoft.com/office/powerpoint/2010/main" val="1214516285"/>
+      </p:ext>
+    </p:extLst>
+  </p:cSld>
+  <p:clrMapOvr>
+    <a:masterClrMapping/>
+  </p:clrMapOvr>
+</p:sld>
+</file>
+
+<file path=ppt/slides/slide42.xml><?xml version="1.0" encoding="utf-8"?>
+<p:sld xmlns:a="http://schemas.openxmlformats.org/drawingml/2006/main" xmlns:r="http://schemas.openxmlformats.org/officeDocument/2006/relationships" xmlns:p="http://schemas.openxmlformats.org/presentationml/2006/main">
+  <p:cSld>
+    <p:spTree>
+      <p:nvGrpSpPr>
+        <p:cNvPr id="1" name=""/>
+        <p:cNvGrpSpPr/>
+        <p:nvPr/>
+      </p:nvGrpSpPr>
+      <p:grpSpPr>
+        <a:xfrm>
+          <a:off x="0" y="0"/>
+          <a:ext cx="0" cy="0"/>
+          <a:chOff x="0" y="0"/>
+          <a:chExt cx="0" cy="0"/>
+        </a:xfrm>
+      </p:grpSpPr>
+      <p:sp>
+        <p:nvSpPr>
+          <p:cNvPr id="2" name="Заголовок 1"/>
+          <p:cNvSpPr>
+            <a:spLocks noGrp="1"/>
+          </p:cNvSpPr>
+          <p:nvPr>
+            <p:ph type="title"/>
+          </p:nvPr>
+        </p:nvSpPr>
+        <p:spPr/>
+        <p:txBody>
+          <a:bodyPr>
+            <a:normAutofit fontScale="90000"/>
+          </a:bodyPr>
+          <a:lstStyle/>
+          <a:p>
+            <a:r>
+              <a:rPr lang="en-US" dirty="0"/>
+              <a:t>FZP </a:t>
+            </a:r>
+            <a:r>
+              <a:rPr lang="en-US" dirty="0" smtClean="0"/>
+              <a:t>Builder</a:t>
+            </a:r>
+            <a:br>
+              <a:rPr lang="en-US" dirty="0" smtClean="0"/>
+            </a:br>
+            <a:r>
+              <a:rPr lang="en-US" dirty="0"/>
+              <a:t>Optic Box Tools Developed</a:t>
+            </a:r>
+            <a:br>
+              <a:rPr lang="en-US" dirty="0"/>
+            </a:br>
+            <a:endParaRPr lang="ru-RU" dirty="0"/>
+          </a:p>
+        </p:txBody>
+      </p:sp>
+      <p:pic>
+        <p:nvPicPr>
+          <p:cNvPr id="6" name="Объект 5"/>
+          <p:cNvPicPr>
+            <a:picLocks noGrp="1" noChangeAspect="1"/>
+          </p:cNvPicPr>
+          <p:nvPr>
+            <p:ph idx="1"/>
+          </p:nvPr>
+        </p:nvPicPr>
+        <p:blipFill>
+          <a:blip r:embed="rId2">
+            <a:extLst>
+              <a:ext uri="{28A0092B-C50C-407E-A947-70E740481C1C}">
+                <a14:useLocalDpi xmlns:a14="http://schemas.microsoft.com/office/drawing/2010/main" val="0"/>
+              </a:ext>
+            </a:extLst>
+          </a:blip>
+          <a:stretch>
+            <a:fillRect/>
+          </a:stretch>
+        </p:blipFill>
+        <p:spPr>
+          <a:xfrm>
+            <a:off x="1318419" y="2361406"/>
+            <a:ext cx="7315200" cy="3479800"/>
+          </a:xfrm>
+        </p:spPr>
+      </p:pic>
+      <p:sp>
+        <p:nvSpPr>
+          <p:cNvPr id="4" name="Нижний колонтитул 3"/>
+          <p:cNvSpPr>
+            <a:spLocks noGrp="1"/>
+          </p:cNvSpPr>
+          <p:nvPr>
+            <p:ph type="ftr" sz="quarter" idx="11"/>
+          </p:nvPr>
+        </p:nvSpPr>
+        <p:spPr/>
+        <p:txBody>
+          <a:bodyPr/>
+          <a:lstStyle/>
+          <a:p>
+            <a:r>
+              <a:rPr lang="en-US" smtClean="0"/>
+              <a:t>DMITRY@PROTOPOPOV.RU</a:t>
+            </a:r>
+            <a:endParaRPr lang="ru-RU"/>
+          </a:p>
+        </p:txBody>
+      </p:sp>
+      <p:sp>
+        <p:nvSpPr>
+          <p:cNvPr id="5" name="Номер слайда 4"/>
+          <p:cNvSpPr>
+            <a:spLocks noGrp="1"/>
+          </p:cNvSpPr>
+          <p:nvPr>
+            <p:ph type="sldNum" sz="quarter" idx="12"/>
+          </p:nvPr>
+        </p:nvSpPr>
+        <p:spPr/>
+        <p:txBody>
+          <a:bodyPr/>
+          <a:lstStyle/>
+          <a:p>
+            <a:fld id="{C0AF4200-06F9-4C00-BF67-F73768F696CA}" type="slidenum">
+              <a:rPr lang="ru-RU" smtClean="0"/>
+              <a:t>42</a:t>
+            </a:fld>
+            <a:endParaRPr lang="ru-RU"/>
+          </a:p>
+        </p:txBody>
+      </p:sp>
+    </p:spTree>
+    <p:extLst>
+      <p:ext uri="{BB962C8B-B14F-4D97-AF65-F5344CB8AC3E}">
+        <p14:creationId xmlns:p14="http://schemas.microsoft.com/office/powerpoint/2010/main" val="2126944354"/>
+      </p:ext>
+    </p:extLst>
+  </p:cSld>
+  <p:clrMapOvr>
+    <a:masterClrMapping/>
+  </p:clrMapOvr>
+</p:sld>
+</file>
+
+<file path=ppt/slides/slide43.xml><?xml version="1.0" encoding="utf-8"?>
+<p:sld xmlns:a="http://schemas.openxmlformats.org/drawingml/2006/main" xmlns:r="http://schemas.openxmlformats.org/officeDocument/2006/relationships" xmlns:p="http://schemas.openxmlformats.org/presentationml/2006/main">
+  <p:cSld>
+    <p:spTree>
+      <p:nvGrpSpPr>
+        <p:cNvPr id="1" name=""/>
+        <p:cNvGrpSpPr/>
+        <p:nvPr/>
+      </p:nvGrpSpPr>
+      <p:grpSpPr>
+        <a:xfrm>
+          <a:off x="0" y="0"/>
+          <a:ext cx="0" cy="0"/>
+          <a:chOff x="0" y="0"/>
+          <a:chExt cx="0" cy="0"/>
+        </a:xfrm>
+      </p:grpSpPr>
+      <p:sp>
+        <p:nvSpPr>
+          <p:cNvPr id="2" name="Заголовок 1"/>
+          <p:cNvSpPr>
+            <a:spLocks noGrp="1"/>
+          </p:cNvSpPr>
+          <p:nvPr>
+            <p:ph type="title"/>
+          </p:nvPr>
+        </p:nvSpPr>
+        <p:spPr/>
+        <p:txBody>
+          <a:bodyPr/>
+          <a:lstStyle/>
+          <a:p>
+            <a:r>
               <a:rPr lang="en-US" dirty="0" smtClean="0"/>
               <a:t>Thank You</a:t>
             </a:r>
@@ -15954,7 +17791,7 @@
           <a:p>
             <a:fld id="{C0AF4200-06F9-4C00-BF67-F73768F696CA}" type="slidenum">
               <a:rPr lang="ru-RU" smtClean="0"/>
-              <a:t>40</a:t>
+              <a:t>43</a:t>
             </a:fld>
             <a:endParaRPr lang="ru-RU"/>
           </a:p>

--- a/Presentations/Optical Box for Optical Computing.pptx
+++ b/Presentations/Optical Box for Optical Computing.pptx
@@ -1124,6 +1124,237 @@
       <dsp:cNvGrpSpPr/>
     </dsp:nvGrpSpPr>
     <dsp:grpSpPr/>
+    <dsp:sp modelId="{14186881-BD02-4831-A931-95254397C784}">
+      <dsp:nvSpPr>
+        <dsp:cNvPr id="0" name=""/>
+        <dsp:cNvSpPr/>
+      </dsp:nvSpPr>
+      <dsp:spPr>
+        <a:xfrm>
+          <a:off x="443" y="477913"/>
+          <a:ext cx="540669" cy="216267"/>
+        </a:xfrm>
+        <a:prstGeom prst="chevron">
+          <a:avLst/>
+        </a:prstGeom>
+        <a:solidFill>
+          <a:schemeClr val="accent1">
+            <a:hueOff val="0"/>
+            <a:satOff val="0"/>
+            <a:lumOff val="0"/>
+            <a:alphaOff val="0"/>
+          </a:schemeClr>
+        </a:solidFill>
+        <a:ln w="19050" cap="rnd" cmpd="sng" algn="ctr">
+          <a:solidFill>
+            <a:schemeClr val="lt1">
+              <a:hueOff val="0"/>
+              <a:satOff val="0"/>
+              <a:lumOff val="0"/>
+              <a:alphaOff val="0"/>
+            </a:schemeClr>
+          </a:solidFill>
+          <a:prstDash val="solid"/>
+        </a:ln>
+        <a:effectLst/>
+      </dsp:spPr>
+      <dsp:style>
+        <a:lnRef idx="2">
+          <a:scrgbClr r="0" g="0" b="0"/>
+        </a:lnRef>
+        <a:fillRef idx="1">
+          <a:scrgbClr r="0" g="0" b="0"/>
+        </a:fillRef>
+        <a:effectRef idx="0">
+          <a:scrgbClr r="0" g="0" b="0"/>
+        </a:effectRef>
+        <a:fontRef idx="minor">
+          <a:schemeClr val="lt1"/>
+        </a:fontRef>
+      </dsp:style>
+      <dsp:txBody>
+        <a:bodyPr spcFirstLastPara="0" vert="horz" wrap="square" lIns="52007" tIns="17336" rIns="17336" bIns="17336" numCol="1" spcCol="1270" anchor="ctr" anchorCtr="0">
+          <a:noAutofit/>
+        </a:bodyPr>
+        <a:lstStyle/>
+        <a:p>
+          <a:pPr lvl="0" algn="ctr" defTabSz="577850">
+            <a:lnSpc>
+              <a:spcPct val="90000"/>
+            </a:lnSpc>
+            <a:spcBef>
+              <a:spcPct val="0"/>
+            </a:spcBef>
+            <a:spcAft>
+              <a:spcPct val="35000"/>
+            </a:spcAft>
+          </a:pPr>
+          <a:r>
+            <a:rPr lang="en-US" sz="1300" kern="1200" dirty="0" smtClean="0"/>
+            <a:t>a</a:t>
+          </a:r>
+          <a:endParaRPr lang="ru-RU" sz="1300" kern="1200" dirty="0"/>
+        </a:p>
+      </dsp:txBody>
+      <dsp:txXfrm>
+        <a:off x="108577" y="477913"/>
+        <a:ext cx="324402" cy="216267"/>
+      </dsp:txXfrm>
+    </dsp:sp>
+    <dsp:sp modelId="{4F70E059-9FD7-4CB0-B54F-D6C99CBB1EFA}">
+      <dsp:nvSpPr>
+        <dsp:cNvPr id="0" name=""/>
+        <dsp:cNvSpPr/>
+      </dsp:nvSpPr>
+      <dsp:spPr>
+        <a:xfrm>
+          <a:off x="487046" y="477913"/>
+          <a:ext cx="540669" cy="216267"/>
+        </a:xfrm>
+        <a:prstGeom prst="chevron">
+          <a:avLst/>
+        </a:prstGeom>
+        <a:solidFill>
+          <a:schemeClr val="accent1">
+            <a:hueOff val="0"/>
+            <a:satOff val="0"/>
+            <a:lumOff val="0"/>
+            <a:alphaOff val="0"/>
+          </a:schemeClr>
+        </a:solidFill>
+        <a:ln w="19050" cap="rnd" cmpd="sng" algn="ctr">
+          <a:solidFill>
+            <a:schemeClr val="lt1">
+              <a:hueOff val="0"/>
+              <a:satOff val="0"/>
+              <a:lumOff val="0"/>
+              <a:alphaOff val="0"/>
+            </a:schemeClr>
+          </a:solidFill>
+          <a:prstDash val="solid"/>
+        </a:ln>
+        <a:effectLst/>
+      </dsp:spPr>
+      <dsp:style>
+        <a:lnRef idx="2">
+          <a:scrgbClr r="0" g="0" b="0"/>
+        </a:lnRef>
+        <a:fillRef idx="1">
+          <a:scrgbClr r="0" g="0" b="0"/>
+        </a:fillRef>
+        <a:effectRef idx="0">
+          <a:scrgbClr r="0" g="0" b="0"/>
+        </a:effectRef>
+        <a:fontRef idx="minor">
+          <a:schemeClr val="lt1"/>
+        </a:fontRef>
+      </dsp:style>
+      <dsp:txBody>
+        <a:bodyPr spcFirstLastPara="0" vert="horz" wrap="square" lIns="52007" tIns="17336" rIns="17336" bIns="17336" numCol="1" spcCol="1270" anchor="ctr" anchorCtr="0">
+          <a:noAutofit/>
+        </a:bodyPr>
+        <a:lstStyle/>
+        <a:p>
+          <a:pPr lvl="0" algn="ctr" defTabSz="577850">
+            <a:lnSpc>
+              <a:spcPct val="90000"/>
+            </a:lnSpc>
+            <a:spcBef>
+              <a:spcPct val="0"/>
+            </a:spcBef>
+            <a:spcAft>
+              <a:spcPct val="35000"/>
+            </a:spcAft>
+          </a:pPr>
+          <a:r>
+            <a:rPr lang="en-US" sz="1300" kern="1200" dirty="0" smtClean="0"/>
+            <a:t>b</a:t>
+          </a:r>
+          <a:endParaRPr lang="ru-RU" sz="1300" kern="1200" dirty="0"/>
+        </a:p>
+      </dsp:txBody>
+      <dsp:txXfrm>
+        <a:off x="595180" y="477913"/>
+        <a:ext cx="324402" cy="216267"/>
+      </dsp:txXfrm>
+    </dsp:sp>
+    <dsp:sp modelId="{017DB2CB-7612-4580-8A52-FE254FDE8A20}">
+      <dsp:nvSpPr>
+        <dsp:cNvPr id="0" name=""/>
+        <dsp:cNvSpPr/>
+      </dsp:nvSpPr>
+      <dsp:spPr>
+        <a:xfrm>
+          <a:off x="973649" y="477913"/>
+          <a:ext cx="540669" cy="216267"/>
+        </a:xfrm>
+        <a:prstGeom prst="chevron">
+          <a:avLst/>
+        </a:prstGeom>
+        <a:solidFill>
+          <a:schemeClr val="accent1">
+            <a:hueOff val="0"/>
+            <a:satOff val="0"/>
+            <a:lumOff val="0"/>
+            <a:alphaOff val="0"/>
+          </a:schemeClr>
+        </a:solidFill>
+        <a:ln w="19050" cap="rnd" cmpd="sng" algn="ctr">
+          <a:solidFill>
+            <a:schemeClr val="lt1">
+              <a:hueOff val="0"/>
+              <a:satOff val="0"/>
+              <a:lumOff val="0"/>
+              <a:alphaOff val="0"/>
+            </a:schemeClr>
+          </a:solidFill>
+          <a:prstDash val="solid"/>
+        </a:ln>
+        <a:effectLst/>
+      </dsp:spPr>
+      <dsp:style>
+        <a:lnRef idx="2">
+          <a:scrgbClr r="0" g="0" b="0"/>
+        </a:lnRef>
+        <a:fillRef idx="1">
+          <a:scrgbClr r="0" g="0" b="0"/>
+        </a:fillRef>
+        <a:effectRef idx="0">
+          <a:scrgbClr r="0" g="0" b="0"/>
+        </a:effectRef>
+        <a:fontRef idx="minor">
+          <a:schemeClr val="lt1"/>
+        </a:fontRef>
+      </dsp:style>
+      <dsp:txBody>
+        <a:bodyPr spcFirstLastPara="0" vert="horz" wrap="square" lIns="52007" tIns="17336" rIns="17336" bIns="17336" numCol="1" spcCol="1270" anchor="ctr" anchorCtr="0">
+          <a:noAutofit/>
+        </a:bodyPr>
+        <a:lstStyle/>
+        <a:p>
+          <a:pPr lvl="0" algn="ctr" defTabSz="577850">
+            <a:lnSpc>
+              <a:spcPct val="90000"/>
+            </a:lnSpc>
+            <a:spcBef>
+              <a:spcPct val="0"/>
+            </a:spcBef>
+            <a:spcAft>
+              <a:spcPct val="35000"/>
+            </a:spcAft>
+          </a:pPr>
+          <a:r>
+            <a:rPr lang="en-US" sz="1300" kern="1200" dirty="0" smtClean="0"/>
+            <a:t>c</a:t>
+          </a:r>
+          <a:endParaRPr lang="ru-RU" sz="1300" kern="1200" dirty="0"/>
+        </a:p>
+      </dsp:txBody>
+      <dsp:txXfrm>
+        <a:off x="1081783" y="477913"/>
+        <a:ext cx="324402" cy="216267"/>
+      </dsp:txXfrm>
+    </dsp:sp>
   </dsp:spTree>
 </dsp:drawing>
 </file>
@@ -2494,7 +2725,7 @@
             </a:lvl1pPr>
           </a:lstStyle>
           <a:p>
-            <a:endParaRPr lang="ru-RU"/>
+            <a:endParaRPr lang="ru-RU" dirty="0"/>
           </a:p>
         </p:txBody>
       </p:sp>
@@ -2527,9 +2758,9 @@
           <a:p>
             <a:fld id="{47965BDB-5C01-4139-9513-E8EA78BAB95C}" type="datetimeFigureOut">
               <a:rPr lang="ru-RU" smtClean="0"/>
-              <a:t>23.08.2015</a:t>
+              <a:t>29.08.2015</a:t>
             </a:fld>
-            <a:endParaRPr lang="ru-RU"/>
+            <a:endParaRPr lang="ru-RU" dirty="0"/>
           </a:p>
         </p:txBody>
       </p:sp>
@@ -2562,7 +2793,7 @@
           <a:bodyPr vert="horz" lIns="91440" tIns="45720" rIns="91440" bIns="45720" rtlCol="0" anchor="ctr"/>
           <a:lstStyle/>
           <a:p>
-            <a:endParaRPr lang="ru-RU"/>
+            <a:endParaRPr lang="ru-RU" dirty="0"/>
           </a:p>
         </p:txBody>
       </p:sp>
@@ -2653,7 +2884,7 @@
             </a:lvl1pPr>
           </a:lstStyle>
           <a:p>
-            <a:endParaRPr lang="ru-RU"/>
+            <a:endParaRPr lang="ru-RU" dirty="0"/>
           </a:p>
         </p:txBody>
       </p:sp>
@@ -2688,7 +2919,7 @@
               <a:rPr lang="ru-RU" smtClean="0"/>
               <a:t>‹#›</a:t>
             </a:fld>
-            <a:endParaRPr lang="ru-RU"/>
+            <a:endParaRPr lang="ru-RU" dirty="0"/>
           </a:p>
         </p:txBody>
       </p:sp>
@@ -2839,7 +3070,7 @@
           <a:bodyPr/>
           <a:lstStyle/>
           <a:p>
-            <a:endParaRPr lang="ru-RU"/>
+            <a:endParaRPr lang="ru-RU" dirty="0"/>
           </a:p>
         </p:txBody>
       </p:sp>
@@ -2862,7 +3093,7 @@
               <a:rPr lang="ru-RU" smtClean="0"/>
               <a:t>1</a:t>
             </a:fld>
-            <a:endParaRPr lang="ru-RU"/>
+            <a:endParaRPr lang="ru-RU" dirty="0"/>
           </a:p>
         </p:txBody>
       </p:sp>
@@ -3624,9 +3855,9 @@
           <a:p>
             <a:fld id="{6DAFDC14-BBF4-497A-BB56-B676D1547F7F}" type="datetime1">
               <a:rPr lang="ru-RU" smtClean="0"/>
-              <a:t>23.08.2015</a:t>
+              <a:t>29.08.2015</a:t>
             </a:fld>
-            <a:endParaRPr lang="ru-RU"/>
+            <a:endParaRPr lang="ru-RU" dirty="0"/>
           </a:p>
         </p:txBody>
       </p:sp>
@@ -3646,10 +3877,10 @@
           <a:lstStyle/>
           <a:p>
             <a:r>
-              <a:rPr lang="en-US" smtClean="0"/>
+              <a:rPr lang="en-US" dirty="0" smtClean="0"/>
               <a:t>DMITRY@PROTOPOPOV.RU</a:t>
             </a:r>
-            <a:endParaRPr lang="ru-RU"/>
+            <a:endParaRPr lang="ru-RU" dirty="0"/>
           </a:p>
         </p:txBody>
       </p:sp>
@@ -3672,7 +3903,7 @@
               <a:rPr lang="ru-RU" smtClean="0"/>
               <a:t>‹#›</a:t>
             </a:fld>
-            <a:endParaRPr lang="ru-RU"/>
+            <a:endParaRPr lang="ru-RU" dirty="0"/>
           </a:p>
         </p:txBody>
       </p:sp>
@@ -3879,9 +4110,9 @@
           <a:p>
             <a:fld id="{DF3F8DB9-8227-493B-A0AD-1CC3989C1ABB}" type="datetime1">
               <a:rPr lang="ru-RU" smtClean="0"/>
-              <a:t>23.08.2015</a:t>
+              <a:t>29.08.2015</a:t>
             </a:fld>
-            <a:endParaRPr lang="ru-RU"/>
+            <a:endParaRPr lang="ru-RU" dirty="0"/>
           </a:p>
         </p:txBody>
       </p:sp>
@@ -3901,10 +4132,10 @@
           <a:lstStyle/>
           <a:p>
             <a:r>
-              <a:rPr lang="en-US" smtClean="0"/>
+              <a:rPr lang="en-US" dirty="0" smtClean="0"/>
               <a:t>DMITRY@PROTOPOPOV.RU</a:t>
             </a:r>
-            <a:endParaRPr lang="ru-RU"/>
+            <a:endParaRPr lang="ru-RU" dirty="0"/>
           </a:p>
         </p:txBody>
       </p:sp>
@@ -3927,7 +4158,7 @@
               <a:rPr lang="ru-RU" smtClean="0"/>
               <a:t>‹#›</a:t>
             </a:fld>
-            <a:endParaRPr lang="ru-RU"/>
+            <a:endParaRPr lang="ru-RU" dirty="0"/>
           </a:p>
         </p:txBody>
       </p:sp>
@@ -4197,9 +4428,9 @@
           <a:p>
             <a:fld id="{BFB419EF-464C-4779-AF31-B89448570BA7}" type="datetime1">
               <a:rPr lang="ru-RU" smtClean="0"/>
-              <a:t>23.08.2015</a:t>
+              <a:t>29.08.2015</a:t>
             </a:fld>
-            <a:endParaRPr lang="ru-RU"/>
+            <a:endParaRPr lang="ru-RU" dirty="0"/>
           </a:p>
         </p:txBody>
       </p:sp>
@@ -4219,10 +4450,10 @@
           <a:lstStyle/>
           <a:p>
             <a:r>
-              <a:rPr lang="en-US" smtClean="0"/>
+              <a:rPr lang="en-US" dirty="0" smtClean="0"/>
               <a:t>DMITRY@PROTOPOPOV.RU</a:t>
             </a:r>
-            <a:endParaRPr lang="ru-RU"/>
+            <a:endParaRPr lang="ru-RU" dirty="0"/>
           </a:p>
         </p:txBody>
       </p:sp>
@@ -4245,7 +4476,7 @@
               <a:rPr lang="ru-RU" smtClean="0"/>
               <a:t>‹#›</a:t>
             </a:fld>
-            <a:endParaRPr lang="ru-RU"/>
+            <a:endParaRPr lang="ru-RU" dirty="0"/>
           </a:p>
         </p:txBody>
       </p:sp>
@@ -4534,9 +4765,9 @@
           <a:p>
             <a:fld id="{81FDFD84-6B9D-4E0E-9F7F-09BE48D000C8}" type="datetime1">
               <a:rPr lang="ru-RU" smtClean="0"/>
-              <a:t>23.08.2015</a:t>
+              <a:t>29.08.2015</a:t>
             </a:fld>
-            <a:endParaRPr lang="ru-RU"/>
+            <a:endParaRPr lang="ru-RU" dirty="0"/>
           </a:p>
         </p:txBody>
       </p:sp>
@@ -4556,10 +4787,10 @@
           <a:lstStyle/>
           <a:p>
             <a:r>
-              <a:rPr lang="en-US" smtClean="0"/>
+              <a:rPr lang="en-US" dirty="0" smtClean="0"/>
               <a:t>DMITRY@PROTOPOPOV.RU</a:t>
             </a:r>
-            <a:endParaRPr lang="ru-RU"/>
+            <a:endParaRPr lang="ru-RU" dirty="0"/>
           </a:p>
         </p:txBody>
       </p:sp>
@@ -4582,7 +4813,7 @@
               <a:rPr lang="ru-RU" smtClean="0"/>
               <a:t>‹#›</a:t>
             </a:fld>
-            <a:endParaRPr lang="ru-RU"/>
+            <a:endParaRPr lang="ru-RU" dirty="0"/>
           </a:p>
         </p:txBody>
       </p:sp>
@@ -4852,9 +5083,9 @@
           <a:p>
             <a:fld id="{9D221666-A417-4DBC-9B46-3A22CA5326FD}" type="datetime1">
               <a:rPr lang="ru-RU" smtClean="0"/>
-              <a:t>23.08.2015</a:t>
+              <a:t>29.08.2015</a:t>
             </a:fld>
-            <a:endParaRPr lang="ru-RU"/>
+            <a:endParaRPr lang="ru-RU" dirty="0"/>
           </a:p>
         </p:txBody>
       </p:sp>
@@ -4874,10 +5105,10 @@
           <a:lstStyle/>
           <a:p>
             <a:r>
-              <a:rPr lang="en-US" smtClean="0"/>
+              <a:rPr lang="en-US" dirty="0" smtClean="0"/>
               <a:t>DMITRY@PROTOPOPOV.RU</a:t>
             </a:r>
-            <a:endParaRPr lang="ru-RU"/>
+            <a:endParaRPr lang="ru-RU" dirty="0"/>
           </a:p>
         </p:txBody>
       </p:sp>
@@ -4900,7 +5131,7 @@
               <a:rPr lang="ru-RU" smtClean="0"/>
               <a:t>‹#›</a:t>
             </a:fld>
-            <a:endParaRPr lang="ru-RU"/>
+            <a:endParaRPr lang="ru-RU" dirty="0"/>
           </a:p>
         </p:txBody>
       </p:sp>
@@ -5249,9 +5480,9 @@
           <a:p>
             <a:fld id="{4417E817-5BB5-4DAE-8F3E-3F2CD7A3287B}" type="datetime1">
               <a:rPr lang="ru-RU" smtClean="0"/>
-              <a:t>23.08.2015</a:t>
+              <a:t>29.08.2015</a:t>
             </a:fld>
-            <a:endParaRPr lang="ru-RU"/>
+            <a:endParaRPr lang="ru-RU" dirty="0"/>
           </a:p>
         </p:txBody>
       </p:sp>
@@ -5271,10 +5502,10 @@
           <a:lstStyle/>
           <a:p>
             <a:r>
-              <a:rPr lang="en-US" smtClean="0"/>
+              <a:rPr lang="en-US" dirty="0" smtClean="0"/>
               <a:t>DMITRY@PROTOPOPOV.RU</a:t>
             </a:r>
-            <a:endParaRPr lang="ru-RU"/>
+            <a:endParaRPr lang="ru-RU" dirty="0"/>
           </a:p>
         </p:txBody>
       </p:sp>
@@ -5297,7 +5528,7 @@
               <a:rPr lang="ru-RU" smtClean="0"/>
               <a:t>‹#›</a:t>
             </a:fld>
-            <a:endParaRPr lang="ru-RU"/>
+            <a:endParaRPr lang="ru-RU" dirty="0"/>
           </a:p>
         </p:txBody>
       </p:sp>
@@ -5423,9 +5654,9 @@
           <a:p>
             <a:fld id="{F8141C52-79A8-43A9-9723-3CE182EFD85B}" type="datetime1">
               <a:rPr lang="ru-RU" smtClean="0"/>
-              <a:t>23.08.2015</a:t>
+              <a:t>29.08.2015</a:t>
             </a:fld>
-            <a:endParaRPr lang="ru-RU"/>
+            <a:endParaRPr lang="ru-RU" dirty="0"/>
           </a:p>
         </p:txBody>
       </p:sp>
@@ -5445,10 +5676,10 @@
           <a:lstStyle/>
           <a:p>
             <a:r>
-              <a:rPr lang="en-US" smtClean="0"/>
+              <a:rPr lang="en-US" dirty="0" smtClean="0"/>
               <a:t>DMITRY@PROTOPOPOV.RU</a:t>
             </a:r>
-            <a:endParaRPr lang="ru-RU"/>
+            <a:endParaRPr lang="ru-RU" dirty="0"/>
           </a:p>
         </p:txBody>
       </p:sp>
@@ -5471,7 +5702,7 @@
               <a:rPr lang="ru-RU" smtClean="0"/>
               <a:t>‹#›</a:t>
             </a:fld>
-            <a:endParaRPr lang="ru-RU"/>
+            <a:endParaRPr lang="ru-RU" dirty="0"/>
           </a:p>
         </p:txBody>
       </p:sp>
@@ -5607,9 +5838,9 @@
           <a:p>
             <a:fld id="{136594F7-1AF4-46CB-8712-9E91E713E1B5}" type="datetime1">
               <a:rPr lang="ru-RU" smtClean="0"/>
-              <a:t>23.08.2015</a:t>
+              <a:t>29.08.2015</a:t>
             </a:fld>
-            <a:endParaRPr lang="ru-RU"/>
+            <a:endParaRPr lang="ru-RU" dirty="0"/>
           </a:p>
         </p:txBody>
       </p:sp>
@@ -5629,10 +5860,10 @@
           <a:lstStyle/>
           <a:p>
             <a:r>
-              <a:rPr lang="en-US" smtClean="0"/>
+              <a:rPr lang="en-US" dirty="0" smtClean="0"/>
               <a:t>DMITRY@PROTOPOPOV.RU</a:t>
             </a:r>
-            <a:endParaRPr lang="ru-RU"/>
+            <a:endParaRPr lang="ru-RU" dirty="0"/>
           </a:p>
         </p:txBody>
       </p:sp>
@@ -5655,7 +5886,7 @@
               <a:rPr lang="ru-RU" smtClean="0"/>
               <a:t>‹#›</a:t>
             </a:fld>
-            <a:endParaRPr lang="ru-RU"/>
+            <a:endParaRPr lang="ru-RU" dirty="0"/>
           </a:p>
         </p:txBody>
       </p:sp>
@@ -5781,9 +6012,9 @@
           <a:p>
             <a:fld id="{56B3D54F-20DE-4414-B684-E04866F89C55}" type="datetime1">
               <a:rPr lang="ru-RU" smtClean="0"/>
-              <a:t>23.08.2015</a:t>
+              <a:t>29.08.2015</a:t>
             </a:fld>
-            <a:endParaRPr lang="ru-RU"/>
+            <a:endParaRPr lang="ru-RU" dirty="0"/>
           </a:p>
         </p:txBody>
       </p:sp>
@@ -5803,10 +6034,10 @@
           <a:lstStyle/>
           <a:p>
             <a:r>
-              <a:rPr lang="en-US" smtClean="0"/>
+              <a:rPr lang="en-US" dirty="0" smtClean="0"/>
               <a:t>DMITRY@PROTOPOPOV.RU</a:t>
             </a:r>
-            <a:endParaRPr lang="ru-RU"/>
+            <a:endParaRPr lang="ru-RU" dirty="0"/>
           </a:p>
         </p:txBody>
       </p:sp>
@@ -5829,7 +6060,7 @@
               <a:rPr lang="ru-RU" smtClean="0"/>
               <a:t>‹#›</a:t>
             </a:fld>
-            <a:endParaRPr lang="ru-RU"/>
+            <a:endParaRPr lang="ru-RU" dirty="0"/>
           </a:p>
         </p:txBody>
       </p:sp>
@@ -6032,9 +6263,9 @@
           <a:p>
             <a:fld id="{FC2D666B-7C13-4D15-9F03-69B21520EDF2}" type="datetime1">
               <a:rPr lang="ru-RU" smtClean="0"/>
-              <a:t>23.08.2015</a:t>
+              <a:t>29.08.2015</a:t>
             </a:fld>
-            <a:endParaRPr lang="ru-RU"/>
+            <a:endParaRPr lang="ru-RU" dirty="0"/>
           </a:p>
         </p:txBody>
       </p:sp>
@@ -6054,10 +6285,10 @@
           <a:lstStyle/>
           <a:p>
             <a:r>
-              <a:rPr lang="en-US" smtClean="0"/>
+              <a:rPr lang="en-US" dirty="0" smtClean="0"/>
               <a:t>DMITRY@PROTOPOPOV.RU</a:t>
             </a:r>
-            <a:endParaRPr lang="ru-RU"/>
+            <a:endParaRPr lang="ru-RU" dirty="0"/>
           </a:p>
         </p:txBody>
       </p:sp>
@@ -6080,7 +6311,7 @@
               <a:rPr lang="ru-RU" smtClean="0"/>
               <a:t>‹#›</a:t>
             </a:fld>
-            <a:endParaRPr lang="ru-RU"/>
+            <a:endParaRPr lang="ru-RU" dirty="0"/>
           </a:p>
         </p:txBody>
       </p:sp>
@@ -6268,9 +6499,9 @@
           <a:p>
             <a:fld id="{E783CE21-E67D-48C9-91E8-9594510E3231}" type="datetime1">
               <a:rPr lang="ru-RU" smtClean="0"/>
-              <a:t>23.08.2015</a:t>
+              <a:t>29.08.2015</a:t>
             </a:fld>
-            <a:endParaRPr lang="ru-RU"/>
+            <a:endParaRPr lang="ru-RU" dirty="0"/>
           </a:p>
         </p:txBody>
       </p:sp>
@@ -6290,10 +6521,10 @@
           <a:lstStyle/>
           <a:p>
             <a:r>
-              <a:rPr lang="en-US" smtClean="0"/>
+              <a:rPr lang="en-US" dirty="0" smtClean="0"/>
               <a:t>DMITRY@PROTOPOPOV.RU</a:t>
             </a:r>
-            <a:endParaRPr lang="ru-RU"/>
+            <a:endParaRPr lang="ru-RU" dirty="0"/>
           </a:p>
         </p:txBody>
       </p:sp>
@@ -6316,7 +6547,7 @@
               <a:rPr lang="ru-RU" smtClean="0"/>
               <a:t>‹#›</a:t>
             </a:fld>
-            <a:endParaRPr lang="ru-RU"/>
+            <a:endParaRPr lang="ru-RU" dirty="0"/>
           </a:p>
         </p:txBody>
       </p:sp>
@@ -6646,9 +6877,9 @@
           <a:p>
             <a:fld id="{C6F211F9-15E9-4062-BC36-A6B903B58476}" type="datetime1">
               <a:rPr lang="ru-RU" smtClean="0"/>
-              <a:t>23.08.2015</a:t>
+              <a:t>29.08.2015</a:t>
             </a:fld>
-            <a:endParaRPr lang="ru-RU"/>
+            <a:endParaRPr lang="ru-RU" dirty="0"/>
           </a:p>
         </p:txBody>
       </p:sp>
@@ -6668,10 +6899,10 @@
           <a:lstStyle/>
           <a:p>
             <a:r>
-              <a:rPr lang="en-US" smtClean="0"/>
+              <a:rPr lang="en-US" dirty="0" smtClean="0"/>
               <a:t>DMITRY@PROTOPOPOV.RU</a:t>
             </a:r>
-            <a:endParaRPr lang="ru-RU"/>
+            <a:endParaRPr lang="ru-RU" dirty="0"/>
           </a:p>
         </p:txBody>
       </p:sp>
@@ -6694,7 +6925,7 @@
               <a:rPr lang="ru-RU" smtClean="0"/>
               <a:t>‹#›</a:t>
             </a:fld>
-            <a:endParaRPr lang="ru-RU"/>
+            <a:endParaRPr lang="ru-RU" dirty="0"/>
           </a:p>
         </p:txBody>
       </p:sp>
@@ -6773,9 +7004,9 @@
           <a:p>
             <a:fld id="{41BAC305-2C37-4251-89E6-3557804A3DDE}" type="datetime1">
               <a:rPr lang="ru-RU" smtClean="0"/>
-              <a:t>23.08.2015</a:t>
+              <a:t>29.08.2015</a:t>
             </a:fld>
-            <a:endParaRPr lang="ru-RU"/>
+            <a:endParaRPr lang="ru-RU" dirty="0"/>
           </a:p>
         </p:txBody>
       </p:sp>
@@ -6795,10 +7026,10 @@
           <a:lstStyle/>
           <a:p>
             <a:r>
-              <a:rPr lang="en-US" smtClean="0"/>
+              <a:rPr lang="en-US" dirty="0" smtClean="0"/>
               <a:t>DMITRY@PROTOPOPOV.RU</a:t>
             </a:r>
-            <a:endParaRPr lang="ru-RU"/>
+            <a:endParaRPr lang="ru-RU" dirty="0"/>
           </a:p>
         </p:txBody>
       </p:sp>
@@ -6821,7 +7052,7 @@
               <a:rPr lang="ru-RU" smtClean="0"/>
               <a:t>‹#›</a:t>
             </a:fld>
-            <a:endParaRPr lang="ru-RU"/>
+            <a:endParaRPr lang="ru-RU" dirty="0"/>
           </a:p>
         </p:txBody>
       </p:sp>
@@ -6872,9 +7103,9 @@
           <a:p>
             <a:fld id="{557E1E2D-46C2-4196-8C98-10F2744AB894}" type="datetime1">
               <a:rPr lang="ru-RU" smtClean="0"/>
-              <a:t>23.08.2015</a:t>
+              <a:t>29.08.2015</a:t>
             </a:fld>
-            <a:endParaRPr lang="ru-RU"/>
+            <a:endParaRPr lang="ru-RU" dirty="0"/>
           </a:p>
         </p:txBody>
       </p:sp>
@@ -6894,10 +7125,10 @@
           <a:lstStyle/>
           <a:p>
             <a:r>
-              <a:rPr lang="en-US" smtClean="0"/>
+              <a:rPr lang="en-US" dirty="0" smtClean="0"/>
               <a:t>DMITRY@PROTOPOPOV.RU</a:t>
             </a:r>
-            <a:endParaRPr lang="ru-RU"/>
+            <a:endParaRPr lang="ru-RU" dirty="0"/>
           </a:p>
         </p:txBody>
       </p:sp>
@@ -6920,7 +7151,7 @@
               <a:rPr lang="ru-RU" smtClean="0"/>
               <a:t>‹#›</a:t>
             </a:fld>
-            <a:endParaRPr lang="ru-RU"/>
+            <a:endParaRPr lang="ru-RU" dirty="0"/>
           </a:p>
         </p:txBody>
       </p:sp>
@@ -7131,9 +7362,9 @@
           <a:p>
             <a:fld id="{880FE139-BDD1-4F1C-92F9-C0B504D155D5}" type="datetime1">
               <a:rPr lang="ru-RU" smtClean="0"/>
-              <a:t>23.08.2015</a:t>
+              <a:t>29.08.2015</a:t>
             </a:fld>
-            <a:endParaRPr lang="ru-RU"/>
+            <a:endParaRPr lang="ru-RU" dirty="0"/>
           </a:p>
         </p:txBody>
       </p:sp>
@@ -7153,10 +7384,10 @@
           <a:lstStyle/>
           <a:p>
             <a:r>
-              <a:rPr lang="en-US" smtClean="0"/>
+              <a:rPr lang="en-US" dirty="0" smtClean="0"/>
               <a:t>DMITRY@PROTOPOPOV.RU</a:t>
             </a:r>
-            <a:endParaRPr lang="ru-RU"/>
+            <a:endParaRPr lang="ru-RU" dirty="0"/>
           </a:p>
         </p:txBody>
       </p:sp>
@@ -7179,7 +7410,7 @@
               <a:rPr lang="ru-RU" smtClean="0"/>
               <a:t>‹#›</a:t>
             </a:fld>
-            <a:endParaRPr lang="ru-RU"/>
+            <a:endParaRPr lang="ru-RU" dirty="0"/>
           </a:p>
         </p:txBody>
       </p:sp>
@@ -7307,7 +7538,7 @@
           </a:lstStyle>
           <a:p>
             <a:r>
-              <a:rPr lang="ru-RU" smtClean="0"/>
+              <a:rPr lang="ru-RU" dirty="0" smtClean="0"/>
               <a:t>Вставка рисунка</a:t>
             </a:r>
             <a:endParaRPr lang="en-US" dirty="0"/>
@@ -7397,10 +7628,10 @@
           <a:lstStyle/>
           <a:p>
             <a:r>
-              <a:rPr lang="en-US" smtClean="0"/>
+              <a:rPr lang="en-US" dirty="0" smtClean="0"/>
               <a:t>DMITRY@PROTOPOPOV.RU</a:t>
             </a:r>
-            <a:endParaRPr lang="ru-RU"/>
+            <a:endParaRPr lang="ru-RU" dirty="0"/>
           </a:p>
         </p:txBody>
       </p:sp>
@@ -7423,7 +7654,7 @@
               <a:rPr lang="ru-RU" smtClean="0"/>
               <a:t>‹#›</a:t>
             </a:fld>
-            <a:endParaRPr lang="ru-RU"/>
+            <a:endParaRPr lang="ru-RU" dirty="0"/>
           </a:p>
         </p:txBody>
       </p:sp>
@@ -7444,9 +7675,9 @@
           <a:p>
             <a:fld id="{5786CDF8-6869-4872-AF43-E4994A221A58}" type="datetime1">
               <a:rPr lang="ru-RU" smtClean="0"/>
-              <a:t>23.08.2015</a:t>
+              <a:t>29.08.2015</a:t>
             </a:fld>
-            <a:endParaRPr lang="ru-RU"/>
+            <a:endParaRPr lang="ru-RU" dirty="0"/>
           </a:p>
         </p:txBody>
       </p:sp>
@@ -8146,9 +8377,9 @@
           <a:p>
             <a:fld id="{F89CE3D6-8E5E-46A1-B98D-170B2857F33F}" type="datetime1">
               <a:rPr lang="ru-RU" smtClean="0"/>
-              <a:t>23.08.2015</a:t>
+              <a:t>29.08.2015</a:t>
             </a:fld>
-            <a:endParaRPr lang="ru-RU"/>
+            <a:endParaRPr lang="ru-RU" dirty="0"/>
           </a:p>
         </p:txBody>
       </p:sp>
@@ -8186,10 +8417,10 @@
           </a:lstStyle>
           <a:p>
             <a:r>
-              <a:rPr lang="en-US" smtClean="0"/>
+              <a:rPr lang="en-US" dirty="0" smtClean="0"/>
               <a:t>DMITRY@PROTOPOPOV.RU</a:t>
             </a:r>
-            <a:endParaRPr lang="ru-RU"/>
+            <a:endParaRPr lang="ru-RU" dirty="0"/>
           </a:p>
         </p:txBody>
       </p:sp>
@@ -8228,7 +8459,7 @@
               <a:rPr lang="ru-RU" smtClean="0"/>
               <a:t>‹#›</a:t>
             </a:fld>
-            <a:endParaRPr lang="ru-RU"/>
+            <a:endParaRPr lang="ru-RU" dirty="0"/>
           </a:p>
         </p:txBody>
       </p:sp>
@@ -8747,10 +8978,10 @@
           <a:lstStyle/>
           <a:p>
             <a:r>
-              <a:rPr lang="en-US" smtClean="0"/>
+              <a:rPr lang="en-US" dirty="0" smtClean="0"/>
               <a:t>DMITRY@PROTOPOPOV.RU</a:t>
             </a:r>
-            <a:endParaRPr lang="ru-RU"/>
+            <a:endParaRPr lang="ru-RU" dirty="0"/>
           </a:p>
         </p:txBody>
       </p:sp>
@@ -8773,7 +9004,7 @@
               <a:rPr lang="ru-RU" smtClean="0"/>
               <a:t>1</a:t>
             </a:fld>
-            <a:endParaRPr lang="ru-RU"/>
+            <a:endParaRPr lang="ru-RU" dirty="0"/>
           </a:p>
         </p:txBody>
       </p:sp>
@@ -8960,7 +9191,7 @@
               <a:rPr lang="ru-RU" smtClean="0"/>
               <a:t>10</a:t>
             </a:fld>
-            <a:endParaRPr lang="ru-RU"/>
+            <a:endParaRPr lang="ru-RU" dirty="0"/>
           </a:p>
         </p:txBody>
       </p:sp>
@@ -9036,7 +9267,7 @@
             <p:ph idx="1"/>
             <p:extLst>
               <p:ext uri="{D42A27DB-BD31-4B8C-83A1-F6EECF244321}">
-                <p14:modId xmlns:p14="http://schemas.microsoft.com/office/powerpoint/2010/main" val="2127589630"/>
+                <p14:modId xmlns:p14="http://schemas.microsoft.com/office/powerpoint/2010/main" val="1116310796"/>
               </p:ext>
             </p:extLst>
           </p:nvPr>
@@ -9119,12 +9350,12 @@
                         </a:spcAft>
                       </a:pPr>
                       <a:r>
-                        <a:rPr lang="ru-RU" sz="1000">
+                        <a:rPr lang="ru-RU" sz="1000" dirty="0">
                           <a:effectLst/>
                         </a:rPr>
                         <a:t>Xeon E5</a:t>
                       </a:r>
-                      <a:endParaRPr lang="ru-RU" sz="1000">
+                      <a:endParaRPr lang="ru-RU" sz="1000" dirty="0">
                         <a:effectLst/>
                         <a:latin typeface="Calibri" panose="020F0502020204030204" pitchFamily="34" charset="0"/>
                         <a:ea typeface="Times New Roman" panose="02020603050405020304" pitchFamily="18" charset="0"/>
@@ -9151,12 +9382,12 @@
                         </a:spcAft>
                       </a:pPr>
                       <a:r>
-                        <a:rPr lang="ru-RU" sz="1000">
+                        <a:rPr lang="ru-RU" sz="1000" dirty="0">
                           <a:effectLst/>
                         </a:rPr>
                         <a:t> </a:t>
                       </a:r>
-                      <a:endParaRPr lang="ru-RU" sz="1000">
+                      <a:endParaRPr lang="ru-RU" sz="1000" dirty="0">
                         <a:effectLst/>
                         <a:latin typeface="Calibri" panose="020F0502020204030204" pitchFamily="34" charset="0"/>
                         <a:ea typeface="Times New Roman" panose="02020603050405020304" pitchFamily="18" charset="0"/>
@@ -9183,12 +9414,12 @@
                         </a:spcAft>
                       </a:pPr>
                       <a:r>
-                        <a:rPr lang="ru-RU" sz="1000">
+                        <a:rPr lang="ru-RU" sz="1000" dirty="0">
                           <a:effectLst/>
                         </a:rPr>
                         <a:t> </a:t>
                       </a:r>
-                      <a:endParaRPr lang="ru-RU" sz="1000">
+                      <a:endParaRPr lang="ru-RU" sz="1000" dirty="0">
                         <a:effectLst/>
                         <a:latin typeface="Calibri" panose="020F0502020204030204" pitchFamily="34" charset="0"/>
                         <a:ea typeface="Times New Roman" panose="02020603050405020304" pitchFamily="18" charset="0"/>
@@ -9391,18 +9622,18 @@
                         </a:spcAft>
                       </a:pPr>
                       <a:r>
-                        <a:rPr lang="ru-RU" sz="1000">
+                        <a:rPr lang="ru-RU" sz="1000" dirty="0">
                           <a:effectLst/>
                         </a:rPr>
                         <a:t>~200</a:t>
                       </a:r>
                       <a:r>
-                        <a:rPr lang="en-US" sz="1000">
+                        <a:rPr lang="en-US" sz="1000" dirty="0">
                           <a:effectLst/>
                         </a:rPr>
                         <a:t>GFlops</a:t>
                       </a:r>
-                      <a:endParaRPr lang="ru-RU" sz="1000">
+                      <a:endParaRPr lang="ru-RU" sz="1000" dirty="0">
                         <a:effectLst/>
                         <a:latin typeface="Calibri" panose="020F0502020204030204" pitchFamily="34" charset="0"/>
                         <a:ea typeface="Times New Roman" panose="02020603050405020304" pitchFamily="18" charset="0"/>
@@ -9429,18 +9660,18 @@
                         </a:spcAft>
                       </a:pPr>
                       <a:r>
-                        <a:rPr lang="ru-RU" sz="1000">
+                        <a:rPr lang="ru-RU" sz="1000" dirty="0">
                           <a:effectLst/>
                         </a:rPr>
                         <a:t>~</a:t>
                       </a:r>
                       <a:r>
-                        <a:rPr lang="en-US" sz="1000">
+                        <a:rPr lang="en-US" sz="1000" dirty="0">
                           <a:effectLst/>
                         </a:rPr>
                         <a:t>1GFlops</a:t>
                       </a:r>
-                      <a:endParaRPr lang="ru-RU" sz="1000">
+                      <a:endParaRPr lang="ru-RU" sz="1000" dirty="0">
                         <a:effectLst/>
                         <a:latin typeface="Calibri" panose="020F0502020204030204" pitchFamily="34" charset="0"/>
                         <a:ea typeface="Times New Roman" panose="02020603050405020304" pitchFamily="18" charset="0"/>
@@ -9467,18 +9698,18 @@
                         </a:spcAft>
                       </a:pPr>
                       <a:r>
-                        <a:rPr lang="ru-RU" sz="1000">
+                        <a:rPr lang="ru-RU" sz="1000" dirty="0">
                           <a:effectLst/>
                         </a:rPr>
                         <a:t>~512</a:t>
                       </a:r>
                       <a:r>
-                        <a:rPr lang="en-US" sz="1000">
+                        <a:rPr lang="en-US" sz="1000" dirty="0">
                           <a:effectLst/>
                         </a:rPr>
                         <a:t>GFlops</a:t>
                       </a:r>
-                      <a:endParaRPr lang="ru-RU" sz="1000">
+                      <a:endParaRPr lang="ru-RU" sz="1000" dirty="0">
                         <a:effectLst/>
                         <a:latin typeface="Calibri" panose="020F0502020204030204" pitchFamily="34" charset="0"/>
                         <a:ea typeface="Times New Roman" panose="02020603050405020304" pitchFamily="18" charset="0"/>
@@ -9551,18 +9782,18 @@
                         </a:spcAft>
                       </a:pPr>
                       <a:r>
-                        <a:rPr lang="ru-RU" sz="1000">
+                        <a:rPr lang="ru-RU" sz="1000" dirty="0">
                           <a:effectLst/>
                         </a:rPr>
                         <a:t>~1000</a:t>
                       </a:r>
                       <a:r>
-                        <a:rPr lang="en-US" sz="1000">
+                        <a:rPr lang="en-US" sz="1000" dirty="0">
                           <a:effectLst/>
                         </a:rPr>
                         <a:t>USD</a:t>
                       </a:r>
-                      <a:endParaRPr lang="ru-RU" sz="1000">
+                      <a:endParaRPr lang="ru-RU" sz="1000" dirty="0">
                         <a:effectLst/>
                         <a:latin typeface="Calibri" panose="020F0502020204030204" pitchFamily="34" charset="0"/>
                         <a:ea typeface="Times New Roman" panose="02020603050405020304" pitchFamily="18" charset="0"/>
@@ -9589,18 +9820,18 @@
                         </a:spcAft>
                       </a:pPr>
                       <a:r>
-                        <a:rPr lang="ru-RU" sz="1000">
+                        <a:rPr lang="ru-RU" sz="1000" dirty="0">
                           <a:effectLst/>
                         </a:rPr>
                         <a:t>~</a:t>
                       </a:r>
                       <a:r>
-                        <a:rPr lang="en-US" sz="1000">
+                        <a:rPr lang="en-US" sz="1000" dirty="0">
                           <a:effectLst/>
                         </a:rPr>
                         <a:t>150USD</a:t>
                       </a:r>
-                      <a:endParaRPr lang="ru-RU" sz="1000">
+                      <a:endParaRPr lang="ru-RU" sz="1000" dirty="0">
                         <a:effectLst/>
                         <a:latin typeface="Calibri" panose="020F0502020204030204" pitchFamily="34" charset="0"/>
                         <a:ea typeface="Times New Roman" panose="02020603050405020304" pitchFamily="18" charset="0"/>
@@ -9627,18 +9858,18 @@
                         </a:spcAft>
                       </a:pPr>
                       <a:r>
-                        <a:rPr lang="ru-RU" sz="1000">
+                        <a:rPr lang="ru-RU" sz="1000" dirty="0">
                           <a:effectLst/>
                         </a:rPr>
                         <a:t>~3000</a:t>
                       </a:r>
                       <a:r>
-                        <a:rPr lang="en-US" sz="1000">
+                        <a:rPr lang="en-US" sz="1000" dirty="0">
                           <a:effectLst/>
                         </a:rPr>
                         <a:t>USD</a:t>
                       </a:r>
-                      <a:endParaRPr lang="ru-RU" sz="1000">
+                      <a:endParaRPr lang="ru-RU" sz="1000" dirty="0">
                         <a:effectLst/>
                         <a:latin typeface="Calibri" panose="020F0502020204030204" pitchFamily="34" charset="0"/>
                         <a:ea typeface="Times New Roman" panose="02020603050405020304" pitchFamily="18" charset="0"/>
@@ -9699,18 +9930,18 @@
                         </a:spcAft>
                       </a:pPr>
                       <a:r>
-                        <a:rPr lang="ru-RU" sz="1000">
+                        <a:rPr lang="ru-RU" sz="1000" dirty="0">
                           <a:effectLst/>
                         </a:rPr>
                         <a:t>~135</a:t>
                       </a:r>
                       <a:r>
-                        <a:rPr lang="en-US" sz="1000">
+                        <a:rPr lang="en-US" sz="1000" dirty="0">
                           <a:effectLst/>
                         </a:rPr>
                         <a:t>W</a:t>
                       </a:r>
-                      <a:endParaRPr lang="ru-RU" sz="1000">
+                      <a:endParaRPr lang="ru-RU" sz="1000" dirty="0">
                         <a:effectLst/>
                         <a:latin typeface="Calibri" panose="020F0502020204030204" pitchFamily="34" charset="0"/>
                         <a:ea typeface="Times New Roman" panose="02020603050405020304" pitchFamily="18" charset="0"/>
@@ -9737,18 +9968,18 @@
                         </a:spcAft>
                       </a:pPr>
                       <a:r>
-                        <a:rPr lang="ru-RU" sz="1000">
+                        <a:rPr lang="ru-RU" sz="1000" dirty="0">
                           <a:effectLst/>
                         </a:rPr>
                         <a:t>~0.1</a:t>
                       </a:r>
                       <a:r>
-                        <a:rPr lang="en-US" sz="1000">
+                        <a:rPr lang="en-US" sz="1000" dirty="0">
                           <a:effectLst/>
                         </a:rPr>
                         <a:t>W</a:t>
                       </a:r>
-                      <a:endParaRPr lang="ru-RU" sz="1000">
+                      <a:endParaRPr lang="ru-RU" sz="1000" dirty="0">
                         <a:effectLst/>
                         <a:latin typeface="Calibri" panose="020F0502020204030204" pitchFamily="34" charset="0"/>
                         <a:ea typeface="Times New Roman" panose="02020603050405020304" pitchFamily="18" charset="0"/>
@@ -9775,18 +10006,18 @@
                         </a:spcAft>
                       </a:pPr>
                       <a:r>
-                        <a:rPr lang="ru-RU" sz="1000">
+                        <a:rPr lang="ru-RU" sz="1000" dirty="0">
                           <a:effectLst/>
                         </a:rPr>
                         <a:t>~1</a:t>
                       </a:r>
                       <a:r>
-                        <a:rPr lang="en-US" sz="1000">
+                        <a:rPr lang="en-US" sz="1000" dirty="0">
                           <a:effectLst/>
                         </a:rPr>
                         <a:t>W</a:t>
                       </a:r>
-                      <a:endParaRPr lang="ru-RU" sz="1000">
+                      <a:endParaRPr lang="ru-RU" sz="1000" dirty="0">
                         <a:effectLst/>
                         <a:latin typeface="Calibri" panose="020F0502020204030204" pitchFamily="34" charset="0"/>
                         <a:ea typeface="Times New Roman" panose="02020603050405020304" pitchFamily="18" charset="0"/>
@@ -9877,30 +10108,30 @@
                         </a:spcAft>
                       </a:pPr>
                       <a:r>
-                        <a:rPr lang="ru-RU" sz="1000">
+                        <a:rPr lang="ru-RU" sz="1000" dirty="0">
                           <a:effectLst/>
                         </a:rPr>
                         <a:t>~5</a:t>
                       </a:r>
                       <a:r>
-                        <a:rPr lang="en-US" sz="1000">
+                        <a:rPr lang="en-US" sz="1000" dirty="0">
                           <a:effectLst/>
                         </a:rPr>
                         <a:t>USD</a:t>
                       </a:r>
                       <a:r>
-                        <a:rPr lang="ru-RU" sz="1000">
+                        <a:rPr lang="ru-RU" sz="1000" dirty="0">
                           <a:effectLst/>
                         </a:rPr>
                         <a:t>/ </a:t>
                       </a:r>
                       <a:r>
-                        <a:rPr lang="en-US" sz="1000">
+                        <a:rPr lang="en-US" sz="1000" dirty="0">
                           <a:effectLst/>
                         </a:rPr>
                         <a:t>GFlops</a:t>
                       </a:r>
-                      <a:endParaRPr lang="ru-RU" sz="1000">
+                      <a:endParaRPr lang="ru-RU" sz="1000" dirty="0">
                         <a:effectLst/>
                         <a:latin typeface="Calibri" panose="020F0502020204030204" pitchFamily="34" charset="0"/>
                         <a:ea typeface="Times New Roman" panose="02020603050405020304" pitchFamily="18" charset="0"/>
@@ -9927,30 +10158,30 @@
                         </a:spcAft>
                       </a:pPr>
                       <a:r>
-                        <a:rPr lang="ru-RU" sz="1000">
+                        <a:rPr lang="ru-RU" sz="1000" dirty="0">
                           <a:effectLst/>
                         </a:rPr>
                         <a:t>~150</a:t>
                       </a:r>
                       <a:r>
-                        <a:rPr lang="en-US" sz="1000">
+                        <a:rPr lang="en-US" sz="1000" dirty="0">
                           <a:effectLst/>
                         </a:rPr>
                         <a:t>USD</a:t>
                       </a:r>
                       <a:r>
-                        <a:rPr lang="ru-RU" sz="1000">
+                        <a:rPr lang="ru-RU" sz="1000" dirty="0">
                           <a:effectLst/>
                         </a:rPr>
                         <a:t>/ </a:t>
                       </a:r>
                       <a:r>
-                        <a:rPr lang="en-US" sz="1000">
+                        <a:rPr lang="en-US" sz="1000" dirty="0">
                           <a:effectLst/>
                         </a:rPr>
                         <a:t>GFlops</a:t>
                       </a:r>
-                      <a:endParaRPr lang="ru-RU" sz="1000">
+                      <a:endParaRPr lang="ru-RU" sz="1000" dirty="0">
                         <a:effectLst/>
                         <a:latin typeface="Calibri" panose="020F0502020204030204" pitchFamily="34" charset="0"/>
                         <a:ea typeface="Times New Roman" panose="02020603050405020304" pitchFamily="18" charset="0"/>
@@ -9977,30 +10208,30 @@
                         </a:spcAft>
                       </a:pPr>
                       <a:r>
-                        <a:rPr lang="ru-RU" sz="1000">
+                        <a:rPr lang="ru-RU" sz="1000" dirty="0">
                           <a:effectLst/>
                         </a:rPr>
                         <a:t>~6</a:t>
                       </a:r>
                       <a:r>
-                        <a:rPr lang="en-US" sz="1000">
+                        <a:rPr lang="en-US" sz="1000" dirty="0">
                           <a:effectLst/>
                         </a:rPr>
                         <a:t>USD</a:t>
                       </a:r>
                       <a:r>
-                        <a:rPr lang="ru-RU" sz="1000">
+                        <a:rPr lang="ru-RU" sz="1000" dirty="0">
                           <a:effectLst/>
                         </a:rPr>
                         <a:t>/ </a:t>
                       </a:r>
                       <a:r>
-                        <a:rPr lang="en-US" sz="1000">
+                        <a:rPr lang="en-US" sz="1000" dirty="0">
                           <a:effectLst/>
                         </a:rPr>
                         <a:t>GFlops</a:t>
                       </a:r>
-                      <a:endParaRPr lang="ru-RU" sz="1000">
+                      <a:endParaRPr lang="ru-RU" sz="1000" dirty="0">
                         <a:effectLst/>
                         <a:latin typeface="Calibri" panose="020F0502020204030204" pitchFamily="34" charset="0"/>
                         <a:ea typeface="Times New Roman" panose="02020603050405020304" pitchFamily="18" charset="0"/>
@@ -10129,30 +10360,30 @@
                         </a:spcAft>
                       </a:pPr>
                       <a:r>
-                        <a:rPr lang="ru-RU" sz="1000">
+                        <a:rPr lang="ru-RU" sz="1000" dirty="0">
                           <a:effectLst/>
                         </a:rPr>
                         <a:t>~0.1</a:t>
                       </a:r>
                       <a:r>
-                        <a:rPr lang="en-US" sz="1000">
+                        <a:rPr lang="en-US" sz="1000" dirty="0">
                           <a:effectLst/>
                         </a:rPr>
                         <a:t>W</a:t>
                       </a:r>
                       <a:r>
-                        <a:rPr lang="ru-RU" sz="1000">
+                        <a:rPr lang="ru-RU" sz="1000" dirty="0">
                           <a:effectLst/>
                         </a:rPr>
                         <a:t>/ </a:t>
                       </a:r>
                       <a:r>
-                        <a:rPr lang="en-US" sz="1000">
+                        <a:rPr lang="en-US" sz="1000" dirty="0">
                           <a:effectLst/>
                         </a:rPr>
                         <a:t>GFlops</a:t>
                       </a:r>
-                      <a:endParaRPr lang="ru-RU" sz="1000">
+                      <a:endParaRPr lang="ru-RU" sz="1000" dirty="0">
                         <a:effectLst/>
                         <a:latin typeface="Calibri" panose="020F0502020204030204" pitchFamily="34" charset="0"/>
                         <a:ea typeface="Times New Roman" panose="02020603050405020304" pitchFamily="18" charset="0"/>
@@ -10233,10 +10464,10 @@
           <a:lstStyle/>
           <a:p>
             <a:r>
-              <a:rPr lang="en-US" smtClean="0"/>
+              <a:rPr lang="en-US" dirty="0" smtClean="0"/>
               <a:t>DMITRY@PROTOPOPOV.RU</a:t>
             </a:r>
-            <a:endParaRPr lang="ru-RU"/>
+            <a:endParaRPr lang="ru-RU" dirty="0"/>
           </a:p>
         </p:txBody>
       </p:sp>
@@ -10259,7 +10490,7 @@
               <a:rPr lang="ru-RU" smtClean="0"/>
               <a:t>11</a:t>
             </a:fld>
-            <a:endParaRPr lang="ru-RU"/>
+            <a:endParaRPr lang="ru-RU" dirty="0"/>
           </a:p>
         </p:txBody>
       </p:sp>
@@ -10386,10 +10617,10 @@
           <a:lstStyle/>
           <a:p>
             <a:r>
-              <a:rPr lang="en-US" smtClean="0"/>
+              <a:rPr lang="en-US" dirty="0" smtClean="0"/>
               <a:t>DMITRY@PROTOPOPOV.RU</a:t>
             </a:r>
-            <a:endParaRPr lang="ru-RU"/>
+            <a:endParaRPr lang="ru-RU" dirty="0"/>
           </a:p>
         </p:txBody>
       </p:sp>
@@ -10412,7 +10643,7 @@
               <a:rPr lang="ru-RU" smtClean="0"/>
               <a:t>12</a:t>
             </a:fld>
-            <a:endParaRPr lang="ru-RU"/>
+            <a:endParaRPr lang="ru-RU" dirty="0"/>
           </a:p>
         </p:txBody>
       </p:sp>
@@ -10535,10 +10766,10 @@
           <a:lstStyle/>
           <a:p>
             <a:r>
-              <a:rPr lang="en-US" smtClean="0"/>
+              <a:rPr lang="en-US" dirty="0" smtClean="0"/>
               <a:t>DMITRY@PROTOPOPOV.RU</a:t>
             </a:r>
-            <a:endParaRPr lang="ru-RU"/>
+            <a:endParaRPr lang="ru-RU" dirty="0"/>
           </a:p>
         </p:txBody>
       </p:sp>
@@ -10561,7 +10792,7 @@
               <a:rPr lang="ru-RU" smtClean="0"/>
               <a:t>13</a:t>
             </a:fld>
-            <a:endParaRPr lang="ru-RU"/>
+            <a:endParaRPr lang="ru-RU" dirty="0"/>
           </a:p>
         </p:txBody>
       </p:sp>
@@ -10837,10 +11068,10 @@
           <a:lstStyle/>
           <a:p>
             <a:r>
-              <a:rPr lang="en-US" smtClean="0"/>
+              <a:rPr lang="en-US" dirty="0" smtClean="0"/>
               <a:t>DMITRY@PROTOPOPOV.RU</a:t>
             </a:r>
-            <a:endParaRPr lang="ru-RU"/>
+            <a:endParaRPr lang="ru-RU" dirty="0"/>
           </a:p>
         </p:txBody>
       </p:sp>
@@ -10863,7 +11094,7 @@
               <a:rPr lang="ru-RU" smtClean="0"/>
               <a:t>14</a:t>
             </a:fld>
-            <a:endParaRPr lang="ru-RU"/>
+            <a:endParaRPr lang="ru-RU" dirty="0"/>
           </a:p>
         </p:txBody>
       </p:sp>
@@ -10979,10 +11210,10 @@
           <a:lstStyle/>
           <a:p>
             <a:r>
-              <a:rPr lang="en-US" smtClean="0"/>
+              <a:rPr lang="en-US" dirty="0" smtClean="0"/>
               <a:t>DMITRY@PROTOPOPOV.RU</a:t>
             </a:r>
-            <a:endParaRPr lang="ru-RU"/>
+            <a:endParaRPr lang="ru-RU" dirty="0"/>
           </a:p>
         </p:txBody>
       </p:sp>
@@ -11005,7 +11236,7 @@
               <a:rPr lang="ru-RU" smtClean="0"/>
               <a:t>15</a:t>
             </a:fld>
-            <a:endParaRPr lang="ru-RU"/>
+            <a:endParaRPr lang="ru-RU" dirty="0"/>
           </a:p>
         </p:txBody>
       </p:sp>
@@ -11186,10 +11417,10 @@
           <a:lstStyle/>
           <a:p>
             <a:r>
-              <a:rPr lang="en-US" smtClean="0"/>
+              <a:rPr lang="en-US" dirty="0" smtClean="0"/>
               <a:t>DMITRY@PROTOPOPOV.RU</a:t>
             </a:r>
-            <a:endParaRPr lang="ru-RU"/>
+            <a:endParaRPr lang="ru-RU" dirty="0"/>
           </a:p>
         </p:txBody>
       </p:sp>
@@ -11212,7 +11443,7 @@
               <a:rPr lang="ru-RU" smtClean="0"/>
               <a:t>16</a:t>
             </a:fld>
-            <a:endParaRPr lang="ru-RU"/>
+            <a:endParaRPr lang="ru-RU" dirty="0"/>
           </a:p>
         </p:txBody>
       </p:sp>
@@ -11380,10 +11611,10 @@
           <a:lstStyle/>
           <a:p>
             <a:r>
-              <a:rPr lang="en-US" smtClean="0"/>
+              <a:rPr lang="en-US" dirty="0" smtClean="0"/>
               <a:t>DMITRY@PROTOPOPOV.RU</a:t>
             </a:r>
-            <a:endParaRPr lang="ru-RU"/>
+            <a:endParaRPr lang="ru-RU" dirty="0"/>
           </a:p>
         </p:txBody>
       </p:sp>
@@ -11406,7 +11637,7 @@
               <a:rPr lang="ru-RU" smtClean="0"/>
               <a:t>17</a:t>
             </a:fld>
-            <a:endParaRPr lang="ru-RU"/>
+            <a:endParaRPr lang="ru-RU" dirty="0"/>
           </a:p>
         </p:txBody>
       </p:sp>
@@ -11486,23 +11717,7 @@
           <a:p>
             <a:r>
               <a:rPr lang="en-US" dirty="0"/>
-              <a:t>The Optical Box for Optical Computing will operate with other application and tools using web-based API (Application Program Interface) like REST, SOAP or similar. Plugins and Add-ons will be developed for the most popular applications like Adobe Photoshop, </a:t>
-            </a:r>
-            <a:r>
-              <a:rPr lang="en-US" dirty="0" err="1"/>
-              <a:t>Solidworks</a:t>
-            </a:r>
-            <a:r>
-              <a:rPr lang="en-US" dirty="0"/>
-              <a:t>, 3D Max, </a:t>
-            </a:r>
-            <a:r>
-              <a:rPr lang="en-US" dirty="0" err="1"/>
-              <a:t>Ninjatrader</a:t>
-            </a:r>
-            <a:r>
-              <a:rPr lang="en-US" dirty="0"/>
-              <a:t>, etc. </a:t>
+              <a:t>The Optical Box for Optical Computing will operate with other application and tools using web-based API (Application Program Interface) like REST, SOAP or similar. Plugins and Add-ons will be developed for the most popular applications like Adobe Photoshop, Solidworks, 3D Max, Ninjatrader, etc. </a:t>
             </a:r>
           </a:p>
           <a:p>
@@ -11529,10 +11744,10 @@
           <a:lstStyle/>
           <a:p>
             <a:r>
-              <a:rPr lang="en-US" smtClean="0"/>
+              <a:rPr lang="en-US" dirty="0" smtClean="0"/>
               <a:t>DMITRY@PROTOPOPOV.RU</a:t>
             </a:r>
-            <a:endParaRPr lang="ru-RU"/>
+            <a:endParaRPr lang="ru-RU" dirty="0"/>
           </a:p>
         </p:txBody>
       </p:sp>
@@ -11555,7 +11770,7 @@
               <a:rPr lang="ru-RU" smtClean="0"/>
               <a:t>18</a:t>
             </a:fld>
-            <a:endParaRPr lang="ru-RU"/>
+            <a:endParaRPr lang="ru-RU" dirty="0"/>
           </a:p>
         </p:txBody>
       </p:sp>
@@ -11765,10 +11980,10 @@
           <a:lstStyle/>
           <a:p>
             <a:r>
-              <a:rPr lang="en-US" smtClean="0"/>
+              <a:rPr lang="en-US" dirty="0" smtClean="0"/>
               <a:t>DMITRY@PROTOPOPOV.RU</a:t>
             </a:r>
-            <a:endParaRPr lang="ru-RU"/>
+            <a:endParaRPr lang="ru-RU" dirty="0"/>
           </a:p>
         </p:txBody>
       </p:sp>
@@ -11791,7 +12006,7 @@
               <a:rPr lang="ru-RU" smtClean="0"/>
               <a:t>19</a:t>
             </a:fld>
-            <a:endParaRPr lang="ru-RU"/>
+            <a:endParaRPr lang="ru-RU" dirty="0"/>
           </a:p>
         </p:txBody>
       </p:sp>
@@ -11903,10 +12118,10 @@
           <a:lstStyle/>
           <a:p>
             <a:r>
-              <a:rPr lang="en-US" smtClean="0"/>
+              <a:rPr lang="en-US" dirty="0" smtClean="0"/>
               <a:t>DMITRY@PROTOPOPOV.RU</a:t>
             </a:r>
-            <a:endParaRPr lang="ru-RU"/>
+            <a:endParaRPr lang="ru-RU" dirty="0"/>
           </a:p>
         </p:txBody>
       </p:sp>
@@ -11929,7 +12144,7 @@
               <a:rPr lang="ru-RU" smtClean="0"/>
               <a:t>2</a:t>
             </a:fld>
-            <a:endParaRPr lang="ru-RU"/>
+            <a:endParaRPr lang="ru-RU" dirty="0"/>
           </a:p>
         </p:txBody>
       </p:sp>
@@ -12047,10 +12262,10 @@
           <a:lstStyle/>
           <a:p>
             <a:r>
-              <a:rPr lang="en-US" smtClean="0"/>
+              <a:rPr lang="en-US" dirty="0" smtClean="0"/>
               <a:t>DMITRY@PROTOPOPOV.RU</a:t>
             </a:r>
-            <a:endParaRPr lang="ru-RU"/>
+            <a:endParaRPr lang="ru-RU" dirty="0"/>
           </a:p>
         </p:txBody>
       </p:sp>
@@ -12073,7 +12288,7 @@
               <a:rPr lang="ru-RU" smtClean="0"/>
               <a:t>20</a:t>
             </a:fld>
-            <a:endParaRPr lang="ru-RU"/>
+            <a:endParaRPr lang="ru-RU" dirty="0"/>
           </a:p>
         </p:txBody>
       </p:sp>
@@ -12281,31 +12496,15 @@
           <a:p>
             <a:pPr lvl="1"/>
             <a:r>
-              <a:rPr lang="en-US" dirty="0" err="1" smtClean="0"/>
-              <a:t>EmguCV</a:t>
-            </a:r>
-            <a:r>
-              <a:rPr lang="en-US" dirty="0" smtClean="0"/>
-              <a:t>/</a:t>
-            </a:r>
-            <a:r>
-              <a:rPr lang="en-US" dirty="0" err="1" smtClean="0"/>
-              <a:t>OpenCV</a:t>
-            </a:r>
-            <a:r>
-              <a:rPr lang="en-US" dirty="0" smtClean="0"/>
-              <a:t> – C++ computer vision library (bitmap data management part)</a:t>
+              <a:rPr lang="en-US" dirty="0" smtClean="0"/>
+              <a:t>EmguCV/OpenCV – C++ computer vision library (bitmap data management part)</a:t>
             </a:r>
           </a:p>
           <a:p>
             <a:pPr lvl="1"/>
             <a:r>
-              <a:rPr lang="en-US" dirty="0" err="1" smtClean="0"/>
-              <a:t>FFTWSharp</a:t>
-            </a:r>
-            <a:r>
-              <a:rPr lang="en-US" dirty="0" smtClean="0"/>
-              <a:t>/FFTW – C++ Discrete </a:t>
+              <a:rPr lang="en-US" dirty="0" smtClean="0"/>
+              <a:t>FFTWSharp/FFTW – C++ Discrete </a:t>
             </a:r>
             <a:r>
               <a:rPr lang="en-US" dirty="0"/>
@@ -12364,7 +12563,7 @@
               <a:rPr lang="ru-RU" smtClean="0"/>
               <a:t>22</a:t>
             </a:fld>
-            <a:endParaRPr lang="ru-RU"/>
+            <a:endParaRPr lang="ru-RU" dirty="0"/>
           </a:p>
         </p:txBody>
       </p:sp>
@@ -12477,10 +12676,10 @@
           <a:lstStyle/>
           <a:p>
             <a:r>
-              <a:rPr lang="en-US" smtClean="0"/>
+              <a:rPr lang="en-US" dirty="0" smtClean="0"/>
               <a:t>DMITRY@PROTOPOPOV.RU</a:t>
             </a:r>
-            <a:endParaRPr lang="ru-RU"/>
+            <a:endParaRPr lang="ru-RU" dirty="0"/>
           </a:p>
         </p:txBody>
       </p:sp>
@@ -12503,7 +12702,7 @@
               <a:rPr lang="ru-RU" smtClean="0"/>
               <a:t>23</a:t>
             </a:fld>
-            <a:endParaRPr lang="ru-RU"/>
+            <a:endParaRPr lang="ru-RU" dirty="0"/>
           </a:p>
         </p:txBody>
       </p:sp>
@@ -12612,10 +12811,10 @@
           <a:lstStyle/>
           <a:p>
             <a:r>
-              <a:rPr lang="en-US" smtClean="0"/>
+              <a:rPr lang="en-US" dirty="0" smtClean="0"/>
               <a:t>DMITRY@PROTOPOPOV.RU</a:t>
             </a:r>
-            <a:endParaRPr lang="ru-RU"/>
+            <a:endParaRPr lang="ru-RU" dirty="0"/>
           </a:p>
         </p:txBody>
       </p:sp>
@@ -12638,7 +12837,7 @@
               <a:rPr lang="ru-RU" smtClean="0"/>
               <a:t>24</a:t>
             </a:fld>
-            <a:endParaRPr lang="ru-RU"/>
+            <a:endParaRPr lang="ru-RU" dirty="0"/>
           </a:p>
         </p:txBody>
       </p:sp>
@@ -12747,10 +12946,10 @@
           <a:lstStyle/>
           <a:p>
             <a:r>
-              <a:rPr lang="en-US" smtClean="0"/>
+              <a:rPr lang="en-US" dirty="0" smtClean="0"/>
               <a:t>DMITRY@PROTOPOPOV.RU</a:t>
             </a:r>
-            <a:endParaRPr lang="ru-RU"/>
+            <a:endParaRPr lang="ru-RU" dirty="0"/>
           </a:p>
         </p:txBody>
       </p:sp>
@@ -12773,7 +12972,7 @@
               <a:rPr lang="ru-RU" smtClean="0"/>
               <a:t>25</a:t>
             </a:fld>
-            <a:endParaRPr lang="ru-RU"/>
+            <a:endParaRPr lang="ru-RU" dirty="0"/>
           </a:p>
         </p:txBody>
       </p:sp>
@@ -13353,7 +13552,7 @@
           <a:lstStyle/>
           <a:p>
             <a:pPr algn="ctr"/>
-            <a:endParaRPr lang="ru-RU"/>
+            <a:endParaRPr lang="ru-RU" dirty="0"/>
           </a:p>
         </p:txBody>
       </p:sp>
@@ -13393,7 +13592,7 @@
           <a:lstStyle/>
           <a:p>
             <a:pPr algn="ctr"/>
-            <a:endParaRPr lang="ru-RU"/>
+            <a:endParaRPr lang="ru-RU" dirty="0"/>
           </a:p>
         </p:txBody>
       </p:sp>
@@ -13433,7 +13632,7 @@
           <a:lstStyle/>
           <a:p>
             <a:pPr algn="ctr"/>
-            <a:endParaRPr lang="ru-RU"/>
+            <a:endParaRPr lang="ru-RU" dirty="0"/>
           </a:p>
         </p:txBody>
       </p:sp>
@@ -14232,7 +14431,7 @@
           <a:lstStyle/>
           <a:p>
             <a:pPr algn="ctr"/>
-            <a:endParaRPr lang="ru-RU"/>
+            <a:endParaRPr lang="ru-RU" dirty="0"/>
           </a:p>
         </p:txBody>
       </p:sp>
@@ -14800,7 +14999,7 @@
           <a:lstStyle/>
           <a:p>
             <a:pPr algn="ctr"/>
-            <a:endParaRPr lang="ru-RU"/>
+            <a:endParaRPr lang="ru-RU" dirty="0"/>
           </a:p>
         </p:txBody>
       </p:sp>
@@ -15345,10 +15544,10 @@
           <a:lstStyle/>
           <a:p>
             <a:r>
-              <a:rPr lang="en-US" smtClean="0"/>
+              <a:rPr lang="en-US" dirty="0" smtClean="0"/>
               <a:t>DMITRY@PROTOPOPOV.RU</a:t>
             </a:r>
-            <a:endParaRPr lang="ru-RU"/>
+            <a:endParaRPr lang="ru-RU" dirty="0"/>
           </a:p>
         </p:txBody>
       </p:sp>
@@ -15371,7 +15570,7 @@
               <a:rPr lang="ru-RU" smtClean="0"/>
               <a:t>35</a:t>
             </a:fld>
-            <a:endParaRPr lang="ru-RU"/>
+            <a:endParaRPr lang="ru-RU" dirty="0"/>
           </a:p>
         </p:txBody>
       </p:sp>
@@ -15411,7 +15610,7 @@
           <a:lstStyle/>
           <a:p>
             <a:pPr algn="ctr"/>
-            <a:endParaRPr lang="ru-RU"/>
+            <a:endParaRPr lang="ru-RU" dirty="0"/>
           </a:p>
         </p:txBody>
       </p:sp>
@@ -16127,7 +16326,7 @@
           <a:lstStyle/>
           <a:p>
             <a:pPr algn="ctr"/>
-            <a:endParaRPr lang="ru-RU"/>
+            <a:endParaRPr lang="ru-RU" dirty="0"/>
           </a:p>
         </p:txBody>
       </p:sp>
@@ -16167,7 +16366,7 @@
           <a:lstStyle/>
           <a:p>
             <a:pPr algn="ctr"/>
-            <a:endParaRPr lang="ru-RU"/>
+            <a:endParaRPr lang="ru-RU" dirty="0"/>
           </a:p>
         </p:txBody>
       </p:sp>
@@ -16662,15 +16861,7 @@
             </a:r>
             <a:r>
               <a:rPr lang="en-US" dirty="0"/>
-              <a:t> Walsh-</a:t>
-            </a:r>
-            <a:r>
-              <a:rPr lang="en-US" dirty="0" err="1"/>
-              <a:t>Hadamar</a:t>
-            </a:r>
-            <a:r>
-              <a:rPr lang="en-US" dirty="0"/>
-              <a:t> </a:t>
+              <a:t> Walsh-Hadamar </a:t>
             </a:r>
             <a:r>
               <a:rPr lang="en-US" dirty="0" smtClean="0"/>
@@ -17402,31 +17593,15 @@
           <a:p>
             <a:pPr lvl="1"/>
             <a:r>
-              <a:rPr lang="en-US" dirty="0" err="1"/>
-              <a:t>EmguCV</a:t>
-            </a:r>
-            <a:r>
               <a:rPr lang="en-US" dirty="0"/>
-              <a:t>/</a:t>
-            </a:r>
-            <a:r>
-              <a:rPr lang="en-US" dirty="0" err="1"/>
-              <a:t>OpenCV</a:t>
-            </a:r>
+              <a:t>EmguCV/OpenCV – C++ computer vision library (bitmap data management part)</a:t>
+            </a:r>
+          </a:p>
+          <a:p>
+            <a:pPr lvl="1"/>
             <a:r>
               <a:rPr lang="en-US" dirty="0"/>
-              <a:t> – C++ computer vision library (bitmap data management part)</a:t>
-            </a:r>
-          </a:p>
-          <a:p>
-            <a:pPr lvl="1"/>
-            <a:r>
-              <a:rPr lang="en-US" dirty="0" err="1"/>
-              <a:t>FFTWSharp</a:t>
-            </a:r>
-            <a:r>
-              <a:rPr lang="en-US" dirty="0"/>
-              <a:t>/FFTW – C++ Discrete Fast Fourier Transform implementation</a:t>
+              <a:t>FFTWSharp/FFTW – C++ Discrete Fast Fourier Transform implementation</a:t>
             </a:r>
           </a:p>
           <a:p>
@@ -17450,10 +17625,10 @@
           <a:lstStyle/>
           <a:p>
             <a:r>
-              <a:rPr lang="en-US" smtClean="0"/>
+              <a:rPr lang="en-US" dirty="0" smtClean="0"/>
               <a:t>DMITRY@PROTOPOPOV.RU</a:t>
             </a:r>
-            <a:endParaRPr lang="ru-RU"/>
+            <a:endParaRPr lang="ru-RU" dirty="0"/>
           </a:p>
         </p:txBody>
       </p:sp>
@@ -17476,7 +17651,7 @@
               <a:rPr lang="ru-RU" smtClean="0"/>
               <a:t>41</a:t>
             </a:fld>
-            <a:endParaRPr lang="ru-RU"/>
+            <a:endParaRPr lang="ru-RU" dirty="0"/>
           </a:p>
         </p:txBody>
       </p:sp>
@@ -17594,10 +17769,10 @@
           <a:lstStyle/>
           <a:p>
             <a:r>
-              <a:rPr lang="en-US" smtClean="0"/>
+              <a:rPr lang="en-US" dirty="0" smtClean="0"/>
               <a:t>DMITRY@PROTOPOPOV.RU</a:t>
             </a:r>
-            <a:endParaRPr lang="ru-RU"/>
+            <a:endParaRPr lang="ru-RU" dirty="0"/>
           </a:p>
         </p:txBody>
       </p:sp>
@@ -17620,7 +17795,7 @@
               <a:rPr lang="ru-RU" smtClean="0"/>
               <a:t>42</a:t>
             </a:fld>
-            <a:endParaRPr lang="ru-RU"/>
+            <a:endParaRPr lang="ru-RU" dirty="0"/>
           </a:p>
         </p:txBody>
       </p:sp>
@@ -17767,10 +17942,10 @@
           <a:lstStyle/>
           <a:p>
             <a:r>
-              <a:rPr lang="en-US" smtClean="0"/>
+              <a:rPr lang="en-US" dirty="0" smtClean="0"/>
               <a:t>DMITRY@PROTOPOPOV.RU</a:t>
             </a:r>
-            <a:endParaRPr lang="ru-RU"/>
+            <a:endParaRPr lang="ru-RU" dirty="0"/>
           </a:p>
         </p:txBody>
       </p:sp>
@@ -17793,7 +17968,7 @@
               <a:rPr lang="ru-RU" smtClean="0"/>
               <a:t>43</a:t>
             </a:fld>
-            <a:endParaRPr lang="ru-RU"/>
+            <a:endParaRPr lang="ru-RU" dirty="0"/>
           </a:p>
         </p:txBody>
       </p:sp>
@@ -18210,7 +18385,7 @@
               <a:rPr lang="ru-RU" smtClean="0"/>
               <a:t>7</a:t>
             </a:fld>
-            <a:endParaRPr lang="ru-RU"/>
+            <a:endParaRPr lang="ru-RU" dirty="0"/>
           </a:p>
         </p:txBody>
       </p:sp>
